--- a/slides/rst.pptx
+++ b/slides/rst.pptx
@@ -5,18 +5,19 @@
     <p:sldMasterId id="2147484294" r:id="rId1"/>
   </p:sldMasterIdLst>
   <p:notesMasterIdLst>
-    <p:notesMasterId r:id="rId11"/>
+    <p:notesMasterId r:id="rId12"/>
   </p:notesMasterIdLst>
   <p:sldIdLst>
     <p:sldId id="256" r:id="rId2"/>
-    <p:sldId id="257" r:id="rId3"/>
-    <p:sldId id="258" r:id="rId4"/>
-    <p:sldId id="259" r:id="rId5"/>
-    <p:sldId id="260" r:id="rId6"/>
-    <p:sldId id="261" r:id="rId7"/>
-    <p:sldId id="262" r:id="rId8"/>
-    <p:sldId id="263" r:id="rId9"/>
-    <p:sldId id="264" r:id="rId10"/>
+    <p:sldId id="265" r:id="rId3"/>
+    <p:sldId id="257" r:id="rId4"/>
+    <p:sldId id="258" r:id="rId5"/>
+    <p:sldId id="259" r:id="rId6"/>
+    <p:sldId id="260" r:id="rId7"/>
+    <p:sldId id="261" r:id="rId8"/>
+    <p:sldId id="262" r:id="rId9"/>
+    <p:sldId id="263" r:id="rId10"/>
+    <p:sldId id="264" r:id="rId11"/>
   </p:sldIdLst>
   <p:sldSz cx="12192000" cy="6858000"/>
   <p:notesSz cx="6858000" cy="9144000"/>
@@ -205,7 +206,7 @@
           <a:p>
             <a:fld id="{90D4793D-962B-AE4B-9653-ECCE89FFBBCD}" type="datetimeFigureOut">
               <a:rPr lang="en-US" smtClean="0"/>
-              <a:t>4/20/20</a:t>
+              <a:t>4/21/20</a:t>
             </a:fld>
             <a:endParaRPr lang="en-US"/>
           </a:p>
@@ -751,7 +752,7 @@
           <a:p>
             <a:fld id="{51673806-0BCD-1F42-BAA8-2011034B3C6A}" type="datetimeFigureOut">
               <a:rPr lang="en-US" smtClean="0"/>
-              <a:t>4/20/20</a:t>
+              <a:t>4/21/20</a:t>
             </a:fld>
             <a:endParaRPr lang="en-US"/>
           </a:p>
@@ -1165,7 +1166,7 @@
           <a:p>
             <a:fld id="{51673806-0BCD-1F42-BAA8-2011034B3C6A}" type="datetimeFigureOut">
               <a:rPr lang="en-US" smtClean="0"/>
-              <a:t>4/20/20</a:t>
+              <a:t>4/21/20</a:t>
             </a:fld>
             <a:endParaRPr lang="en-US"/>
           </a:p>
@@ -1496,7 +1497,7 @@
           <a:p>
             <a:fld id="{51673806-0BCD-1F42-BAA8-2011034B3C6A}" type="datetimeFigureOut">
               <a:rPr lang="en-US" smtClean="0"/>
-              <a:t>4/20/20</a:t>
+              <a:t>4/21/20</a:t>
             </a:fld>
             <a:endParaRPr lang="en-US"/>
           </a:p>
@@ -1896,7 +1897,7 @@
           <a:p>
             <a:fld id="{51673806-0BCD-1F42-BAA8-2011034B3C6A}" type="datetimeFigureOut">
               <a:rPr lang="en-US" smtClean="0"/>
-              <a:t>4/20/20</a:t>
+              <a:t>4/21/20</a:t>
             </a:fld>
             <a:endParaRPr lang="en-US"/>
           </a:p>
@@ -2459,7 +2460,7 @@
           <a:p>
             <a:fld id="{51673806-0BCD-1F42-BAA8-2011034B3C6A}" type="datetimeFigureOut">
               <a:rPr lang="en-US" smtClean="0"/>
-              <a:t>4/20/20</a:t>
+              <a:t>4/21/20</a:t>
             </a:fld>
             <a:endParaRPr lang="en-US"/>
           </a:p>
@@ -3135,7 +3136,7 @@
           <a:p>
             <a:fld id="{51673806-0BCD-1F42-BAA8-2011034B3C6A}" type="datetimeFigureOut">
               <a:rPr lang="en-US" smtClean="0"/>
-              <a:t>4/20/20</a:t>
+              <a:t>4/21/20</a:t>
             </a:fld>
             <a:endParaRPr lang="en-US"/>
           </a:p>
@@ -4043,7 +4044,7 @@
           <a:p>
             <a:fld id="{51673806-0BCD-1F42-BAA8-2011034B3C6A}" type="datetimeFigureOut">
               <a:rPr lang="en-US" smtClean="0"/>
-              <a:t>4/20/20</a:t>
+              <a:t>4/21/20</a:t>
             </a:fld>
             <a:endParaRPr lang="en-US"/>
           </a:p>
@@ -4351,7 +4352,7 @@
           <a:p>
             <a:fld id="{51673806-0BCD-1F42-BAA8-2011034B3C6A}" type="datetimeFigureOut">
               <a:rPr lang="en-US" smtClean="0"/>
-              <a:t>4/20/20</a:t>
+              <a:t>4/21/20</a:t>
             </a:fld>
             <a:endParaRPr lang="en-US"/>
           </a:p>
@@ -4610,7 +4611,7 @@
           <a:p>
             <a:fld id="{51673806-0BCD-1F42-BAA8-2011034B3C6A}" type="datetimeFigureOut">
               <a:rPr lang="en-US" smtClean="0"/>
-              <a:t>4/20/20</a:t>
+              <a:t>4/21/20</a:t>
             </a:fld>
             <a:endParaRPr lang="en-US"/>
           </a:p>
@@ -4933,7 +4934,7 @@
           <a:p>
             <a:fld id="{51673806-0BCD-1F42-BAA8-2011034B3C6A}" type="datetimeFigureOut">
               <a:rPr lang="en-US" smtClean="0"/>
-              <a:t>4/20/20</a:t>
+              <a:t>4/21/20</a:t>
             </a:fld>
             <a:endParaRPr lang="en-US"/>
           </a:p>
@@ -5317,7 +5318,7 @@
           <a:p>
             <a:fld id="{51673806-0BCD-1F42-BAA8-2011034B3C6A}" type="datetimeFigureOut">
               <a:rPr lang="en-US" smtClean="0"/>
-              <a:t>4/20/20</a:t>
+              <a:t>4/21/20</a:t>
             </a:fld>
             <a:endParaRPr lang="en-US"/>
           </a:p>
@@ -5693,7 +5694,7 @@
           <a:p>
             <a:fld id="{51673806-0BCD-1F42-BAA8-2011034B3C6A}" type="datetimeFigureOut">
               <a:rPr lang="en-US" smtClean="0"/>
-              <a:t>4/20/20</a:t>
+              <a:t>4/21/20</a:t>
             </a:fld>
             <a:endParaRPr lang="en-US"/>
           </a:p>
@@ -6199,7 +6200,7 @@
           <a:p>
             <a:fld id="{51673806-0BCD-1F42-BAA8-2011034B3C6A}" type="datetimeFigureOut">
               <a:rPr lang="en-US" smtClean="0"/>
-              <a:t>4/20/20</a:t>
+              <a:t>4/21/20</a:t>
             </a:fld>
             <a:endParaRPr lang="en-US"/>
           </a:p>
@@ -6456,7 +6457,7 @@
           <a:p>
             <a:fld id="{51673806-0BCD-1F42-BAA8-2011034B3C6A}" type="datetimeFigureOut">
               <a:rPr lang="en-US" smtClean="0"/>
-              <a:t>4/20/20</a:t>
+              <a:t>4/21/20</a:t>
             </a:fld>
             <a:endParaRPr lang="en-US"/>
           </a:p>
@@ -6614,7 +6615,7 @@
           <a:p>
             <a:fld id="{51673806-0BCD-1F42-BAA8-2011034B3C6A}" type="datetimeFigureOut">
               <a:rPr lang="en-US" smtClean="0"/>
-              <a:t>4/20/20</a:t>
+              <a:t>4/21/20</a:t>
             </a:fld>
             <a:endParaRPr lang="en-US"/>
           </a:p>
@@ -7004,7 +7005,7 @@
           <a:p>
             <a:fld id="{51673806-0BCD-1F42-BAA8-2011034B3C6A}" type="datetimeFigureOut">
               <a:rPr lang="en-US" smtClean="0"/>
-              <a:t>4/20/20</a:t>
+              <a:t>4/21/20</a:t>
             </a:fld>
             <a:endParaRPr lang="en-US"/>
           </a:p>
@@ -7413,7 +7414,7 @@
           <a:p>
             <a:fld id="{51673806-0BCD-1F42-BAA8-2011034B3C6A}" type="datetimeFigureOut">
               <a:rPr lang="en-US" smtClean="0"/>
-              <a:t>4/20/20</a:t>
+              <a:t>4/21/20</a:t>
             </a:fld>
             <a:endParaRPr lang="en-US"/>
           </a:p>
@@ -7661,7 +7662,7 @@
             <a:fld id="{51673806-0BCD-1F42-BAA8-2011034B3C6A}" type="datetimeFigureOut">
               <a:rPr lang="en-US" smtClean="0"/>
               <a:pPr/>
-              <a:t>4/20/20</a:t>
+              <a:t>4/21/20</a:t>
             </a:fld>
             <a:endParaRPr lang="en-US" dirty="0"/>
           </a:p>
@@ -8168,6 +8169,209 @@
 </p:sld>
 </file>
 
+<file path=ppt/slides/slide10.xml><?xml version="1.0" encoding="utf-8"?>
+<p:sld xmlns:a="http://schemas.openxmlformats.org/drawingml/2006/main" xmlns:r="http://schemas.openxmlformats.org/officeDocument/2006/relationships" xmlns:p="http://schemas.openxmlformats.org/presentationml/2006/main">
+  <p:cSld>
+    <p:spTree>
+      <p:nvGrpSpPr>
+        <p:cNvPr id="1" name=""/>
+        <p:cNvGrpSpPr/>
+        <p:nvPr/>
+      </p:nvGrpSpPr>
+      <p:grpSpPr>
+        <a:xfrm>
+          <a:off x="0" y="0"/>
+          <a:ext cx="0" cy="0"/>
+          <a:chOff x="0" y="0"/>
+          <a:chExt cx="0" cy="0"/>
+        </a:xfrm>
+      </p:grpSpPr>
+      <p:sp>
+        <p:nvSpPr>
+          <p:cNvPr id="2" name="Title 1"/>
+          <p:cNvSpPr>
+            <a:spLocks noGrp="1"/>
+          </p:cNvSpPr>
+          <p:nvPr>
+            <p:ph type="title"/>
+          </p:nvPr>
+        </p:nvSpPr>
+        <p:spPr/>
+        <p:txBody>
+          <a:bodyPr/>
+          <a:lstStyle/>
+          <a:p>
+            <a:r>
+              <a:rPr lang="en-US" dirty="0" smtClean="0"/>
+              <a:t>**</a:t>
+            </a:r>
+            <a:r>
+              <a:rPr lang="en-US" dirty="0" err="1" smtClean="0"/>
+              <a:t>kwargs</a:t>
+            </a:r>
+            <a:r>
+              <a:rPr lang="en-US" dirty="0" smtClean="0"/>
+              <a:t> </a:t>
+            </a:r>
+            <a:endParaRPr lang="en-US" dirty="0"/>
+          </a:p>
+        </p:txBody>
+      </p:sp>
+      <p:sp>
+        <p:nvSpPr>
+          <p:cNvPr id="3" name="Content Placeholder 2"/>
+          <p:cNvSpPr>
+            <a:spLocks noGrp="1"/>
+          </p:cNvSpPr>
+          <p:nvPr>
+            <p:ph idx="1"/>
+          </p:nvPr>
+        </p:nvSpPr>
+        <p:spPr>
+          <a:xfrm>
+            <a:off x="680321" y="2336872"/>
+            <a:ext cx="5270103" cy="4173109"/>
+          </a:xfrm>
+        </p:spPr>
+        <p:txBody>
+          <a:bodyPr>
+            <a:normAutofit/>
+          </a:bodyPr>
+          <a:lstStyle/>
+          <a:p>
+            <a:pPr marL="0" indent="0">
+              <a:buNone/>
+            </a:pPr>
+            <a:r>
+              <a:rPr lang="en-US" dirty="0" smtClean="0"/>
+              <a:t>Indicates that the function accepts an arbitrary number of keyword arguments. </a:t>
+            </a:r>
+          </a:p>
+          <a:p>
+            <a:pPr marL="0" indent="0">
+              <a:buNone/>
+            </a:pPr>
+            <a:r>
+              <a:rPr lang="en-US" dirty="0" smtClean="0"/>
+              <a:t>Sometimes these are keyword arguments which will be passed to </a:t>
+            </a:r>
+            <a:r>
+              <a:rPr lang="en-US" i="1" dirty="0" smtClean="0"/>
+              <a:t>another function</a:t>
+            </a:r>
+            <a:r>
+              <a:rPr lang="en-US" dirty="0" smtClean="0"/>
+              <a:t>. This will be made clear usually in the </a:t>
+            </a:r>
+            <a:r>
+              <a:rPr lang="en-US" i="1" dirty="0" smtClean="0"/>
+              <a:t>Parameters</a:t>
+            </a:r>
+            <a:r>
+              <a:rPr lang="en-US" dirty="0" smtClean="0"/>
+              <a:t> section of a </a:t>
+            </a:r>
+            <a:r>
+              <a:rPr lang="en-US" dirty="0" err="1" smtClean="0"/>
+              <a:t>docstring</a:t>
+            </a:r>
+            <a:r>
+              <a:rPr lang="en-US" dirty="0" smtClean="0"/>
+              <a:t>. </a:t>
+            </a:r>
+          </a:p>
+          <a:p>
+            <a:pPr lvl="1"/>
+            <a:r>
+              <a:rPr lang="en-US" i="1" dirty="0" err="1"/>
+              <a:t>k</a:t>
+            </a:r>
+            <a:r>
+              <a:rPr lang="en-US" i="1" dirty="0" err="1" smtClean="0"/>
+              <a:t>wargs</a:t>
+            </a:r>
+            <a:r>
+              <a:rPr lang="en-US" dirty="0" smtClean="0"/>
+              <a:t> in this case is a </a:t>
+            </a:r>
+            <a:r>
+              <a:rPr lang="en-US" i="1" dirty="0" err="1" smtClean="0"/>
+              <a:t>dict</a:t>
+            </a:r>
+            <a:r>
+              <a:rPr lang="en-US" i="1" dirty="0" smtClean="0"/>
+              <a:t> </a:t>
+            </a:r>
+            <a:endParaRPr lang="en-US" dirty="0"/>
+          </a:p>
+          <a:p>
+            <a:pPr marL="0" indent="0">
+              <a:buNone/>
+            </a:pPr>
+            <a:r>
+              <a:rPr lang="en-US" i="1" dirty="0" smtClean="0"/>
+              <a:t/>
+            </a:r>
+            <a:br>
+              <a:rPr lang="en-US" i="1" dirty="0" smtClean="0"/>
+            </a:br>
+            <a:r>
+              <a:rPr lang="en-US" dirty="0" smtClean="0"/>
+              <a:t>Example: print names and ages for an unknown number of people. </a:t>
+            </a:r>
+          </a:p>
+        </p:txBody>
+      </p:sp>
+      <p:pic>
+        <p:nvPicPr>
+          <p:cNvPr id="5" name="Picture 4"/>
+          <p:cNvPicPr>
+            <a:picLocks noChangeAspect="1"/>
+          </p:cNvPicPr>
+          <p:nvPr/>
+        </p:nvPicPr>
+        <p:blipFill>
+          <a:blip r:embed="rId2">
+            <a:extLst>
+              <a:ext uri="{28A0092B-C50C-407E-A947-70E740481C1C}">
+                <a14:useLocalDpi xmlns:a14="http://schemas.microsoft.com/office/drawing/2010/main" val="0"/>
+              </a:ext>
+            </a:extLst>
+          </a:blip>
+          <a:stretch>
+            <a:fillRect/>
+          </a:stretch>
+        </p:blipFill>
+        <p:spPr>
+          <a:xfrm>
+            <a:off x="6192482" y="894686"/>
+            <a:ext cx="5499100" cy="5219700"/>
+          </a:xfrm>
+          <a:prstGeom prst="rect">
+            <a:avLst/>
+          </a:prstGeom>
+        </p:spPr>
+      </p:pic>
+    </p:spTree>
+    <p:extLst>
+      <p:ext uri="{BB962C8B-B14F-4D97-AF65-F5344CB8AC3E}">
+        <p14:creationId xmlns:p14="http://schemas.microsoft.com/office/powerpoint/2010/main" val="1196836659"/>
+      </p:ext>
+    </p:extLst>
+  </p:cSld>
+  <p:clrMapOvr>
+    <a:masterClrMapping/>
+  </p:clrMapOvr>
+  <p:timing>
+    <p:tnLst>
+      <p:par>
+        <p:cTn id="1" dur="indefinite" restart="never" nodeType="tmRoot"/>
+      </p:par>
+    </p:tnLst>
+  </p:timing>
+</p:sld>
+</file>
+
 <file path=ppt/slides/slide2.xml><?xml version="1.0" encoding="utf-8"?>
 <p:sld xmlns:a="http://schemas.openxmlformats.org/drawingml/2006/main" xmlns:r="http://schemas.openxmlformats.org/officeDocument/2006/relationships" xmlns:p="http://schemas.openxmlformats.org/presentationml/2006/main">
   <p:cSld>
@@ -8201,11 +8405,172 @@
           <a:lstStyle/>
           <a:p>
             <a:r>
+              <a:rPr lang="en-US" dirty="0" smtClean="0"/>
+              <a:t>Why You Should Care </a:t>
+            </a:r>
+            <a:endParaRPr lang="en-US" dirty="0"/>
+          </a:p>
+        </p:txBody>
+      </p:sp>
+      <p:sp>
+        <p:nvSpPr>
+          <p:cNvPr id="3" name="Content Placeholder 2"/>
+          <p:cNvSpPr>
+            <a:spLocks noGrp="1"/>
+          </p:cNvSpPr>
+          <p:nvPr>
+            <p:ph idx="1"/>
+          </p:nvPr>
+        </p:nvSpPr>
+        <p:spPr>
+          <a:xfrm>
+            <a:off x="680321" y="2336872"/>
+            <a:ext cx="10074115" cy="4077575"/>
+          </a:xfrm>
+        </p:spPr>
+        <p:txBody>
+          <a:bodyPr>
+            <a:normAutofit/>
+          </a:bodyPr>
+          <a:lstStyle/>
+          <a:p>
+            <a:pPr marL="0" indent="0">
+              <a:buNone/>
+            </a:pPr>
+            <a:r>
+              <a:rPr lang="en-US" dirty="0" smtClean="0"/>
+              <a:t>Because you need to know how to read it! Answering your own questions about python is considerably easier if you simply know </a:t>
+            </a:r>
+            <a:r>
+              <a:rPr lang="en-US" i="1" dirty="0" smtClean="0"/>
+              <a:t>where to look</a:t>
+            </a:r>
+            <a:r>
+              <a:rPr lang="en-US" dirty="0" smtClean="0"/>
+              <a:t>. </a:t>
+            </a:r>
+          </a:p>
+          <a:p>
+            <a:pPr marL="0" indent="0">
+              <a:buNone/>
+            </a:pPr>
+            <a:endParaRPr lang="en-US" dirty="0"/>
+          </a:p>
+          <a:p>
+            <a:pPr marL="0" indent="0">
+              <a:buNone/>
+            </a:pPr>
+            <a:r>
+              <a:rPr lang="en-US" dirty="0" smtClean="0"/>
+              <a:t>Python Enhancement Proposal (PEP) 287 established </a:t>
+            </a:r>
+            <a:r>
               <a:rPr lang="en-US" dirty="0" err="1" smtClean="0"/>
               <a:t>reStructuredText</a:t>
             </a:r>
             <a:r>
               <a:rPr lang="en-US" dirty="0" smtClean="0"/>
+              <a:t> (RST) as the standard markup language for python documentation </a:t>
+            </a:r>
+          </a:p>
+          <a:p>
+            <a:pPr lvl="1"/>
+            <a:r>
+              <a:rPr lang="en-US" dirty="0" smtClean="0"/>
+              <a:t>Whether or not you ever write documentation, you will encounter RST using python </a:t>
+            </a:r>
+            <a:endParaRPr lang="en-US" dirty="0"/>
+          </a:p>
+          <a:p>
+            <a:pPr marL="0" indent="0">
+              <a:buNone/>
+            </a:pPr>
+            <a:endParaRPr lang="en-US" dirty="0" smtClean="0"/>
+          </a:p>
+          <a:p>
+            <a:pPr marL="0" indent="0">
+              <a:buNone/>
+            </a:pPr>
+            <a:endParaRPr lang="en-US" dirty="0" smtClean="0"/>
+          </a:p>
+          <a:p>
+            <a:pPr marL="0" indent="0">
+              <a:buNone/>
+            </a:pPr>
+            <a:r>
+              <a:rPr lang="en-US" dirty="0" smtClean="0"/>
+              <a:t>Bonus: What does *</a:t>
+            </a:r>
+            <a:r>
+              <a:rPr lang="en-US" dirty="0" err="1" smtClean="0"/>
+              <a:t>args</a:t>
+            </a:r>
+            <a:r>
+              <a:rPr lang="en-US" dirty="0" smtClean="0"/>
+              <a:t> and **</a:t>
+            </a:r>
+            <a:r>
+              <a:rPr lang="en-US" dirty="0" err="1" smtClean="0"/>
+              <a:t>kwargs</a:t>
+            </a:r>
+            <a:r>
+              <a:rPr lang="en-US" dirty="0" smtClean="0"/>
+              <a:t> mean? </a:t>
+            </a:r>
+          </a:p>
+        </p:txBody>
+      </p:sp>
+    </p:spTree>
+    <p:extLst>
+      <p:ext uri="{BB962C8B-B14F-4D97-AF65-F5344CB8AC3E}">
+        <p14:creationId xmlns:p14="http://schemas.microsoft.com/office/powerpoint/2010/main" val="1836325185"/>
+      </p:ext>
+    </p:extLst>
+  </p:cSld>
+  <p:clrMapOvr>
+    <a:masterClrMapping/>
+  </p:clrMapOvr>
+</p:sld>
+</file>
+
+<file path=ppt/slides/slide3.xml><?xml version="1.0" encoding="utf-8"?>
+<p:sld xmlns:a="http://schemas.openxmlformats.org/drawingml/2006/main" xmlns:r="http://schemas.openxmlformats.org/officeDocument/2006/relationships" xmlns:p="http://schemas.openxmlformats.org/presentationml/2006/main">
+  <p:cSld>
+    <p:spTree>
+      <p:nvGrpSpPr>
+        <p:cNvPr id="1" name=""/>
+        <p:cNvGrpSpPr/>
+        <p:nvPr/>
+      </p:nvGrpSpPr>
+      <p:grpSpPr>
+        <a:xfrm>
+          <a:off x="0" y="0"/>
+          <a:ext cx="0" cy="0"/>
+          <a:chOff x="0" y="0"/>
+          <a:chExt cx="0" cy="0"/>
+        </a:xfrm>
+      </p:grpSpPr>
+      <p:sp>
+        <p:nvSpPr>
+          <p:cNvPr id="2" name="Title 1"/>
+          <p:cNvSpPr>
+            <a:spLocks noGrp="1"/>
+          </p:cNvSpPr>
+          <p:nvPr>
+            <p:ph type="title"/>
+          </p:nvPr>
+        </p:nvSpPr>
+        <p:spPr/>
+        <p:txBody>
+          <a:bodyPr/>
+          <a:lstStyle/>
+          <a:p>
+            <a:r>
+              <a:rPr lang="en-US" dirty="0" err="1" smtClean="0"/>
+              <a:t>reStructuredText</a:t>
+            </a:r>
+            <a:r>
+              <a:rPr lang="en-US" dirty="0" smtClean="0"/>
               <a:t> (RST) </a:t>
             </a:r>
             <a:endParaRPr lang="en-US" dirty="0"/>
@@ -8266,7 +8631,7 @@
             </a:pPr>
             <a:r>
               <a:rPr lang="en-US" dirty="0" smtClean="0"/>
-              <a:t>For the most part you’ll see the HTML output from RST, and raw RST only from </a:t>
+              <a:t>Online documentation is generally this content ported to HTML, while </a:t>
             </a:r>
             <a:r>
               <a:rPr lang="en-US" dirty="0" err="1" smtClean="0"/>
@@ -8274,16 +8639,17 @@
             </a:r>
             <a:r>
               <a:rPr lang="en-US" dirty="0" smtClean="0"/>
-              <a:t> when viewed </a:t>
+              <a:t> </a:t>
             </a:r>
             <a:r>
               <a:rPr lang="en-US" i="1" dirty="0" smtClean="0"/>
-              <a:t>in python</a:t>
+              <a:t>viewed in python</a:t>
             </a:r>
             <a:r>
               <a:rPr lang="en-US" dirty="0" smtClean="0"/>
-              <a:t>. </a:t>
-            </a:r>
+              <a:t> show the raw RST. </a:t>
+            </a:r>
+            <a:endParaRPr lang="en-US" dirty="0" smtClean="0"/>
           </a:p>
           <a:p>
             <a:pPr marL="0" indent="0">
@@ -8353,207 +8719,6 @@
     <p:extLst>
       <p:ext uri="{BB962C8B-B14F-4D97-AF65-F5344CB8AC3E}">
         <p14:creationId xmlns:p14="http://schemas.microsoft.com/office/powerpoint/2010/main" val="1629456948"/>
-      </p:ext>
-    </p:extLst>
-  </p:cSld>
-  <p:clrMapOvr>
-    <a:masterClrMapping/>
-  </p:clrMapOvr>
-  <p:timing>
-    <p:tnLst>
-      <p:par>
-        <p:cTn id="1" dur="indefinite" restart="never" nodeType="tmRoot"/>
-      </p:par>
-    </p:tnLst>
-  </p:timing>
-</p:sld>
-</file>
-
-<file path=ppt/slides/slide3.xml><?xml version="1.0" encoding="utf-8"?>
-<p:sld xmlns:a="http://schemas.openxmlformats.org/drawingml/2006/main" xmlns:r="http://schemas.openxmlformats.org/officeDocument/2006/relationships" xmlns:p="http://schemas.openxmlformats.org/presentationml/2006/main">
-  <p:cSld>
-    <p:spTree>
-      <p:nvGrpSpPr>
-        <p:cNvPr id="1" name=""/>
-        <p:cNvGrpSpPr/>
-        <p:nvPr/>
-      </p:nvGrpSpPr>
-      <p:grpSpPr>
-        <a:xfrm>
-          <a:off x="0" y="0"/>
-          <a:ext cx="0" cy="0"/>
-          <a:chOff x="0" y="0"/>
-          <a:chExt cx="0" cy="0"/>
-        </a:xfrm>
-      </p:grpSpPr>
-      <p:sp>
-        <p:nvSpPr>
-          <p:cNvPr id="2" name="Title 1"/>
-          <p:cNvSpPr>
-            <a:spLocks noGrp="1"/>
-          </p:cNvSpPr>
-          <p:nvPr>
-            <p:ph type="title"/>
-          </p:nvPr>
-        </p:nvSpPr>
-        <p:spPr/>
-        <p:txBody>
-          <a:bodyPr/>
-          <a:lstStyle/>
-          <a:p>
-            <a:r>
-              <a:rPr lang="en-US" dirty="0" err="1" smtClean="0"/>
-              <a:t>reStructuredText</a:t>
-            </a:r>
-            <a:r>
-              <a:rPr lang="en-US" dirty="0" smtClean="0"/>
-              <a:t> (RST) </a:t>
-            </a:r>
-            <a:endParaRPr lang="en-US" dirty="0"/>
-          </a:p>
-        </p:txBody>
-      </p:sp>
-      <p:pic>
-        <p:nvPicPr>
-          <p:cNvPr id="4" name="Picture 3"/>
-          <p:cNvPicPr>
-            <a:picLocks noChangeAspect="1"/>
-          </p:cNvPicPr>
-          <p:nvPr/>
-        </p:nvPicPr>
-        <p:blipFill>
-          <a:blip r:embed="rId2">
-            <a:extLst>
-              <a:ext uri="{28A0092B-C50C-407E-A947-70E740481C1C}">
-                <a14:useLocalDpi xmlns:a14="http://schemas.microsoft.com/office/drawing/2010/main" val="0"/>
-              </a:ext>
-            </a:extLst>
-          </a:blip>
-          <a:stretch>
-            <a:fillRect/>
-          </a:stretch>
-        </p:blipFill>
-        <p:spPr>
-          <a:xfrm>
-            <a:off x="6646460" y="1268042"/>
-            <a:ext cx="5252234" cy="4982633"/>
-          </a:xfrm>
-          <a:prstGeom prst="rect">
-            <a:avLst/>
-          </a:prstGeom>
-        </p:spPr>
-      </p:pic>
-      <p:sp>
-        <p:nvSpPr>
-          <p:cNvPr id="11" name="Content Placeholder 2"/>
-          <p:cNvSpPr>
-            <a:spLocks noGrp="1"/>
-          </p:cNvSpPr>
-          <p:nvPr>
-            <p:ph idx="1"/>
-          </p:nvPr>
-        </p:nvSpPr>
-        <p:spPr>
-          <a:xfrm>
-            <a:off x="680321" y="2336873"/>
-            <a:ext cx="5966139" cy="3913802"/>
-          </a:xfrm>
-        </p:spPr>
-        <p:txBody>
-          <a:bodyPr/>
-          <a:lstStyle/>
-          <a:p>
-            <a:pPr marL="0" indent="0">
-              <a:buNone/>
-            </a:pPr>
-            <a:r>
-              <a:rPr lang="en-US" dirty="0" smtClean="0"/>
-              <a:t>The standard format of python documentation </a:t>
-            </a:r>
-          </a:p>
-          <a:p>
-            <a:pPr lvl="1"/>
-            <a:r>
-              <a:rPr lang="en-US" dirty="0" smtClean="0"/>
-              <a:t>Easily ported into HTML and PDF formats, among others </a:t>
-            </a:r>
-          </a:p>
-          <a:p>
-            <a:pPr lvl="1"/>
-            <a:r>
-              <a:rPr lang="en-US" dirty="0" smtClean="0"/>
-              <a:t>Relatively easy to read </a:t>
-            </a:r>
-          </a:p>
-          <a:p>
-            <a:pPr marL="0" indent="0">
-              <a:buNone/>
-            </a:pPr>
-            <a:endParaRPr lang="en-US" dirty="0" smtClean="0"/>
-          </a:p>
-          <a:p>
-            <a:pPr marL="0" indent="0">
-              <a:buNone/>
-            </a:pPr>
-            <a:r>
-              <a:rPr lang="en-US" dirty="0" smtClean="0"/>
-              <a:t>For the most part you’ll see the HTML output from RST, and raw RST only from </a:t>
-            </a:r>
-            <a:r>
-              <a:rPr lang="en-US" dirty="0" err="1" smtClean="0"/>
-              <a:t>docstrings</a:t>
-            </a:r>
-            <a:r>
-              <a:rPr lang="en-US" dirty="0" smtClean="0"/>
-              <a:t> when viewed </a:t>
-            </a:r>
-            <a:r>
-              <a:rPr lang="en-US" i="1" dirty="0" smtClean="0"/>
-              <a:t>in python</a:t>
-            </a:r>
-            <a:r>
-              <a:rPr lang="en-US" dirty="0" smtClean="0"/>
-              <a:t>. </a:t>
-            </a:r>
-          </a:p>
-          <a:p>
-            <a:pPr marL="0" indent="0">
-              <a:buNone/>
-            </a:pPr>
-            <a:endParaRPr lang="en-US" dirty="0"/>
-          </a:p>
-          <a:p>
-            <a:pPr marL="0" indent="0">
-              <a:buNone/>
-            </a:pPr>
-            <a:r>
-              <a:rPr lang="en-US" dirty="0" smtClean="0"/>
-              <a:t>Example: </a:t>
-            </a:r>
-            <a:r>
-              <a:rPr lang="en-US" dirty="0" err="1" smtClean="0"/>
-              <a:t>numpy.all</a:t>
-            </a:r>
-            <a:r>
-              <a:rPr lang="en-US" dirty="0" smtClean="0"/>
-              <a:t> </a:t>
-            </a:r>
-            <a:r>
-              <a:rPr lang="en-US" dirty="0" err="1" smtClean="0"/>
-              <a:t>docstring</a:t>
-            </a:r>
-            <a:r>
-              <a:rPr lang="en-US" dirty="0" smtClean="0"/>
-              <a:t> </a:t>
-            </a:r>
-            <a:endParaRPr lang="en-US" dirty="0"/>
-          </a:p>
-        </p:txBody>
-      </p:sp>
-    </p:spTree>
-    <p:extLst>
-      <p:ext uri="{BB962C8B-B14F-4D97-AF65-F5344CB8AC3E}">
-        <p14:creationId xmlns:p14="http://schemas.microsoft.com/office/powerpoint/2010/main" val="1875516867"/>
       </p:ext>
     </p:extLst>
   </p:cSld>
@@ -8603,192 +8768,12 @@
           <a:lstStyle/>
           <a:p>
             <a:r>
+              <a:rPr lang="en-US" dirty="0" err="1" smtClean="0"/>
+              <a:t>reStructuredText</a:t>
+            </a:r>
+            <a:r>
               <a:rPr lang="en-US" dirty="0" smtClean="0"/>
-              <a:t>Example RST</a:t>
-            </a:r>
-            <a:endParaRPr lang="en-US" dirty="0"/>
-          </a:p>
-        </p:txBody>
-      </p:sp>
-      <p:sp>
-        <p:nvSpPr>
-          <p:cNvPr id="3" name="Content Placeholder 2"/>
-          <p:cNvSpPr>
-            <a:spLocks noGrp="1"/>
-          </p:cNvSpPr>
-          <p:nvPr>
-            <p:ph idx="1"/>
-          </p:nvPr>
-        </p:nvSpPr>
-        <p:spPr>
-          <a:xfrm>
-            <a:off x="680322" y="2336873"/>
-            <a:ext cx="5911548" cy="3599316"/>
-          </a:xfrm>
-        </p:spPr>
-        <p:txBody>
-          <a:bodyPr/>
-          <a:lstStyle/>
-          <a:p>
-            <a:pPr marL="0" marR="0" lvl="0" indent="0" defTabSz="914400" eaLnBrk="1" fontAlgn="auto" latinLnBrk="0" hangingPunct="1">
-              <a:lnSpc>
-                <a:spcPct val="100000"/>
-              </a:lnSpc>
-              <a:spcBef>
-                <a:spcPts val="0"/>
-              </a:spcBef>
-              <a:spcAft>
-                <a:spcPts val="0"/>
-              </a:spcAft>
-              <a:buClrTx/>
-              <a:buSzTx/>
-              <a:buFontTx/>
-              <a:buNone/>
-              <a:tabLst/>
-              <a:defRPr/>
-            </a:pPr>
-            <a:endParaRPr lang="en-US" dirty="0"/>
-          </a:p>
-          <a:p>
-            <a:pPr marL="0" marR="0" lvl="0" indent="0" defTabSz="914400" eaLnBrk="1" fontAlgn="auto" latinLnBrk="0" hangingPunct="1">
-              <a:lnSpc>
-                <a:spcPct val="100000"/>
-              </a:lnSpc>
-              <a:spcBef>
-                <a:spcPts val="0"/>
-              </a:spcBef>
-              <a:spcAft>
-                <a:spcPts val="0"/>
-              </a:spcAft>
-              <a:buClrTx/>
-              <a:buSzTx/>
-              <a:buFontTx/>
-              <a:buNone/>
-              <a:tabLst/>
-              <a:defRPr/>
-            </a:pPr>
-            <a:endParaRPr lang="en-US" dirty="0" smtClean="0"/>
-          </a:p>
-          <a:p>
-            <a:pPr marL="0" marR="0" lvl="0" indent="0" defTabSz="914400" eaLnBrk="1" fontAlgn="auto" latinLnBrk="0" hangingPunct="1">
-              <a:lnSpc>
-                <a:spcPct val="100000"/>
-              </a:lnSpc>
-              <a:spcBef>
-                <a:spcPts val="0"/>
-              </a:spcBef>
-              <a:spcAft>
-                <a:spcPts val="0"/>
-              </a:spcAft>
-              <a:buClrTx/>
-              <a:buSzTx/>
-              <a:buFontTx/>
-              <a:buNone/>
-              <a:tabLst/>
-              <a:defRPr/>
-            </a:pPr>
-            <a:r>
-              <a:rPr lang="en-US" dirty="0" smtClean="0"/>
-              <a:t>This is the </a:t>
-            </a:r>
-            <a:r>
-              <a:rPr lang="en-US" i="1" dirty="0" smtClean="0"/>
-              <a:t>all</a:t>
-            </a:r>
-            <a:r>
-              <a:rPr lang="en-US" dirty="0" smtClean="0"/>
-              <a:t> function from </a:t>
-            </a:r>
-            <a:r>
-              <a:rPr lang="en-US" dirty="0" err="1" smtClean="0"/>
-              <a:t>NumPy</a:t>
-            </a:r>
-            <a:r>
-              <a:rPr lang="en-US" dirty="0" smtClean="0"/>
-              <a:t>. </a:t>
-            </a:r>
-          </a:p>
-          <a:p>
-            <a:pPr marL="0" marR="0" lvl="0" indent="0" defTabSz="914400" eaLnBrk="1" fontAlgn="auto" latinLnBrk="0" hangingPunct="1">
-              <a:lnSpc>
-                <a:spcPct val="100000"/>
-              </a:lnSpc>
-              <a:spcBef>
-                <a:spcPts val="0"/>
-              </a:spcBef>
-              <a:spcAft>
-                <a:spcPts val="0"/>
-              </a:spcAft>
-              <a:buClrTx/>
-              <a:buSzTx/>
-              <a:buFontTx/>
-              <a:buNone/>
-              <a:tabLst/>
-              <a:defRPr/>
-            </a:pPr>
-            <a:endParaRPr lang="en-US" dirty="0"/>
-          </a:p>
-          <a:p>
-            <a:pPr marL="0" marR="0" lvl="0" indent="0" defTabSz="914400" eaLnBrk="1" fontAlgn="auto" latinLnBrk="0" hangingPunct="1">
-              <a:lnSpc>
-                <a:spcPct val="100000"/>
-              </a:lnSpc>
-              <a:spcBef>
-                <a:spcPts val="0"/>
-              </a:spcBef>
-              <a:spcAft>
-                <a:spcPts val="0"/>
-              </a:spcAft>
-              <a:buClrTx/>
-              <a:buSzTx/>
-              <a:buFontTx/>
-              <a:buNone/>
-              <a:tabLst/>
-              <a:defRPr/>
-            </a:pPr>
-            <a:endParaRPr lang="en-US" dirty="0" smtClean="0"/>
-          </a:p>
-          <a:p>
-            <a:pPr marL="0" marR="0" lvl="0" indent="0" defTabSz="914400" eaLnBrk="1" fontAlgn="auto" latinLnBrk="0" hangingPunct="1">
-              <a:lnSpc>
-                <a:spcPct val="100000"/>
-              </a:lnSpc>
-              <a:spcBef>
-                <a:spcPts val="0"/>
-              </a:spcBef>
-              <a:spcAft>
-                <a:spcPts val="0"/>
-              </a:spcAft>
-              <a:buClrTx/>
-              <a:buSzTx/>
-              <a:buFontTx/>
-              <a:buNone/>
-              <a:tabLst/>
-              <a:defRPr/>
-            </a:pPr>
-            <a:endParaRPr lang="en-US" dirty="0" smtClean="0"/>
-          </a:p>
-          <a:p>
-            <a:pPr marL="0" marR="0" lvl="0" indent="0" defTabSz="914400" eaLnBrk="1" fontAlgn="auto" latinLnBrk="0" hangingPunct="1">
-              <a:lnSpc>
-                <a:spcPct val="100000"/>
-              </a:lnSpc>
-              <a:spcBef>
-                <a:spcPts val="0"/>
-              </a:spcBef>
-              <a:spcAft>
-                <a:spcPts val="0"/>
-              </a:spcAft>
-              <a:buClrTx/>
-              <a:buSzTx/>
-              <a:buFontTx/>
-              <a:buNone/>
-              <a:tabLst/>
-              <a:defRPr/>
-            </a:pPr>
-            <a:r>
-              <a:rPr lang="en-US" dirty="0" smtClean="0"/>
-              <a:t>Most of the documentation astronomers will see looks very similar to this. </a:t>
+              <a:t> (RST) </a:t>
             </a:r>
             <a:endParaRPr lang="en-US" dirty="0"/>
           </a:p>
@@ -8816,24 +8801,139 @@
         </p:blipFill>
         <p:spPr>
           <a:xfrm>
-            <a:off x="6798734" y="0"/>
-            <a:ext cx="5118361" cy="6858000"/>
+            <a:off x="6646460" y="1268042"/>
+            <a:ext cx="5252234" cy="4982633"/>
           </a:xfrm>
           <a:prstGeom prst="rect">
             <a:avLst/>
           </a:prstGeom>
         </p:spPr>
       </p:pic>
+      <p:sp>
+        <p:nvSpPr>
+          <p:cNvPr id="11" name="Content Placeholder 2"/>
+          <p:cNvSpPr>
+            <a:spLocks noGrp="1"/>
+          </p:cNvSpPr>
+          <p:nvPr>
+            <p:ph idx="1"/>
+          </p:nvPr>
+        </p:nvSpPr>
+        <p:spPr>
+          <a:xfrm>
+            <a:off x="680321" y="2336873"/>
+            <a:ext cx="5966139" cy="3913802"/>
+          </a:xfrm>
+        </p:spPr>
+        <p:txBody>
+          <a:bodyPr/>
+          <a:lstStyle/>
+          <a:p>
+            <a:pPr marL="0" indent="0">
+              <a:buNone/>
+            </a:pPr>
+            <a:r>
+              <a:rPr lang="en-US" dirty="0" smtClean="0"/>
+              <a:t>The standard format of python documentation </a:t>
+            </a:r>
+          </a:p>
+          <a:p>
+            <a:pPr lvl="1"/>
+            <a:r>
+              <a:rPr lang="en-US" dirty="0" smtClean="0"/>
+              <a:t>Easily ported into HTML and PDF formats, among others </a:t>
+            </a:r>
+          </a:p>
+          <a:p>
+            <a:pPr lvl="1"/>
+            <a:r>
+              <a:rPr lang="en-US" dirty="0" smtClean="0"/>
+              <a:t>Relatively easy to read </a:t>
+            </a:r>
+          </a:p>
+          <a:p>
+            <a:pPr marL="0" indent="0">
+              <a:buNone/>
+            </a:pPr>
+            <a:endParaRPr lang="en-US" dirty="0" smtClean="0"/>
+          </a:p>
+          <a:p>
+            <a:pPr marL="0" indent="0">
+              <a:buNone/>
+            </a:pPr>
+            <a:r>
+              <a:rPr lang="en-US" dirty="0"/>
+              <a:t>Online documentation is generally this content ported to HTML, while </a:t>
+            </a:r>
+            <a:r>
+              <a:rPr lang="en-US" dirty="0" err="1"/>
+              <a:t>docstrings</a:t>
+            </a:r>
+            <a:r>
+              <a:rPr lang="en-US" dirty="0"/>
+              <a:t> </a:t>
+            </a:r>
+            <a:r>
+              <a:rPr lang="en-US" i="1" dirty="0"/>
+              <a:t>viewed in python</a:t>
+            </a:r>
+            <a:r>
+              <a:rPr lang="en-US" dirty="0"/>
+              <a:t> show the raw RST. </a:t>
+            </a:r>
+            <a:endParaRPr lang="en-US" dirty="0" smtClean="0"/>
+          </a:p>
+          <a:p>
+            <a:pPr marL="0" indent="0">
+              <a:buNone/>
+            </a:pPr>
+            <a:endParaRPr lang="en-US" dirty="0"/>
+          </a:p>
+          <a:p>
+            <a:pPr marL="0" indent="0">
+              <a:buNone/>
+            </a:pPr>
+            <a:r>
+              <a:rPr lang="en-US" dirty="0" smtClean="0"/>
+              <a:t>Example: </a:t>
+            </a:r>
+            <a:r>
+              <a:rPr lang="en-US" dirty="0" err="1" smtClean="0"/>
+              <a:t>numpy.all</a:t>
+            </a:r>
+            <a:r>
+              <a:rPr lang="en-US" dirty="0" smtClean="0"/>
+              <a:t> </a:t>
+            </a:r>
+            <a:r>
+              <a:rPr lang="en-US" dirty="0" err="1" smtClean="0"/>
+              <a:t>docstring</a:t>
+            </a:r>
+            <a:r>
+              <a:rPr lang="en-US" dirty="0" smtClean="0"/>
+              <a:t> </a:t>
+            </a:r>
+            <a:endParaRPr lang="en-US" dirty="0"/>
+          </a:p>
+        </p:txBody>
+      </p:sp>
     </p:spTree>
     <p:extLst>
       <p:ext uri="{BB962C8B-B14F-4D97-AF65-F5344CB8AC3E}">
-        <p14:creationId xmlns:p14="http://schemas.microsoft.com/office/powerpoint/2010/main" val="1517426519"/>
+        <p14:creationId xmlns:p14="http://schemas.microsoft.com/office/powerpoint/2010/main" val="1875516867"/>
       </p:ext>
     </p:extLst>
   </p:cSld>
   <p:clrMapOvr>
     <a:masterClrMapping/>
   </p:clrMapOvr>
+  <p:timing>
+    <p:tnLst>
+      <p:par>
+        <p:cTn id="1" dur="indefinite" restart="never" nodeType="tmRoot"/>
+      </p:par>
+    </p:tnLst>
+  </p:timing>
 </p:sld>
 </file>
 
@@ -8897,78 +8997,167 @@
           <a:bodyPr/>
           <a:lstStyle/>
           <a:p>
-            <a:pPr marL="457200" indent="-457200">
+            <a:pPr marL="0" marR="0" lvl="0" indent="0" defTabSz="914400" eaLnBrk="1" fontAlgn="auto" latinLnBrk="0" hangingPunct="1">
               <a:lnSpc>
                 <a:spcPct val="100000"/>
               </a:lnSpc>
               <a:spcBef>
                 <a:spcPts val="0"/>
               </a:spcBef>
-              <a:buFont typeface="+mj-lt"/>
-              <a:buAutoNum type="arabicPeriod"/>
+              <a:spcAft>
+                <a:spcPts val="0"/>
+              </a:spcAft>
+              <a:buClrTx/>
+              <a:buSzTx/>
+              <a:buFontTx/>
+              <a:buNone/>
+              <a:tabLst/>
+              <a:defRPr/>
             </a:pPr>
-            <a:r>
-              <a:rPr lang="en-US" dirty="0" smtClean="0"/>
-              <a:t>Short description</a:t>
-            </a:r>
-          </a:p>
-          <a:p>
-            <a:pPr marL="457200" indent="-457200">
+            <a:endParaRPr lang="en-US" dirty="0"/>
+          </a:p>
+          <a:p>
+            <a:pPr marL="0" marR="0" lvl="0" indent="0" defTabSz="914400" eaLnBrk="1" fontAlgn="auto" latinLnBrk="0" hangingPunct="1">
               <a:lnSpc>
                 <a:spcPct val="100000"/>
               </a:lnSpc>
               <a:spcBef>
                 <a:spcPts val="0"/>
               </a:spcBef>
-              <a:buFont typeface="+mj-lt"/>
-              <a:buAutoNum type="arabicPeriod"/>
+              <a:spcAft>
+                <a:spcPts val="0"/>
+              </a:spcAft>
+              <a:buClrTx/>
+              <a:buSzTx/>
+              <a:buFontTx/>
+              <a:buNone/>
+              <a:tabLst/>
+              <a:defRPr/>
             </a:pPr>
             <a:endParaRPr lang="en-US" dirty="0" smtClean="0"/>
           </a:p>
           <a:p>
-            <a:pPr marL="457200" indent="-457200">
+            <a:pPr marL="0" marR="0" lvl="0" indent="0" defTabSz="914400" eaLnBrk="1" fontAlgn="auto" latinLnBrk="0" hangingPunct="1">
               <a:lnSpc>
                 <a:spcPct val="100000"/>
               </a:lnSpc>
               <a:spcBef>
                 <a:spcPts val="0"/>
               </a:spcBef>
-              <a:buFont typeface="+mj-lt"/>
-              <a:buAutoNum type="arabicPeriod"/>
+              <a:spcAft>
+                <a:spcPts val="0"/>
+              </a:spcAft>
+              <a:buClrTx/>
+              <a:buSzTx/>
+              <a:buFontTx/>
+              <a:buNone/>
+              <a:tabLst/>
+              <a:defRPr/>
             </a:pPr>
             <a:r>
               <a:rPr lang="en-US" dirty="0" smtClean="0"/>
-              <a:t>Parameters (in the order they should be passed) and subsequent keyword arguments. Their data type is noted along with a description of what it represents. </a:t>
-            </a:r>
-          </a:p>
-          <a:p>
-            <a:pPr marL="457200" indent="-457200">
+              <a:t>This is the </a:t>
+            </a:r>
+            <a:r>
+              <a:rPr lang="en-US" i="1" dirty="0" smtClean="0"/>
+              <a:t>all</a:t>
+            </a:r>
+            <a:r>
+              <a:rPr lang="en-US" dirty="0" smtClean="0"/>
+              <a:t> function from </a:t>
+            </a:r>
+            <a:r>
+              <a:rPr lang="en-US" dirty="0" err="1" smtClean="0"/>
+              <a:t>NumPy</a:t>
+            </a:r>
+            <a:r>
+              <a:rPr lang="en-US" dirty="0" smtClean="0"/>
+              <a:t>. </a:t>
+            </a:r>
+          </a:p>
+          <a:p>
+            <a:pPr marL="0" marR="0" lvl="0" indent="0" defTabSz="914400" eaLnBrk="1" fontAlgn="auto" latinLnBrk="0" hangingPunct="1">
               <a:lnSpc>
                 <a:spcPct val="100000"/>
               </a:lnSpc>
               <a:spcBef>
                 <a:spcPts val="0"/>
               </a:spcBef>
-              <a:buFont typeface="+mj-lt"/>
-              <a:buAutoNum type="arabicPeriod"/>
+              <a:spcAft>
+                <a:spcPts val="0"/>
+              </a:spcAft>
+              <a:buClrTx/>
+              <a:buSzTx/>
+              <a:buFontTx/>
+              <a:buNone/>
+              <a:tabLst/>
+              <a:defRPr/>
             </a:pPr>
-            <a:endParaRPr lang="en-US" dirty="0" smtClean="0"/>
-          </a:p>
-          <a:p>
-            <a:pPr marL="457200" indent="-457200">
+            <a:endParaRPr lang="en-US" dirty="0"/>
+          </a:p>
+          <a:p>
+            <a:pPr marL="0" marR="0" lvl="0" indent="0" defTabSz="914400" eaLnBrk="1" fontAlgn="auto" latinLnBrk="0" hangingPunct="1">
               <a:lnSpc>
                 <a:spcPct val="100000"/>
               </a:lnSpc>
               <a:spcBef>
                 <a:spcPts val="0"/>
               </a:spcBef>
-              <a:buFont typeface="+mj-lt"/>
-              <a:buAutoNum type="arabicPeriod"/>
+              <a:spcAft>
+                <a:spcPts val="0"/>
+              </a:spcAft>
+              <a:buClrTx/>
+              <a:buSzTx/>
+              <a:buFontTx/>
+              <a:buNone/>
+              <a:tabLst/>
+              <a:defRPr/>
             </a:pPr>
+            <a:endParaRPr lang="en-US" dirty="0" smtClean="0"/>
+          </a:p>
+          <a:p>
+            <a:pPr marL="0" marR="0" lvl="0" indent="0" defTabSz="914400" eaLnBrk="1" fontAlgn="auto" latinLnBrk="0" hangingPunct="1">
+              <a:lnSpc>
+                <a:spcPct val="100000"/>
+              </a:lnSpc>
+              <a:spcBef>
+                <a:spcPts val="0"/>
+              </a:spcBef>
+              <a:spcAft>
+                <a:spcPts val="0"/>
+              </a:spcAft>
+              <a:buClrTx/>
+              <a:buSzTx/>
+              <a:buFontTx/>
+              <a:buNone/>
+              <a:tabLst/>
+              <a:defRPr/>
+            </a:pPr>
+            <a:endParaRPr lang="en-US" dirty="0" smtClean="0"/>
+          </a:p>
+          <a:p>
+            <a:pPr marL="0" marR="0" lvl="0" indent="0" defTabSz="914400" eaLnBrk="1" fontAlgn="auto" latinLnBrk="0" hangingPunct="1">
+              <a:lnSpc>
+                <a:spcPct val="100000"/>
+              </a:lnSpc>
+              <a:spcBef>
+                <a:spcPts val="0"/>
+              </a:spcBef>
+              <a:spcAft>
+                <a:spcPts val="0"/>
+              </a:spcAft>
+              <a:buClrTx/>
+              <a:buSzTx/>
+              <a:buFontTx/>
+              <a:buNone/>
+              <a:tabLst/>
+              <a:defRPr/>
+            </a:pPr>
             <a:r>
               <a:rPr lang="en-US" dirty="0" smtClean="0"/>
-              <a:t>What it returns, if anything, and a data type and description for that too </a:t>
-            </a:r>
+              <a:t>Most of the documentation astronomers will see looks very similar to this. </a:t>
+            </a:r>
+            <a:endParaRPr lang="en-US" dirty="0"/>
           </a:p>
         </p:txBody>
       </p:sp>
@@ -9005,7 +9194,7 @@
     </p:spTree>
     <p:extLst>
       <p:ext uri="{BB962C8B-B14F-4D97-AF65-F5344CB8AC3E}">
-        <p14:creationId xmlns:p14="http://schemas.microsoft.com/office/powerpoint/2010/main" val="844321266"/>
+        <p14:creationId xmlns:p14="http://schemas.microsoft.com/office/powerpoint/2010/main" val="1517426519"/>
       </p:ext>
     </p:extLst>
   </p:cSld>
@@ -9049,7 +9238,7 @@
           <a:p>
             <a:r>
               <a:rPr lang="en-US" dirty="0" smtClean="0"/>
-              <a:t>Example RST </a:t>
+              <a:t>Example RST</a:t>
             </a:r>
             <a:endParaRPr lang="en-US" dirty="0"/>
           </a:p>
@@ -9068,7 +9257,7 @@
         <p:spPr>
           <a:xfrm>
             <a:off x="680322" y="2336873"/>
-            <a:ext cx="5788718" cy="3599316"/>
+            <a:ext cx="5911548" cy="3599316"/>
           </a:xfrm>
         </p:spPr>
         <p:txBody>
@@ -9076,56 +9265,77 @@
           <a:lstStyle/>
           <a:p>
             <a:pPr marL="457200" indent="-457200">
+              <a:lnSpc>
+                <a:spcPct val="100000"/>
+              </a:lnSpc>
+              <a:spcBef>
+                <a:spcPts val="0"/>
+              </a:spcBef>
               <a:buFont typeface="+mj-lt"/>
-              <a:buAutoNum type="arabicPeriod" startAt="4"/>
+              <a:buAutoNum type="arabicPeriod"/>
             </a:pPr>
             <a:r>
               <a:rPr lang="en-US" dirty="0" smtClean="0"/>
-              <a:t>See Also for other relevant parts of the documentation </a:t>
+              <a:t>Short description</a:t>
             </a:r>
           </a:p>
           <a:p>
             <a:pPr marL="457200" indent="-457200">
+              <a:lnSpc>
+                <a:spcPct val="100000"/>
+              </a:lnSpc>
+              <a:spcBef>
+                <a:spcPts val="0"/>
+              </a:spcBef>
               <a:buFont typeface="+mj-lt"/>
-              <a:buAutoNum type="arabicPeriod" startAt="4"/>
+              <a:buAutoNum type="arabicPeriod"/>
             </a:pPr>
             <a:endParaRPr lang="en-US" dirty="0" smtClean="0"/>
           </a:p>
           <a:p>
             <a:pPr marL="457200" indent="-457200">
+              <a:lnSpc>
+                <a:spcPct val="100000"/>
+              </a:lnSpc>
+              <a:spcBef>
+                <a:spcPts val="0"/>
+              </a:spcBef>
               <a:buFont typeface="+mj-lt"/>
-              <a:buAutoNum type="arabicPeriod" startAt="4"/>
+              <a:buAutoNum type="arabicPeriod"/>
             </a:pPr>
             <a:r>
               <a:rPr lang="en-US" dirty="0" smtClean="0"/>
-              <a:t>Notes </a:t>
-            </a:r>
-            <a:r>
-              <a:rPr lang="mr-IN" dirty="0" smtClean="0"/>
-              <a:t>–</a:t>
-            </a:r>
-            <a:r>
-              <a:rPr lang="en-US" dirty="0" smtClean="0"/>
-              <a:t> any caveats or relevant pieces of information on the function’s implementation. </a:t>
+              <a:t>Parameters (in the order they should be passed) and subsequent keyword arguments. Their data type is noted along with a description of what it represents. </a:t>
             </a:r>
           </a:p>
           <a:p>
             <a:pPr marL="457200" indent="-457200">
+              <a:lnSpc>
+                <a:spcPct val="100000"/>
+              </a:lnSpc>
+              <a:spcBef>
+                <a:spcPts val="0"/>
+              </a:spcBef>
               <a:buFont typeface="+mj-lt"/>
-              <a:buAutoNum type="arabicPeriod" startAt="4"/>
+              <a:buAutoNum type="arabicPeriod"/>
             </a:pPr>
             <a:endParaRPr lang="en-US" dirty="0" smtClean="0"/>
           </a:p>
           <a:p>
             <a:pPr marL="457200" indent="-457200">
+              <a:lnSpc>
+                <a:spcPct val="100000"/>
+              </a:lnSpc>
+              <a:spcBef>
+                <a:spcPts val="0"/>
+              </a:spcBef>
               <a:buFont typeface="+mj-lt"/>
-              <a:buAutoNum type="arabicPeriod" startAt="4"/>
+              <a:buAutoNum type="arabicPeriod"/>
             </a:pPr>
             <a:r>
               <a:rPr lang="en-US" dirty="0" smtClean="0"/>
-              <a:t>Example code </a:t>
-            </a:r>
-            <a:endParaRPr lang="en-US" dirty="0"/>
+              <a:t>What it returns, if anything, and a data type and description for that too </a:t>
+            </a:r>
           </a:p>
         </p:txBody>
       </p:sp>
@@ -9151,8 +9361,8 @@
         </p:blipFill>
         <p:spPr>
           <a:xfrm>
-            <a:off x="6646460" y="1268042"/>
-            <a:ext cx="5252234" cy="4982633"/>
+            <a:off x="6798734" y="0"/>
+            <a:ext cx="5118361" cy="6858000"/>
           </a:xfrm>
           <a:prstGeom prst="rect">
             <a:avLst/>
@@ -9162,20 +9372,13 @@
     </p:spTree>
     <p:extLst>
       <p:ext uri="{BB962C8B-B14F-4D97-AF65-F5344CB8AC3E}">
-        <p14:creationId xmlns:p14="http://schemas.microsoft.com/office/powerpoint/2010/main" val="416016794"/>
+        <p14:creationId xmlns:p14="http://schemas.microsoft.com/office/powerpoint/2010/main" val="844321266"/>
       </p:ext>
     </p:extLst>
   </p:cSld>
   <p:clrMapOvr>
     <a:masterClrMapping/>
   </p:clrMapOvr>
-  <p:timing>
-    <p:tnLst>
-      <p:par>
-        <p:cTn id="1" dur="indefinite" restart="never" nodeType="tmRoot"/>
-      </p:par>
-    </p:tnLst>
-  </p:timing>
 </p:sld>
 </file>
 
@@ -9212,10 +9415,8 @@
           <a:lstStyle/>
           <a:p>
             <a:r>
-              <a:rPr lang="en-US" dirty="0" smtClean="0">
-                <a:hlinkClick r:id="rId2"/>
-              </a:rPr>
-              <a:t>What This Example Looks Like in HTML</a:t>
+              <a:rPr lang="en-US" dirty="0" smtClean="0"/>
+              <a:t>Example RST </a:t>
             </a:r>
             <a:endParaRPr lang="en-US" dirty="0"/>
           </a:p>
@@ -9234,37 +9435,62 @@
         <p:spPr>
           <a:xfrm>
             <a:off x="680322" y="2336873"/>
-            <a:ext cx="4082748" cy="3599316"/>
+            <a:ext cx="5788718" cy="3599316"/>
           </a:xfrm>
         </p:spPr>
         <p:txBody>
           <a:bodyPr/>
           <a:lstStyle/>
           <a:p>
-            <a:pPr marL="0" indent="0">
-              <a:buNone/>
+            <a:pPr marL="457200" indent="-457200">
+              <a:buFont typeface="+mj-lt"/>
+              <a:buAutoNum type="arabicPeriod" startAt="4"/>
+            </a:pPr>
+            <a:r>
+              <a:rPr lang="en-US" dirty="0" smtClean="0"/>
+              <a:t>See Also for other relevant parts of the documentation </a:t>
+            </a:r>
+          </a:p>
+          <a:p>
+            <a:pPr marL="457200" indent="-457200">
+              <a:buFont typeface="+mj-lt"/>
+              <a:buAutoNum type="arabicPeriod" startAt="4"/>
             </a:pPr>
             <a:endParaRPr lang="en-US" dirty="0" smtClean="0"/>
           </a:p>
           <a:p>
-            <a:pPr marL="0" indent="0">
-              <a:buNone/>
+            <a:pPr marL="457200" indent="-457200">
+              <a:buFont typeface="+mj-lt"/>
+              <a:buAutoNum type="arabicPeriod" startAt="4"/>
+            </a:pPr>
+            <a:r>
+              <a:rPr lang="en-US" dirty="0" smtClean="0"/>
+              <a:t>Notes </a:t>
+            </a:r>
+            <a:r>
+              <a:rPr lang="mr-IN" dirty="0" smtClean="0"/>
+              <a:t>–</a:t>
+            </a:r>
+            <a:r>
+              <a:rPr lang="en-US" dirty="0" smtClean="0"/>
+              <a:t> any caveats or relevant pieces of information on the function’s implementation. </a:t>
+            </a:r>
+          </a:p>
+          <a:p>
+            <a:pPr marL="457200" indent="-457200">
+              <a:buFont typeface="+mj-lt"/>
+              <a:buAutoNum type="arabicPeriod" startAt="4"/>
             </a:pPr>
             <a:endParaRPr lang="en-US" dirty="0" smtClean="0"/>
           </a:p>
           <a:p>
-            <a:pPr marL="0" indent="0">
-              <a:buNone/>
+            <a:pPr marL="457200" indent="-457200">
+              <a:buFont typeface="+mj-lt"/>
+              <a:buAutoNum type="arabicPeriod" startAt="4"/>
             </a:pPr>
-            <a:endParaRPr lang="en-US" dirty="0" smtClean="0"/>
-          </a:p>
-          <a:p>
-            <a:pPr marL="0" indent="0">
-              <a:buNone/>
-            </a:pPr>
             <a:r>
               <a:rPr lang="en-US" dirty="0" smtClean="0"/>
-              <a:t>Same information as the RST, but formatted nicely. </a:t>
+              <a:t>Example code </a:t>
             </a:r>
             <a:endParaRPr lang="en-US" dirty="0"/>
           </a:p>
@@ -9272,14 +9498,14 @@
       </p:sp>
       <p:pic>
         <p:nvPicPr>
-          <p:cNvPr id="5" name="Picture 4"/>
+          <p:cNvPr id="4" name="Picture 3"/>
           <p:cNvPicPr>
             <a:picLocks noChangeAspect="1"/>
           </p:cNvPicPr>
           <p:nvPr/>
         </p:nvPicPr>
         <p:blipFill>
-          <a:blip r:embed="rId3">
+          <a:blip r:embed="rId2">
             <a:extLst>
               <a:ext uri="{28A0092B-C50C-407E-A947-70E740481C1C}">
                 <a14:useLocalDpi xmlns:a14="http://schemas.microsoft.com/office/drawing/2010/main" val="0"/>
@@ -9292,8 +9518,8 @@
         </p:blipFill>
         <p:spPr>
           <a:xfrm>
-            <a:off x="4981110" y="2082872"/>
-            <a:ext cx="6004057" cy="4521127"/>
+            <a:off x="6646460" y="1268042"/>
+            <a:ext cx="5252234" cy="4982633"/>
           </a:xfrm>
           <a:prstGeom prst="rect">
             <a:avLst/>
@@ -9303,7 +9529,7 @@
     </p:spTree>
     <p:extLst>
       <p:ext uri="{BB962C8B-B14F-4D97-AF65-F5344CB8AC3E}">
-        <p14:creationId xmlns:p14="http://schemas.microsoft.com/office/powerpoint/2010/main" val="320751368"/>
+        <p14:creationId xmlns:p14="http://schemas.microsoft.com/office/powerpoint/2010/main" val="416016794"/>
       </p:ext>
     </p:extLst>
   </p:cSld>
@@ -9353,12 +9579,10 @@
           <a:lstStyle/>
           <a:p>
             <a:r>
-              <a:rPr lang="en-US" dirty="0" smtClean="0"/>
-              <a:t>*</a:t>
-            </a:r>
-            <a:r>
-              <a:rPr lang="en-US" dirty="0" err="1" smtClean="0"/>
-              <a:t>args</a:t>
+              <a:rPr lang="en-US" dirty="0" smtClean="0">
+                <a:hlinkClick r:id="rId2"/>
+              </a:rPr>
+              <a:t>What This Example Looks Like in HTML</a:t>
             </a:r>
             <a:endParaRPr lang="en-US" dirty="0"/>
           </a:p>
@@ -9377,56 +9601,12 @@
         <p:spPr>
           <a:xfrm>
             <a:off x="680322" y="2336873"/>
-            <a:ext cx="6143559" cy="4157566"/>
-          </a:xfrm>
-        </p:spPr>
-        <p:txBody>
-          <a:bodyPr>
-            <a:normAutofit/>
-          </a:bodyPr>
+            <a:ext cx="4082748" cy="3599316"/>
+          </a:xfrm>
+        </p:spPr>
+        <p:txBody>
+          <a:bodyPr/>
           <a:lstStyle/>
-          <a:p>
-            <a:pPr marL="0" indent="0">
-              <a:buNone/>
-            </a:pPr>
-            <a:r>
-              <a:rPr lang="en-US" dirty="0" smtClean="0"/>
-              <a:t>Indicates that the function accepts an arbitrary number of positional arguments (i.e. non-keyword arguments) </a:t>
-            </a:r>
-          </a:p>
-          <a:p>
-            <a:pPr lvl="1"/>
-            <a:r>
-              <a:rPr lang="en-US" dirty="0" smtClean="0"/>
-              <a:t>The data type and description that follows applies to all of them </a:t>
-            </a:r>
-          </a:p>
-          <a:p>
-            <a:pPr lvl="1"/>
-            <a:r>
-              <a:rPr lang="en-US" i="1" dirty="0" err="1" smtClean="0"/>
-              <a:t>args</a:t>
-            </a:r>
-            <a:r>
-              <a:rPr lang="en-US" i="1" dirty="0" smtClean="0"/>
-              <a:t> </a:t>
-            </a:r>
-            <a:r>
-              <a:rPr lang="en-US" dirty="0" smtClean="0"/>
-              <a:t>in this case is a </a:t>
-            </a:r>
-            <a:r>
-              <a:rPr lang="en-US" i="1" dirty="0" smtClean="0"/>
-              <a:t>tuple</a:t>
-            </a:r>
-            <a:endParaRPr lang="en-US" dirty="0"/>
-          </a:p>
-          <a:p>
-            <a:pPr marL="0" indent="0">
-              <a:buNone/>
-            </a:pPr>
-            <a:endParaRPr lang="en-US" i="1" dirty="0" smtClean="0"/>
-          </a:p>
           <a:p>
             <a:pPr marL="0" indent="0">
               <a:buNone/>
@@ -9437,10 +9617,23 @@
             <a:pPr marL="0" indent="0">
               <a:buNone/>
             </a:pPr>
+            <a:endParaRPr lang="en-US" dirty="0" smtClean="0"/>
+          </a:p>
+          <a:p>
+            <a:pPr marL="0" indent="0">
+              <a:buNone/>
+            </a:pPr>
+            <a:endParaRPr lang="en-US" dirty="0" smtClean="0"/>
+          </a:p>
+          <a:p>
+            <a:pPr marL="0" indent="0">
+              <a:buNone/>
+            </a:pPr>
             <a:r>
               <a:rPr lang="en-US" dirty="0" smtClean="0"/>
-              <a:t>Example: calculate sum of an unknown number of numbers. </a:t>
-            </a:r>
+              <a:t>Same information as the RST, but formatted nicely. </a:t>
+            </a:r>
+            <a:endParaRPr lang="en-US" dirty="0"/>
           </a:p>
         </p:txBody>
       </p:sp>
@@ -9453,7 +9646,7 @@
           <p:nvPr/>
         </p:nvPicPr>
         <p:blipFill>
-          <a:blip r:embed="rId2">
+          <a:blip r:embed="rId3">
             <a:extLst>
               <a:ext uri="{28A0092B-C50C-407E-A947-70E740481C1C}">
                 <a14:useLocalDpi xmlns:a14="http://schemas.microsoft.com/office/drawing/2010/main" val="0"/>
@@ -9466,8 +9659,8 @@
         </p:blipFill>
         <p:spPr>
           <a:xfrm>
-            <a:off x="7082240" y="487339"/>
-            <a:ext cx="4851400" cy="6007100"/>
+            <a:off x="4981110" y="2082872"/>
+            <a:ext cx="6004057" cy="4521127"/>
           </a:xfrm>
           <a:prstGeom prst="rect">
             <a:avLst/>
@@ -9477,7 +9670,7 @@
     </p:spTree>
     <p:extLst>
       <p:ext uri="{BB962C8B-B14F-4D97-AF65-F5344CB8AC3E}">
-        <p14:creationId xmlns:p14="http://schemas.microsoft.com/office/powerpoint/2010/main" val="821764195"/>
+        <p14:creationId xmlns:p14="http://schemas.microsoft.com/office/powerpoint/2010/main" val="320751368"/>
       </p:ext>
     </p:extLst>
   </p:cSld>
@@ -9528,15 +9721,11 @@
           <a:p>
             <a:r>
               <a:rPr lang="en-US" dirty="0" smtClean="0"/>
-              <a:t>**</a:t>
+              <a:t>*</a:t>
             </a:r>
             <a:r>
               <a:rPr lang="en-US" dirty="0" err="1" smtClean="0"/>
-              <a:t>kwargs</a:t>
-            </a:r>
-            <a:r>
-              <a:rPr lang="en-US" dirty="0" smtClean="0"/>
-              <a:t> </a:t>
+              <a:t>args</a:t>
             </a:r>
             <a:endParaRPr lang="en-US" dirty="0"/>
           </a:p>
@@ -9554,8 +9743,8 @@
         </p:nvSpPr>
         <p:spPr>
           <a:xfrm>
-            <a:off x="680321" y="2336872"/>
-            <a:ext cx="5270103" cy="4173109"/>
+            <a:off x="680322" y="2336873"/>
+            <a:ext cx="6143559" cy="4157566"/>
           </a:xfrm>
         </p:spPr>
         <p:txBody>
@@ -9569,80 +9758,55 @@
             </a:pPr>
             <a:r>
               <a:rPr lang="en-US" dirty="0" smtClean="0"/>
-              <a:t>Indicates that the function accepts an arbitrary number of keyword arguments. </a:t>
-            </a:r>
-          </a:p>
-          <a:p>
-            <a:pPr marL="0" indent="0">
-              <a:buNone/>
-            </a:pPr>
+              <a:t>Indicates that the function accepts an arbitrary number of positional arguments (i.e. non-keyword arguments) </a:t>
+            </a:r>
+          </a:p>
+          <a:p>
+            <a:pPr lvl="1"/>
             <a:r>
               <a:rPr lang="en-US" dirty="0" smtClean="0"/>
-              <a:t>Sometimes these are keyword arguments which will be passed to </a:t>
-            </a:r>
-            <a:r>
-              <a:rPr lang="en-US" i="1" dirty="0" smtClean="0"/>
-              <a:t>another function</a:t>
-            </a:r>
-            <a:r>
-              <a:rPr lang="en-US" dirty="0" smtClean="0"/>
-              <a:t>. This will be made clear usually in the </a:t>
-            </a:r>
-            <a:r>
-              <a:rPr lang="en-US" i="1" dirty="0" smtClean="0"/>
-              <a:t>Parameters</a:t>
-            </a:r>
-            <a:r>
-              <a:rPr lang="en-US" dirty="0" smtClean="0"/>
-              <a:t> section of a </a:t>
-            </a:r>
-            <a:r>
-              <a:rPr lang="en-US" dirty="0" err="1" smtClean="0"/>
-              <a:t>docstring</a:t>
-            </a:r>
-            <a:r>
-              <a:rPr lang="en-US" dirty="0" smtClean="0"/>
-              <a:t>. </a:t>
+              <a:t>The data type and description that follows applies to all of them </a:t>
             </a:r>
           </a:p>
           <a:p>
             <a:pPr lvl="1"/>
             <a:r>
-              <a:rPr lang="en-US" i="1" dirty="0" err="1"/>
-              <a:t>k</a:t>
-            </a:r>
-            <a:r>
               <a:rPr lang="en-US" i="1" dirty="0" err="1" smtClean="0"/>
-              <a:t>wargs</a:t>
-            </a:r>
-            <a:r>
-              <a:rPr lang="en-US" dirty="0" smtClean="0"/>
-              <a:t> in this case is a </a:t>
-            </a:r>
-            <a:r>
-              <a:rPr lang="en-US" i="1" dirty="0" err="1" smtClean="0"/>
-              <a:t>dict</a:t>
+              <a:t>args</a:t>
             </a:r>
             <a:r>
               <a:rPr lang="en-US" i="1" dirty="0" smtClean="0"/>
               <a:t> </a:t>
             </a:r>
+            <a:r>
+              <a:rPr lang="en-US" dirty="0" smtClean="0"/>
+              <a:t>in this case is a </a:t>
+            </a:r>
+            <a:r>
+              <a:rPr lang="en-US" i="1" dirty="0" smtClean="0"/>
+              <a:t>tuple</a:t>
+            </a:r>
             <a:endParaRPr lang="en-US" dirty="0"/>
           </a:p>
           <a:p>
             <a:pPr marL="0" indent="0">
               <a:buNone/>
             </a:pPr>
-            <a:r>
-              <a:rPr lang="en-US" i="1" dirty="0" smtClean="0"/>
-              <a:t/>
-            </a:r>
-            <a:br>
-              <a:rPr lang="en-US" i="1" dirty="0" smtClean="0"/>
-            </a:br>
+            <a:endParaRPr lang="en-US" i="1" dirty="0" smtClean="0"/>
+          </a:p>
+          <a:p>
+            <a:pPr marL="0" indent="0">
+              <a:buNone/>
+            </a:pPr>
+            <a:endParaRPr lang="en-US" dirty="0" smtClean="0"/>
+          </a:p>
+          <a:p>
+            <a:pPr marL="0" indent="0">
+              <a:buNone/>
+            </a:pPr>
             <a:r>
               <a:rPr lang="en-US" dirty="0" smtClean="0"/>
-              <a:t>Example: print names and ages for an unknown number of people. </a:t>
+              <a:t>Example: calculate sum of an unknown number of numbers. </a:t>
             </a:r>
           </a:p>
         </p:txBody>
@@ -9669,8 +9833,8 @@
         </p:blipFill>
         <p:spPr>
           <a:xfrm>
-            <a:off x="5950424" y="1066801"/>
-            <a:ext cx="5909417" cy="5033433"/>
+            <a:off x="6823881" y="461939"/>
+            <a:ext cx="5118100" cy="6032500"/>
           </a:xfrm>
           <a:prstGeom prst="rect">
             <a:avLst/>
@@ -9680,7 +9844,7 @@
     </p:spTree>
     <p:extLst>
       <p:ext uri="{BB962C8B-B14F-4D97-AF65-F5344CB8AC3E}">
-        <p14:creationId xmlns:p14="http://schemas.microsoft.com/office/powerpoint/2010/main" val="1196836659"/>
+        <p14:creationId xmlns:p14="http://schemas.microsoft.com/office/powerpoint/2010/main" val="821764195"/>
       </p:ext>
     </p:extLst>
   </p:cSld>

--- a/slides/rst.pptx
+++ b/slides/rst.pptx
@@ -5,7 +5,7 @@
     <p:sldMasterId id="2147484294" r:id="rId1"/>
   </p:sldMasterIdLst>
   <p:notesMasterIdLst>
-    <p:notesMasterId r:id="rId12"/>
+    <p:notesMasterId r:id="rId13"/>
   </p:notesMasterIdLst>
   <p:sldIdLst>
     <p:sldId id="256" r:id="rId2"/>
@@ -18,6 +18,7 @@
     <p:sldId id="262" r:id="rId9"/>
     <p:sldId id="263" r:id="rId10"/>
     <p:sldId id="264" r:id="rId11"/>
+    <p:sldId id="266" r:id="rId12"/>
   </p:sldIdLst>
   <p:sldSz cx="12192000" cy="6858000"/>
   <p:notesSz cx="6858000" cy="9144000"/>
@@ -206,7 +207,7 @@
           <a:p>
             <a:fld id="{90D4793D-962B-AE4B-9653-ECCE89FFBBCD}" type="datetimeFigureOut">
               <a:rPr lang="en-US" smtClean="0"/>
-              <a:t>4/21/20</a:t>
+              <a:t>5/1/20</a:t>
             </a:fld>
             <a:endParaRPr lang="en-US"/>
           </a:p>
@@ -752,7 +753,7 @@
           <a:p>
             <a:fld id="{51673806-0BCD-1F42-BAA8-2011034B3C6A}" type="datetimeFigureOut">
               <a:rPr lang="en-US" smtClean="0"/>
-              <a:t>4/21/20</a:t>
+              <a:t>5/1/20</a:t>
             </a:fld>
             <a:endParaRPr lang="en-US"/>
           </a:p>
@@ -1166,7 +1167,7 @@
           <a:p>
             <a:fld id="{51673806-0BCD-1F42-BAA8-2011034B3C6A}" type="datetimeFigureOut">
               <a:rPr lang="en-US" smtClean="0"/>
-              <a:t>4/21/20</a:t>
+              <a:t>5/1/20</a:t>
             </a:fld>
             <a:endParaRPr lang="en-US"/>
           </a:p>
@@ -1497,7 +1498,7 @@
           <a:p>
             <a:fld id="{51673806-0BCD-1F42-BAA8-2011034B3C6A}" type="datetimeFigureOut">
               <a:rPr lang="en-US" smtClean="0"/>
-              <a:t>4/21/20</a:t>
+              <a:t>5/1/20</a:t>
             </a:fld>
             <a:endParaRPr lang="en-US"/>
           </a:p>
@@ -1897,7 +1898,7 @@
           <a:p>
             <a:fld id="{51673806-0BCD-1F42-BAA8-2011034B3C6A}" type="datetimeFigureOut">
               <a:rPr lang="en-US" smtClean="0"/>
-              <a:t>4/21/20</a:t>
+              <a:t>5/1/20</a:t>
             </a:fld>
             <a:endParaRPr lang="en-US"/>
           </a:p>
@@ -2460,7 +2461,7 @@
           <a:p>
             <a:fld id="{51673806-0BCD-1F42-BAA8-2011034B3C6A}" type="datetimeFigureOut">
               <a:rPr lang="en-US" smtClean="0"/>
-              <a:t>4/21/20</a:t>
+              <a:t>5/1/20</a:t>
             </a:fld>
             <a:endParaRPr lang="en-US"/>
           </a:p>
@@ -3136,7 +3137,7 @@
           <a:p>
             <a:fld id="{51673806-0BCD-1F42-BAA8-2011034B3C6A}" type="datetimeFigureOut">
               <a:rPr lang="en-US" smtClean="0"/>
-              <a:t>4/21/20</a:t>
+              <a:t>5/1/20</a:t>
             </a:fld>
             <a:endParaRPr lang="en-US"/>
           </a:p>
@@ -4044,7 +4045,7 @@
           <a:p>
             <a:fld id="{51673806-0BCD-1F42-BAA8-2011034B3C6A}" type="datetimeFigureOut">
               <a:rPr lang="en-US" smtClean="0"/>
-              <a:t>4/21/20</a:t>
+              <a:t>5/1/20</a:t>
             </a:fld>
             <a:endParaRPr lang="en-US"/>
           </a:p>
@@ -4352,7 +4353,7 @@
           <a:p>
             <a:fld id="{51673806-0BCD-1F42-BAA8-2011034B3C6A}" type="datetimeFigureOut">
               <a:rPr lang="en-US" smtClean="0"/>
-              <a:t>4/21/20</a:t>
+              <a:t>5/1/20</a:t>
             </a:fld>
             <a:endParaRPr lang="en-US"/>
           </a:p>
@@ -4611,7 +4612,7 @@
           <a:p>
             <a:fld id="{51673806-0BCD-1F42-BAA8-2011034B3C6A}" type="datetimeFigureOut">
               <a:rPr lang="en-US" smtClean="0"/>
-              <a:t>4/21/20</a:t>
+              <a:t>5/1/20</a:t>
             </a:fld>
             <a:endParaRPr lang="en-US"/>
           </a:p>
@@ -4934,7 +4935,7 @@
           <a:p>
             <a:fld id="{51673806-0BCD-1F42-BAA8-2011034B3C6A}" type="datetimeFigureOut">
               <a:rPr lang="en-US" smtClean="0"/>
-              <a:t>4/21/20</a:t>
+              <a:t>5/1/20</a:t>
             </a:fld>
             <a:endParaRPr lang="en-US"/>
           </a:p>
@@ -5318,7 +5319,7 @@
           <a:p>
             <a:fld id="{51673806-0BCD-1F42-BAA8-2011034B3C6A}" type="datetimeFigureOut">
               <a:rPr lang="en-US" smtClean="0"/>
-              <a:t>4/21/20</a:t>
+              <a:t>5/1/20</a:t>
             </a:fld>
             <a:endParaRPr lang="en-US"/>
           </a:p>
@@ -5694,7 +5695,7 @@
           <a:p>
             <a:fld id="{51673806-0BCD-1F42-BAA8-2011034B3C6A}" type="datetimeFigureOut">
               <a:rPr lang="en-US" smtClean="0"/>
-              <a:t>4/21/20</a:t>
+              <a:t>5/1/20</a:t>
             </a:fld>
             <a:endParaRPr lang="en-US"/>
           </a:p>
@@ -6200,7 +6201,7 @@
           <a:p>
             <a:fld id="{51673806-0BCD-1F42-BAA8-2011034B3C6A}" type="datetimeFigureOut">
               <a:rPr lang="en-US" smtClean="0"/>
-              <a:t>4/21/20</a:t>
+              <a:t>5/1/20</a:t>
             </a:fld>
             <a:endParaRPr lang="en-US"/>
           </a:p>
@@ -6457,7 +6458,7 @@
           <a:p>
             <a:fld id="{51673806-0BCD-1F42-BAA8-2011034B3C6A}" type="datetimeFigureOut">
               <a:rPr lang="en-US" smtClean="0"/>
-              <a:t>4/21/20</a:t>
+              <a:t>5/1/20</a:t>
             </a:fld>
             <a:endParaRPr lang="en-US"/>
           </a:p>
@@ -6615,7 +6616,7 @@
           <a:p>
             <a:fld id="{51673806-0BCD-1F42-BAA8-2011034B3C6A}" type="datetimeFigureOut">
               <a:rPr lang="en-US" smtClean="0"/>
-              <a:t>4/21/20</a:t>
+              <a:t>5/1/20</a:t>
             </a:fld>
             <a:endParaRPr lang="en-US"/>
           </a:p>
@@ -7005,7 +7006,7 @@
           <a:p>
             <a:fld id="{51673806-0BCD-1F42-BAA8-2011034B3C6A}" type="datetimeFigureOut">
               <a:rPr lang="en-US" smtClean="0"/>
-              <a:t>4/21/20</a:t>
+              <a:t>5/1/20</a:t>
             </a:fld>
             <a:endParaRPr lang="en-US"/>
           </a:p>
@@ -7414,7 +7415,7 @@
           <a:p>
             <a:fld id="{51673806-0BCD-1F42-BAA8-2011034B3C6A}" type="datetimeFigureOut">
               <a:rPr lang="en-US" smtClean="0"/>
-              <a:t>4/21/20</a:t>
+              <a:t>5/1/20</a:t>
             </a:fld>
             <a:endParaRPr lang="en-US"/>
           </a:p>
@@ -7662,7 +7663,7 @@
             <a:fld id="{51673806-0BCD-1F42-BAA8-2011034B3C6A}" type="datetimeFigureOut">
               <a:rPr lang="en-US" smtClean="0"/>
               <a:pPr/>
-              <a:t>4/21/20</a:t>
+              <a:t>5/1/20</a:t>
             </a:fld>
             <a:endParaRPr lang="en-US" dirty="0"/>
           </a:p>
@@ -8372,6 +8373,144 @@
 </p:sld>
 </file>
 
+<file path=ppt/slides/slide11.xml><?xml version="1.0" encoding="utf-8"?>
+<p:sld xmlns:a="http://schemas.openxmlformats.org/drawingml/2006/main" xmlns:r="http://schemas.openxmlformats.org/officeDocument/2006/relationships" xmlns:p="http://schemas.openxmlformats.org/presentationml/2006/main">
+  <p:cSld>
+    <p:spTree>
+      <p:nvGrpSpPr>
+        <p:cNvPr id="1" name=""/>
+        <p:cNvGrpSpPr/>
+        <p:nvPr/>
+      </p:nvGrpSpPr>
+      <p:grpSpPr>
+        <a:xfrm>
+          <a:off x="0" y="0"/>
+          <a:ext cx="0" cy="0"/>
+          <a:chOff x="0" y="0"/>
+          <a:chExt cx="0" cy="0"/>
+        </a:xfrm>
+      </p:grpSpPr>
+      <p:sp>
+        <p:nvSpPr>
+          <p:cNvPr id="2" name="Title 1"/>
+          <p:cNvSpPr>
+            <a:spLocks noGrp="1"/>
+          </p:cNvSpPr>
+          <p:nvPr>
+            <p:ph type="title"/>
+          </p:nvPr>
+        </p:nvSpPr>
+        <p:spPr/>
+        <p:txBody>
+          <a:bodyPr/>
+          <a:lstStyle/>
+          <a:p>
+            <a:r>
+              <a:rPr lang="en-US" dirty="0" smtClean="0"/>
+              <a:t>Documentation: Other Aspects </a:t>
+            </a:r>
+            <a:endParaRPr lang="en-US" dirty="0"/>
+          </a:p>
+        </p:txBody>
+      </p:sp>
+      <p:sp>
+        <p:nvSpPr>
+          <p:cNvPr id="3" name="Content Placeholder 2"/>
+          <p:cNvSpPr>
+            <a:spLocks noGrp="1"/>
+          </p:cNvSpPr>
+          <p:nvPr>
+            <p:ph idx="1"/>
+          </p:nvPr>
+        </p:nvSpPr>
+        <p:spPr/>
+        <p:txBody>
+          <a:bodyPr/>
+          <a:lstStyle/>
+          <a:p>
+            <a:pPr marL="0" indent="0">
+              <a:buNone/>
+            </a:pPr>
+            <a:r>
+              <a:rPr lang="en-US" dirty="0" smtClean="0"/>
+              <a:t>Parameters, returns, raises, etc. for </a:t>
+            </a:r>
+            <a:r>
+              <a:rPr lang="en-US" i="1" dirty="0" smtClean="0"/>
+              <a:t>all </a:t>
+            </a:r>
+            <a:r>
+              <a:rPr lang="en-US" dirty="0" smtClean="0"/>
+              <a:t>components of a software is often referred to as the “Comprehensive API Reference” </a:t>
+            </a:r>
+          </a:p>
+          <a:p>
+            <a:pPr marL="0" indent="0">
+              <a:buNone/>
+            </a:pPr>
+            <a:endParaRPr lang="en-US" dirty="0"/>
+          </a:p>
+          <a:p>
+            <a:pPr marL="0" indent="0">
+              <a:buNone/>
+            </a:pPr>
+            <a:r>
+              <a:rPr lang="en-US" dirty="0" smtClean="0"/>
+              <a:t>Additional pieces of documentation include, though not limited to: </a:t>
+            </a:r>
+          </a:p>
+          <a:p>
+            <a:pPr lvl="1"/>
+            <a:r>
+              <a:rPr lang="en-US" dirty="0" smtClean="0"/>
+              <a:t>Installation instructions </a:t>
+            </a:r>
+          </a:p>
+          <a:p>
+            <a:pPr lvl="1"/>
+            <a:r>
+              <a:rPr lang="en-US" dirty="0" smtClean="0"/>
+              <a:t>Tutorials and example code </a:t>
+            </a:r>
+          </a:p>
+          <a:p>
+            <a:pPr lvl="1"/>
+            <a:r>
+              <a:rPr lang="en-US" dirty="0" smtClean="0"/>
+              <a:t>Where to submit bug reports </a:t>
+            </a:r>
+          </a:p>
+          <a:p>
+            <a:pPr lvl="1"/>
+            <a:r>
+              <a:rPr lang="en-US" dirty="0" smtClean="0"/>
+              <a:t>Developer’s documentation </a:t>
+            </a:r>
+            <a:r>
+              <a:rPr lang="mr-IN" dirty="0" smtClean="0"/>
+              <a:t>–</a:t>
+            </a:r>
+            <a:r>
+              <a:rPr lang="en-US" dirty="0" smtClean="0"/>
+              <a:t> how to contribute to an open-source project </a:t>
+            </a:r>
+            <a:endParaRPr lang="en-US" dirty="0"/>
+          </a:p>
+        </p:txBody>
+      </p:sp>
+    </p:spTree>
+    <p:extLst>
+      <p:ext uri="{BB962C8B-B14F-4D97-AF65-F5344CB8AC3E}">
+        <p14:creationId xmlns:p14="http://schemas.microsoft.com/office/powerpoint/2010/main" val="390154943"/>
+      </p:ext>
+    </p:extLst>
+  </p:cSld>
+  <p:clrMapOvr>
+    <a:masterClrMapping/>
+  </p:clrMapOvr>
+</p:sld>
+</file>
+
 <file path=ppt/slides/slide2.xml><?xml version="1.0" encoding="utf-8"?>
 <p:sld xmlns:a="http://schemas.openxmlformats.org/drawingml/2006/main" xmlns:r="http://schemas.openxmlformats.org/officeDocument/2006/relationships" xmlns:p="http://schemas.openxmlformats.org/presentationml/2006/main">
   <p:cSld>
@@ -8649,7 +8788,6 @@
               <a:rPr lang="en-US" dirty="0" smtClean="0"/>
               <a:t> show the raw RST. </a:t>
             </a:r>
-            <a:endParaRPr lang="en-US" dirty="0" smtClean="0"/>
           </a:p>
           <a:p>
             <a:pPr marL="0" indent="0">

--- a/slides/rst.pptx
+++ b/slides/rst.pptx
@@ -207,7 +207,7 @@
           <a:p>
             <a:fld id="{90D4793D-962B-AE4B-9653-ECCE89FFBBCD}" type="datetimeFigureOut">
               <a:rPr lang="en-US" smtClean="0"/>
-              <a:t>5/1/20</a:t>
+              <a:t>5/9/20</a:t>
             </a:fld>
             <a:endParaRPr lang="en-US"/>
           </a:p>
@@ -753,7 +753,7 @@
           <a:p>
             <a:fld id="{51673806-0BCD-1F42-BAA8-2011034B3C6A}" type="datetimeFigureOut">
               <a:rPr lang="en-US" smtClean="0"/>
-              <a:t>5/1/20</a:t>
+              <a:t>5/9/20</a:t>
             </a:fld>
             <a:endParaRPr lang="en-US"/>
           </a:p>
@@ -1167,7 +1167,7 @@
           <a:p>
             <a:fld id="{51673806-0BCD-1F42-BAA8-2011034B3C6A}" type="datetimeFigureOut">
               <a:rPr lang="en-US" smtClean="0"/>
-              <a:t>5/1/20</a:t>
+              <a:t>5/9/20</a:t>
             </a:fld>
             <a:endParaRPr lang="en-US"/>
           </a:p>
@@ -1498,7 +1498,7 @@
           <a:p>
             <a:fld id="{51673806-0BCD-1F42-BAA8-2011034B3C6A}" type="datetimeFigureOut">
               <a:rPr lang="en-US" smtClean="0"/>
-              <a:t>5/1/20</a:t>
+              <a:t>5/9/20</a:t>
             </a:fld>
             <a:endParaRPr lang="en-US"/>
           </a:p>
@@ -1898,7 +1898,7 @@
           <a:p>
             <a:fld id="{51673806-0BCD-1F42-BAA8-2011034B3C6A}" type="datetimeFigureOut">
               <a:rPr lang="en-US" smtClean="0"/>
-              <a:t>5/1/20</a:t>
+              <a:t>5/9/20</a:t>
             </a:fld>
             <a:endParaRPr lang="en-US"/>
           </a:p>
@@ -2461,7 +2461,7 @@
           <a:p>
             <a:fld id="{51673806-0BCD-1F42-BAA8-2011034B3C6A}" type="datetimeFigureOut">
               <a:rPr lang="en-US" smtClean="0"/>
-              <a:t>5/1/20</a:t>
+              <a:t>5/9/20</a:t>
             </a:fld>
             <a:endParaRPr lang="en-US"/>
           </a:p>
@@ -3137,7 +3137,7 @@
           <a:p>
             <a:fld id="{51673806-0BCD-1F42-BAA8-2011034B3C6A}" type="datetimeFigureOut">
               <a:rPr lang="en-US" smtClean="0"/>
-              <a:t>5/1/20</a:t>
+              <a:t>5/9/20</a:t>
             </a:fld>
             <a:endParaRPr lang="en-US"/>
           </a:p>
@@ -4045,7 +4045,7 @@
           <a:p>
             <a:fld id="{51673806-0BCD-1F42-BAA8-2011034B3C6A}" type="datetimeFigureOut">
               <a:rPr lang="en-US" smtClean="0"/>
-              <a:t>5/1/20</a:t>
+              <a:t>5/9/20</a:t>
             </a:fld>
             <a:endParaRPr lang="en-US"/>
           </a:p>
@@ -4353,7 +4353,7 @@
           <a:p>
             <a:fld id="{51673806-0BCD-1F42-BAA8-2011034B3C6A}" type="datetimeFigureOut">
               <a:rPr lang="en-US" smtClean="0"/>
-              <a:t>5/1/20</a:t>
+              <a:t>5/9/20</a:t>
             </a:fld>
             <a:endParaRPr lang="en-US"/>
           </a:p>
@@ -4612,7 +4612,7 @@
           <a:p>
             <a:fld id="{51673806-0BCD-1F42-BAA8-2011034B3C6A}" type="datetimeFigureOut">
               <a:rPr lang="en-US" smtClean="0"/>
-              <a:t>5/1/20</a:t>
+              <a:t>5/9/20</a:t>
             </a:fld>
             <a:endParaRPr lang="en-US"/>
           </a:p>
@@ -4935,7 +4935,7 @@
           <a:p>
             <a:fld id="{51673806-0BCD-1F42-BAA8-2011034B3C6A}" type="datetimeFigureOut">
               <a:rPr lang="en-US" smtClean="0"/>
-              <a:t>5/1/20</a:t>
+              <a:t>5/9/20</a:t>
             </a:fld>
             <a:endParaRPr lang="en-US"/>
           </a:p>
@@ -5319,7 +5319,7 @@
           <a:p>
             <a:fld id="{51673806-0BCD-1F42-BAA8-2011034B3C6A}" type="datetimeFigureOut">
               <a:rPr lang="en-US" smtClean="0"/>
-              <a:t>5/1/20</a:t>
+              <a:t>5/9/20</a:t>
             </a:fld>
             <a:endParaRPr lang="en-US"/>
           </a:p>
@@ -5695,7 +5695,7 @@
           <a:p>
             <a:fld id="{51673806-0BCD-1F42-BAA8-2011034B3C6A}" type="datetimeFigureOut">
               <a:rPr lang="en-US" smtClean="0"/>
-              <a:t>5/1/20</a:t>
+              <a:t>5/9/20</a:t>
             </a:fld>
             <a:endParaRPr lang="en-US"/>
           </a:p>
@@ -6201,7 +6201,7 @@
           <a:p>
             <a:fld id="{51673806-0BCD-1F42-BAA8-2011034B3C6A}" type="datetimeFigureOut">
               <a:rPr lang="en-US" smtClean="0"/>
-              <a:t>5/1/20</a:t>
+              <a:t>5/9/20</a:t>
             </a:fld>
             <a:endParaRPr lang="en-US"/>
           </a:p>
@@ -6458,7 +6458,7 @@
           <a:p>
             <a:fld id="{51673806-0BCD-1F42-BAA8-2011034B3C6A}" type="datetimeFigureOut">
               <a:rPr lang="en-US" smtClean="0"/>
-              <a:t>5/1/20</a:t>
+              <a:t>5/9/20</a:t>
             </a:fld>
             <a:endParaRPr lang="en-US"/>
           </a:p>
@@ -6616,7 +6616,7 @@
           <a:p>
             <a:fld id="{51673806-0BCD-1F42-BAA8-2011034B3C6A}" type="datetimeFigureOut">
               <a:rPr lang="en-US" smtClean="0"/>
-              <a:t>5/1/20</a:t>
+              <a:t>5/9/20</a:t>
             </a:fld>
             <a:endParaRPr lang="en-US"/>
           </a:p>
@@ -7006,7 +7006,7 @@
           <a:p>
             <a:fld id="{51673806-0BCD-1F42-BAA8-2011034B3C6A}" type="datetimeFigureOut">
               <a:rPr lang="en-US" smtClean="0"/>
-              <a:t>5/1/20</a:t>
+              <a:t>5/9/20</a:t>
             </a:fld>
             <a:endParaRPr lang="en-US"/>
           </a:p>
@@ -7415,7 +7415,7 @@
           <a:p>
             <a:fld id="{51673806-0BCD-1F42-BAA8-2011034B3C6A}" type="datetimeFigureOut">
               <a:rPr lang="en-US" smtClean="0"/>
-              <a:t>5/1/20</a:t>
+              <a:t>5/9/20</a:t>
             </a:fld>
             <a:endParaRPr lang="en-US"/>
           </a:p>
@@ -7663,7 +7663,7 @@
             <a:fld id="{51673806-0BCD-1F42-BAA8-2011034B3C6A}" type="datetimeFigureOut">
               <a:rPr lang="en-US" smtClean="0"/>
               <a:pPr/>
-              <a:t>5/1/20</a:t>
+              <a:t>5/9/20</a:t>
             </a:fld>
             <a:endParaRPr lang="en-US" dirty="0"/>
           </a:p>

--- a/slides/rst.pptx
+++ b/slides/rst.pptx
@@ -207,7 +207,7 @@
           <a:p>
             <a:fld id="{90D4793D-962B-AE4B-9653-ECCE89FFBBCD}" type="datetimeFigureOut">
               <a:rPr lang="en-US" smtClean="0"/>
-              <a:t>5/9/20</a:t>
+              <a:t>5/12/20</a:t>
             </a:fld>
             <a:endParaRPr lang="en-US"/>
           </a:p>
@@ -475,6 +475,94 @@
 </p:notesMaster>
 </file>
 
+<file path=ppt/notesSlides/notesSlide1.xml><?xml version="1.0" encoding="utf-8"?>
+<p:notes xmlns:a="http://schemas.openxmlformats.org/drawingml/2006/main" xmlns:r="http://schemas.openxmlformats.org/officeDocument/2006/relationships" xmlns:p="http://schemas.openxmlformats.org/presentationml/2006/main">
+  <p:cSld>
+    <p:spTree>
+      <p:nvGrpSpPr>
+        <p:cNvPr id="1" name=""/>
+        <p:cNvGrpSpPr/>
+        <p:nvPr/>
+      </p:nvGrpSpPr>
+      <p:grpSpPr>
+        <a:xfrm>
+          <a:off x="0" y="0"/>
+          <a:ext cx="0" cy="0"/>
+          <a:chOff x="0" y="0"/>
+          <a:chExt cx="0" cy="0"/>
+        </a:xfrm>
+      </p:grpSpPr>
+      <p:sp>
+        <p:nvSpPr>
+          <p:cNvPr id="2" name="Slide Image Placeholder 1"/>
+          <p:cNvSpPr>
+            <a:spLocks noGrp="1" noRot="1" noChangeAspect="1"/>
+          </p:cNvSpPr>
+          <p:nvPr>
+            <p:ph type="sldImg"/>
+          </p:nvPr>
+        </p:nvSpPr>
+        <p:spPr/>
+      </p:sp>
+      <p:sp>
+        <p:nvSpPr>
+          <p:cNvPr id="3" name="Notes Placeholder 2"/>
+          <p:cNvSpPr>
+            <a:spLocks noGrp="1"/>
+          </p:cNvSpPr>
+          <p:nvPr>
+            <p:ph type="body" idx="1"/>
+          </p:nvPr>
+        </p:nvSpPr>
+        <p:spPr/>
+        <p:txBody>
+          <a:bodyPr/>
+          <a:lstStyle/>
+          <a:p>
+            <a:r>
+              <a:rPr lang="en-US" dirty="0" smtClean="0"/>
+              <a:t>API: Application Programming Interface </a:t>
+            </a:r>
+            <a:endParaRPr lang="en-US" dirty="0"/>
+          </a:p>
+        </p:txBody>
+      </p:sp>
+      <p:sp>
+        <p:nvSpPr>
+          <p:cNvPr id="4" name="Slide Number Placeholder 3"/>
+          <p:cNvSpPr>
+            <a:spLocks noGrp="1"/>
+          </p:cNvSpPr>
+          <p:nvPr>
+            <p:ph type="sldNum" sz="quarter" idx="10"/>
+          </p:nvPr>
+        </p:nvSpPr>
+        <p:spPr/>
+        <p:txBody>
+          <a:bodyPr/>
+          <a:lstStyle/>
+          <a:p>
+            <a:fld id="{6015BA3D-4842-9A4E-8EED-42DBC3FF31AE}" type="slidenum">
+              <a:rPr lang="en-US" smtClean="0"/>
+              <a:t>11</a:t>
+            </a:fld>
+            <a:endParaRPr lang="en-US"/>
+          </a:p>
+        </p:txBody>
+      </p:sp>
+    </p:spTree>
+    <p:extLst>
+      <p:ext uri="{BB962C8B-B14F-4D97-AF65-F5344CB8AC3E}">
+        <p14:creationId xmlns:p14="http://schemas.microsoft.com/office/powerpoint/2010/main" val="1158578935"/>
+      </p:ext>
+    </p:extLst>
+  </p:cSld>
+  <p:clrMapOvr>
+    <a:masterClrMapping/>
+  </p:clrMapOvr>
+</p:notes>
+</file>
+
 <file path=ppt/slideLayouts/slideLayout1.xml><?xml version="1.0" encoding="utf-8"?>
 <p:sldLayout xmlns:a="http://schemas.openxmlformats.org/drawingml/2006/main" xmlns:r="http://schemas.openxmlformats.org/officeDocument/2006/relationships" xmlns:p="http://schemas.openxmlformats.org/presentationml/2006/main" type="title" preserve="1">
   <p:cSld name="Title Slide">
@@ -753,7 +841,7 @@
           <a:p>
             <a:fld id="{51673806-0BCD-1F42-BAA8-2011034B3C6A}" type="datetimeFigureOut">
               <a:rPr lang="en-US" smtClean="0"/>
-              <a:t>5/9/20</a:t>
+              <a:t>5/12/20</a:t>
             </a:fld>
             <a:endParaRPr lang="en-US"/>
           </a:p>
@@ -1167,7 +1255,7 @@
           <a:p>
             <a:fld id="{51673806-0BCD-1F42-BAA8-2011034B3C6A}" type="datetimeFigureOut">
               <a:rPr lang="en-US" smtClean="0"/>
-              <a:t>5/9/20</a:t>
+              <a:t>5/12/20</a:t>
             </a:fld>
             <a:endParaRPr lang="en-US"/>
           </a:p>
@@ -1498,7 +1586,7 @@
           <a:p>
             <a:fld id="{51673806-0BCD-1F42-BAA8-2011034B3C6A}" type="datetimeFigureOut">
               <a:rPr lang="en-US" smtClean="0"/>
-              <a:t>5/9/20</a:t>
+              <a:t>5/12/20</a:t>
             </a:fld>
             <a:endParaRPr lang="en-US"/>
           </a:p>
@@ -1898,7 +1986,7 @@
           <a:p>
             <a:fld id="{51673806-0BCD-1F42-BAA8-2011034B3C6A}" type="datetimeFigureOut">
               <a:rPr lang="en-US" smtClean="0"/>
-              <a:t>5/9/20</a:t>
+              <a:t>5/12/20</a:t>
             </a:fld>
             <a:endParaRPr lang="en-US"/>
           </a:p>
@@ -2461,7 +2549,7 @@
           <a:p>
             <a:fld id="{51673806-0BCD-1F42-BAA8-2011034B3C6A}" type="datetimeFigureOut">
               <a:rPr lang="en-US" smtClean="0"/>
-              <a:t>5/9/20</a:t>
+              <a:t>5/12/20</a:t>
             </a:fld>
             <a:endParaRPr lang="en-US"/>
           </a:p>
@@ -3137,7 +3225,7 @@
           <a:p>
             <a:fld id="{51673806-0BCD-1F42-BAA8-2011034B3C6A}" type="datetimeFigureOut">
               <a:rPr lang="en-US" smtClean="0"/>
-              <a:t>5/9/20</a:t>
+              <a:t>5/12/20</a:t>
             </a:fld>
             <a:endParaRPr lang="en-US"/>
           </a:p>
@@ -4045,7 +4133,7 @@
           <a:p>
             <a:fld id="{51673806-0BCD-1F42-BAA8-2011034B3C6A}" type="datetimeFigureOut">
               <a:rPr lang="en-US" smtClean="0"/>
-              <a:t>5/9/20</a:t>
+              <a:t>5/12/20</a:t>
             </a:fld>
             <a:endParaRPr lang="en-US"/>
           </a:p>
@@ -4353,7 +4441,7 @@
           <a:p>
             <a:fld id="{51673806-0BCD-1F42-BAA8-2011034B3C6A}" type="datetimeFigureOut">
               <a:rPr lang="en-US" smtClean="0"/>
-              <a:t>5/9/20</a:t>
+              <a:t>5/12/20</a:t>
             </a:fld>
             <a:endParaRPr lang="en-US"/>
           </a:p>
@@ -4612,7 +4700,7 @@
           <a:p>
             <a:fld id="{51673806-0BCD-1F42-BAA8-2011034B3C6A}" type="datetimeFigureOut">
               <a:rPr lang="en-US" smtClean="0"/>
-              <a:t>5/9/20</a:t>
+              <a:t>5/12/20</a:t>
             </a:fld>
             <a:endParaRPr lang="en-US"/>
           </a:p>
@@ -4935,7 +5023,7 @@
           <a:p>
             <a:fld id="{51673806-0BCD-1F42-BAA8-2011034B3C6A}" type="datetimeFigureOut">
               <a:rPr lang="en-US" smtClean="0"/>
-              <a:t>5/9/20</a:t>
+              <a:t>5/12/20</a:t>
             </a:fld>
             <a:endParaRPr lang="en-US"/>
           </a:p>
@@ -5319,7 +5407,7 @@
           <a:p>
             <a:fld id="{51673806-0BCD-1F42-BAA8-2011034B3C6A}" type="datetimeFigureOut">
               <a:rPr lang="en-US" smtClean="0"/>
-              <a:t>5/9/20</a:t>
+              <a:t>5/12/20</a:t>
             </a:fld>
             <a:endParaRPr lang="en-US"/>
           </a:p>
@@ -5695,7 +5783,7 @@
           <a:p>
             <a:fld id="{51673806-0BCD-1F42-BAA8-2011034B3C6A}" type="datetimeFigureOut">
               <a:rPr lang="en-US" smtClean="0"/>
-              <a:t>5/9/20</a:t>
+              <a:t>5/12/20</a:t>
             </a:fld>
             <a:endParaRPr lang="en-US"/>
           </a:p>
@@ -6201,7 +6289,7 @@
           <a:p>
             <a:fld id="{51673806-0BCD-1F42-BAA8-2011034B3C6A}" type="datetimeFigureOut">
               <a:rPr lang="en-US" smtClean="0"/>
-              <a:t>5/9/20</a:t>
+              <a:t>5/12/20</a:t>
             </a:fld>
             <a:endParaRPr lang="en-US"/>
           </a:p>
@@ -6458,7 +6546,7 @@
           <a:p>
             <a:fld id="{51673806-0BCD-1F42-BAA8-2011034B3C6A}" type="datetimeFigureOut">
               <a:rPr lang="en-US" smtClean="0"/>
-              <a:t>5/9/20</a:t>
+              <a:t>5/12/20</a:t>
             </a:fld>
             <a:endParaRPr lang="en-US"/>
           </a:p>
@@ -6616,7 +6704,7 @@
           <a:p>
             <a:fld id="{51673806-0BCD-1F42-BAA8-2011034B3C6A}" type="datetimeFigureOut">
               <a:rPr lang="en-US" smtClean="0"/>
-              <a:t>5/9/20</a:t>
+              <a:t>5/12/20</a:t>
             </a:fld>
             <a:endParaRPr lang="en-US"/>
           </a:p>
@@ -7006,7 +7094,7 @@
           <a:p>
             <a:fld id="{51673806-0BCD-1F42-BAA8-2011034B3C6A}" type="datetimeFigureOut">
               <a:rPr lang="en-US" smtClean="0"/>
-              <a:t>5/9/20</a:t>
+              <a:t>5/12/20</a:t>
             </a:fld>
             <a:endParaRPr lang="en-US"/>
           </a:p>
@@ -7415,7 +7503,7 @@
           <a:p>
             <a:fld id="{51673806-0BCD-1F42-BAA8-2011034B3C6A}" type="datetimeFigureOut">
               <a:rPr lang="en-US" smtClean="0"/>
-              <a:t>5/9/20</a:t>
+              <a:t>5/12/20</a:t>
             </a:fld>
             <a:endParaRPr lang="en-US"/>
           </a:p>
@@ -7663,7 +7751,7 @@
             <a:fld id="{51673806-0BCD-1F42-BAA8-2011034B3C6A}" type="datetimeFigureOut">
               <a:rPr lang="en-US" smtClean="0"/>
               <a:pPr/>
-              <a:t>5/9/20</a:t>
+              <a:t>5/12/20</a:t>
             </a:fld>
             <a:endParaRPr lang="en-US" dirty="0"/>
           </a:p>
@@ -8262,7 +8350,11 @@
             </a:r>
             <a:r>
               <a:rPr lang="en-US" dirty="0" smtClean="0"/>
-              <a:t>. This will be made clear usually in the </a:t>
+              <a:t>. This will be made clear </a:t>
+            </a:r>
+            <a:r>
+              <a:rPr lang="en-US" dirty="0" smtClean="0"/>
+              <a:t>in the </a:t>
             </a:r>
             <a:r>
               <a:rPr lang="en-US" i="1" dirty="0" smtClean="0"/>
@@ -8270,7 +8362,11 @@
             </a:r>
             <a:r>
               <a:rPr lang="en-US" dirty="0" smtClean="0"/>
-              <a:t> section of a </a:t>
+              <a:t> </a:t>
+            </a:r>
+            <a:r>
+              <a:rPr lang="en-US" dirty="0" smtClean="0"/>
+              <a:t>section of a </a:t>
             </a:r>
             <a:r>
               <a:rPr lang="en-US" dirty="0" err="1" smtClean="0"/>

--- a/slides/rst.pptx
+++ b/slides/rst.pptx
@@ -207,7 +207,7 @@
           <a:p>
             <a:fld id="{90D4793D-962B-AE4B-9653-ECCE89FFBBCD}" type="datetimeFigureOut">
               <a:rPr lang="en-US" smtClean="0"/>
-              <a:t>5/12/20</a:t>
+              <a:t>4/30/21</a:t>
             </a:fld>
             <a:endParaRPr lang="en-US"/>
           </a:p>
@@ -521,6 +521,98 @@
           <a:p>
             <a:r>
               <a:rPr lang="en-US" dirty="0" smtClean="0"/>
+              <a:t>Note that you can also do ages(**x) with</a:t>
+            </a:r>
+            <a:r>
+              <a:rPr lang="en-US" baseline="0" dirty="0" smtClean="0"/>
+              <a:t> a pre-defined dictionary x and the same functionality runs. </a:t>
+            </a:r>
+            <a:endParaRPr lang="en-US" dirty="0"/>
+          </a:p>
+        </p:txBody>
+      </p:sp>
+      <p:sp>
+        <p:nvSpPr>
+          <p:cNvPr id="4" name="Slide Number Placeholder 3"/>
+          <p:cNvSpPr>
+            <a:spLocks noGrp="1"/>
+          </p:cNvSpPr>
+          <p:nvPr>
+            <p:ph type="sldNum" sz="quarter" idx="10"/>
+          </p:nvPr>
+        </p:nvSpPr>
+        <p:spPr/>
+        <p:txBody>
+          <a:bodyPr/>
+          <a:lstStyle/>
+          <a:p>
+            <a:fld id="{6015BA3D-4842-9A4E-8EED-42DBC3FF31AE}" type="slidenum">
+              <a:rPr lang="en-US" smtClean="0"/>
+              <a:t>10</a:t>
+            </a:fld>
+            <a:endParaRPr lang="en-US"/>
+          </a:p>
+        </p:txBody>
+      </p:sp>
+    </p:spTree>
+    <p:extLst>
+      <p:ext uri="{BB962C8B-B14F-4D97-AF65-F5344CB8AC3E}">
+        <p14:creationId xmlns:p14="http://schemas.microsoft.com/office/powerpoint/2010/main" val="2068215364"/>
+      </p:ext>
+    </p:extLst>
+  </p:cSld>
+  <p:clrMapOvr>
+    <a:masterClrMapping/>
+  </p:clrMapOvr>
+</p:notes>
+</file>
+
+<file path=ppt/notesSlides/notesSlide2.xml><?xml version="1.0" encoding="utf-8"?>
+<p:notes xmlns:a="http://schemas.openxmlformats.org/drawingml/2006/main" xmlns:r="http://schemas.openxmlformats.org/officeDocument/2006/relationships" xmlns:p="http://schemas.openxmlformats.org/presentationml/2006/main">
+  <p:cSld>
+    <p:spTree>
+      <p:nvGrpSpPr>
+        <p:cNvPr id="1" name=""/>
+        <p:cNvGrpSpPr/>
+        <p:nvPr/>
+      </p:nvGrpSpPr>
+      <p:grpSpPr>
+        <a:xfrm>
+          <a:off x="0" y="0"/>
+          <a:ext cx="0" cy="0"/>
+          <a:chOff x="0" y="0"/>
+          <a:chExt cx="0" cy="0"/>
+        </a:xfrm>
+      </p:grpSpPr>
+      <p:sp>
+        <p:nvSpPr>
+          <p:cNvPr id="2" name="Slide Image Placeholder 1"/>
+          <p:cNvSpPr>
+            <a:spLocks noGrp="1" noRot="1" noChangeAspect="1"/>
+          </p:cNvSpPr>
+          <p:nvPr>
+            <p:ph type="sldImg"/>
+          </p:nvPr>
+        </p:nvSpPr>
+        <p:spPr/>
+      </p:sp>
+      <p:sp>
+        <p:nvSpPr>
+          <p:cNvPr id="3" name="Notes Placeholder 2"/>
+          <p:cNvSpPr>
+            <a:spLocks noGrp="1"/>
+          </p:cNvSpPr>
+          <p:nvPr>
+            <p:ph type="body" idx="1"/>
+          </p:nvPr>
+        </p:nvSpPr>
+        <p:spPr/>
+        <p:txBody>
+          <a:bodyPr/>
+          <a:lstStyle/>
+          <a:p>
+            <a:r>
+              <a:rPr lang="en-US" dirty="0" smtClean="0"/>
               <a:t>API: Application Programming Interface </a:t>
             </a:r>
             <a:endParaRPr lang="en-US" dirty="0"/>
@@ -841,7 +933,7 @@
           <a:p>
             <a:fld id="{51673806-0BCD-1F42-BAA8-2011034B3C6A}" type="datetimeFigureOut">
               <a:rPr lang="en-US" smtClean="0"/>
-              <a:t>5/12/20</a:t>
+              <a:t>4/30/21</a:t>
             </a:fld>
             <a:endParaRPr lang="en-US"/>
           </a:p>
@@ -1255,7 +1347,7 @@
           <a:p>
             <a:fld id="{51673806-0BCD-1F42-BAA8-2011034B3C6A}" type="datetimeFigureOut">
               <a:rPr lang="en-US" smtClean="0"/>
-              <a:t>5/12/20</a:t>
+              <a:t>4/30/21</a:t>
             </a:fld>
             <a:endParaRPr lang="en-US"/>
           </a:p>
@@ -1586,7 +1678,7 @@
           <a:p>
             <a:fld id="{51673806-0BCD-1F42-BAA8-2011034B3C6A}" type="datetimeFigureOut">
               <a:rPr lang="en-US" smtClean="0"/>
-              <a:t>5/12/20</a:t>
+              <a:t>4/30/21</a:t>
             </a:fld>
             <a:endParaRPr lang="en-US"/>
           </a:p>
@@ -1986,7 +2078,7 @@
           <a:p>
             <a:fld id="{51673806-0BCD-1F42-BAA8-2011034B3C6A}" type="datetimeFigureOut">
               <a:rPr lang="en-US" smtClean="0"/>
-              <a:t>5/12/20</a:t>
+              <a:t>4/30/21</a:t>
             </a:fld>
             <a:endParaRPr lang="en-US"/>
           </a:p>
@@ -2549,7 +2641,7 @@
           <a:p>
             <a:fld id="{51673806-0BCD-1F42-BAA8-2011034B3C6A}" type="datetimeFigureOut">
               <a:rPr lang="en-US" smtClean="0"/>
-              <a:t>5/12/20</a:t>
+              <a:t>4/30/21</a:t>
             </a:fld>
             <a:endParaRPr lang="en-US"/>
           </a:p>
@@ -3225,7 +3317,7 @@
           <a:p>
             <a:fld id="{51673806-0BCD-1F42-BAA8-2011034B3C6A}" type="datetimeFigureOut">
               <a:rPr lang="en-US" smtClean="0"/>
-              <a:t>5/12/20</a:t>
+              <a:t>4/30/21</a:t>
             </a:fld>
             <a:endParaRPr lang="en-US"/>
           </a:p>
@@ -4133,7 +4225,7 @@
           <a:p>
             <a:fld id="{51673806-0BCD-1F42-BAA8-2011034B3C6A}" type="datetimeFigureOut">
               <a:rPr lang="en-US" smtClean="0"/>
-              <a:t>5/12/20</a:t>
+              <a:t>4/30/21</a:t>
             </a:fld>
             <a:endParaRPr lang="en-US"/>
           </a:p>
@@ -4441,7 +4533,7 @@
           <a:p>
             <a:fld id="{51673806-0BCD-1F42-BAA8-2011034B3C6A}" type="datetimeFigureOut">
               <a:rPr lang="en-US" smtClean="0"/>
-              <a:t>5/12/20</a:t>
+              <a:t>4/30/21</a:t>
             </a:fld>
             <a:endParaRPr lang="en-US"/>
           </a:p>
@@ -4700,7 +4792,7 @@
           <a:p>
             <a:fld id="{51673806-0BCD-1F42-BAA8-2011034B3C6A}" type="datetimeFigureOut">
               <a:rPr lang="en-US" smtClean="0"/>
-              <a:t>5/12/20</a:t>
+              <a:t>4/30/21</a:t>
             </a:fld>
             <a:endParaRPr lang="en-US"/>
           </a:p>
@@ -5023,7 +5115,7 @@
           <a:p>
             <a:fld id="{51673806-0BCD-1F42-BAA8-2011034B3C6A}" type="datetimeFigureOut">
               <a:rPr lang="en-US" smtClean="0"/>
-              <a:t>5/12/20</a:t>
+              <a:t>4/30/21</a:t>
             </a:fld>
             <a:endParaRPr lang="en-US"/>
           </a:p>
@@ -5407,7 +5499,7 @@
           <a:p>
             <a:fld id="{51673806-0BCD-1F42-BAA8-2011034B3C6A}" type="datetimeFigureOut">
               <a:rPr lang="en-US" smtClean="0"/>
-              <a:t>5/12/20</a:t>
+              <a:t>4/30/21</a:t>
             </a:fld>
             <a:endParaRPr lang="en-US"/>
           </a:p>
@@ -5783,7 +5875,7 @@
           <a:p>
             <a:fld id="{51673806-0BCD-1F42-BAA8-2011034B3C6A}" type="datetimeFigureOut">
               <a:rPr lang="en-US" smtClean="0"/>
-              <a:t>5/12/20</a:t>
+              <a:t>4/30/21</a:t>
             </a:fld>
             <a:endParaRPr lang="en-US"/>
           </a:p>
@@ -6289,7 +6381,7 @@
           <a:p>
             <a:fld id="{51673806-0BCD-1F42-BAA8-2011034B3C6A}" type="datetimeFigureOut">
               <a:rPr lang="en-US" smtClean="0"/>
-              <a:t>5/12/20</a:t>
+              <a:t>4/30/21</a:t>
             </a:fld>
             <a:endParaRPr lang="en-US"/>
           </a:p>
@@ -6546,7 +6638,7 @@
           <a:p>
             <a:fld id="{51673806-0BCD-1F42-BAA8-2011034B3C6A}" type="datetimeFigureOut">
               <a:rPr lang="en-US" smtClean="0"/>
-              <a:t>5/12/20</a:t>
+              <a:t>4/30/21</a:t>
             </a:fld>
             <a:endParaRPr lang="en-US"/>
           </a:p>
@@ -6704,7 +6796,7 @@
           <a:p>
             <a:fld id="{51673806-0BCD-1F42-BAA8-2011034B3C6A}" type="datetimeFigureOut">
               <a:rPr lang="en-US" smtClean="0"/>
-              <a:t>5/12/20</a:t>
+              <a:t>4/30/21</a:t>
             </a:fld>
             <a:endParaRPr lang="en-US"/>
           </a:p>
@@ -7094,7 +7186,7 @@
           <a:p>
             <a:fld id="{51673806-0BCD-1F42-BAA8-2011034B3C6A}" type="datetimeFigureOut">
               <a:rPr lang="en-US" smtClean="0"/>
-              <a:t>5/12/20</a:t>
+              <a:t>4/30/21</a:t>
             </a:fld>
             <a:endParaRPr lang="en-US"/>
           </a:p>
@@ -7503,7 +7595,7 @@
           <a:p>
             <a:fld id="{51673806-0BCD-1F42-BAA8-2011034B3C6A}" type="datetimeFigureOut">
               <a:rPr lang="en-US" smtClean="0"/>
-              <a:t>5/12/20</a:t>
+              <a:t>4/30/21</a:t>
             </a:fld>
             <a:endParaRPr lang="en-US"/>
           </a:p>
@@ -7751,7 +7843,7 @@
             <a:fld id="{51673806-0BCD-1F42-BAA8-2011034B3C6A}" type="datetimeFigureOut">
               <a:rPr lang="en-US" smtClean="0"/>
               <a:pPr/>
-              <a:t>5/12/20</a:t>
+              <a:t>4/30/21</a:t>
             </a:fld>
             <a:endParaRPr lang="en-US" dirty="0"/>
           </a:p>
@@ -8215,8 +8307,16 @@
           <a:lstStyle/>
           <a:p>
             <a:r>
+              <a:rPr lang="en-US"/>
+              <a:t>SURP </a:t>
+            </a:r>
+            <a:r>
+              <a:rPr lang="en-US" smtClean="0"/>
+              <a:t>2021 </a:t>
+            </a:r>
+            <a:r>
               <a:rPr lang="en-US" dirty="0"/>
-              <a:t>SURP 2020 Python Bootcamp</a:t>
+              <a:t>Python Bootcamp</a:t>
             </a:r>
           </a:p>
           <a:p>
@@ -8350,11 +8450,7 @@
             </a:r>
             <a:r>
               <a:rPr lang="en-US" dirty="0" smtClean="0"/>
-              <a:t>. This will be made clear </a:t>
-            </a:r>
-            <a:r>
-              <a:rPr lang="en-US" dirty="0" smtClean="0"/>
-              <a:t>in the </a:t>
+              <a:t>. This will be made clear in the </a:t>
             </a:r>
             <a:r>
               <a:rPr lang="en-US" i="1" dirty="0" smtClean="0"/>
@@ -8362,11 +8458,7 @@
             </a:r>
             <a:r>
               <a:rPr lang="en-US" dirty="0" smtClean="0"/>
-              <a:t> </a:t>
-            </a:r>
-            <a:r>
-              <a:rPr lang="en-US" dirty="0" smtClean="0"/>
-              <a:t>section of a </a:t>
+              <a:t> section of a </a:t>
             </a:r>
             <a:r>
               <a:rPr lang="en-US" dirty="0" err="1" smtClean="0"/>
@@ -8428,7 +8520,7 @@
           <p:nvPr/>
         </p:nvPicPr>
         <p:blipFill>
-          <a:blip r:embed="rId2">
+          <a:blip r:embed="rId3">
             <a:extLst>
               <a:ext uri="{28A0092B-C50C-407E-A947-70E740481C1C}">
                 <a14:useLocalDpi xmlns:a14="http://schemas.microsoft.com/office/drawing/2010/main" val="0"/>

--- a/slides/rst.pptx
+++ b/slides/rst.pptx
@@ -207,7 +207,7 @@
           <a:p>
             <a:fld id="{90D4793D-962B-AE4B-9653-ECCE89FFBBCD}" type="datetimeFigureOut">
               <a:rPr lang="en-US" smtClean="0"/>
-              <a:t>4/30/21</a:t>
+              <a:t>5/14/21</a:t>
             </a:fld>
             <a:endParaRPr lang="en-US"/>
           </a:p>
@@ -271,38 +271,37 @@
           <a:p>
             <a:pPr lvl="0"/>
             <a:r>
-              <a:rPr lang="en-US" smtClean="0"/>
+              <a:rPr lang="en-US"/>
               <a:t>Click to edit Master text styles</a:t>
             </a:r>
           </a:p>
           <a:p>
             <a:pPr lvl="1"/>
             <a:r>
-              <a:rPr lang="en-US" smtClean="0"/>
+              <a:rPr lang="en-US"/>
               <a:t>Second level</a:t>
             </a:r>
           </a:p>
           <a:p>
             <a:pPr lvl="2"/>
             <a:r>
-              <a:rPr lang="en-US" smtClean="0"/>
+              <a:rPr lang="en-US"/>
               <a:t>Third level</a:t>
             </a:r>
           </a:p>
           <a:p>
             <a:pPr lvl="3"/>
             <a:r>
-              <a:rPr lang="en-US" smtClean="0"/>
+              <a:rPr lang="en-US"/>
               <a:t>Fourth level</a:t>
             </a:r>
           </a:p>
           <a:p>
             <a:pPr lvl="4"/>
             <a:r>
-              <a:rPr lang="en-US" smtClean="0"/>
+              <a:rPr lang="en-US"/>
               <a:t>Fifth level</a:t>
             </a:r>
-            <a:endParaRPr lang="en-US"/>
           </a:p>
         </p:txBody>
       </p:sp>
@@ -520,11 +519,11 @@
           <a:lstStyle/>
           <a:p>
             <a:r>
-              <a:rPr lang="en-US" dirty="0" smtClean="0"/>
+              <a:rPr lang="en-US" dirty="0"/>
               <a:t>Note that you can also do ages(**x) with</a:t>
             </a:r>
             <a:r>
-              <a:rPr lang="en-US" baseline="0" dirty="0" smtClean="0"/>
+              <a:rPr lang="en-US" baseline="0" dirty="0"/>
               <a:t> a pre-defined dictionary x and the same functionality runs. </a:t>
             </a:r>
             <a:endParaRPr lang="en-US" dirty="0"/>
@@ -612,10 +611,9 @@
           <a:lstStyle/>
           <a:p>
             <a:r>
-              <a:rPr lang="en-US" dirty="0" smtClean="0"/>
+              <a:rPr lang="en-US" dirty="0"/>
               <a:t>API: Application Programming Interface </a:t>
             </a:r>
-            <a:endParaRPr lang="en-US" dirty="0"/>
           </a:p>
         </p:txBody>
       </p:sp>
@@ -842,10 +840,9 @@
           </a:lstStyle>
           <a:p>
             <a:r>
-              <a:rPr lang="en-US" dirty="0" smtClean="0"/>
+              <a:rPr lang="en-US" dirty="0"/>
               <a:t>Click to edit Master title style</a:t>
             </a:r>
-            <a:endParaRPr lang="en-US" dirty="0"/>
           </a:p>
         </p:txBody>
       </p:sp>
@@ -909,10 +906,9 @@
           </a:lstStyle>
           <a:p>
             <a:r>
-              <a:rPr lang="en-US" dirty="0" smtClean="0"/>
+              <a:rPr lang="en-US" dirty="0"/>
               <a:t>Click to edit Master subtitle style</a:t>
             </a:r>
-            <a:endParaRPr lang="en-US" dirty="0"/>
           </a:p>
         </p:txBody>
       </p:sp>
@@ -933,7 +929,7 @@
           <a:p>
             <a:fld id="{51673806-0BCD-1F42-BAA8-2011034B3C6A}" type="datetimeFigureOut">
               <a:rPr lang="en-US" smtClean="0"/>
-              <a:t>4/30/21</a:t>
+              <a:t>5/14/21</a:t>
             </a:fld>
             <a:endParaRPr lang="en-US"/>
           </a:p>
@@ -1182,7 +1178,7 @@
           </a:lstStyle>
           <a:p>
             <a:r>
-              <a:rPr lang="en-US" smtClean="0"/>
+              <a:rPr lang="en-US"/>
               <a:t>Click to edit Master title style</a:t>
             </a:r>
             <a:endParaRPr lang="en-US" dirty="0"/>
@@ -1258,7 +1254,7 @@
           </a:lstStyle>
           <a:p>
             <a:r>
-              <a:rPr lang="en-US" smtClean="0"/>
+              <a:rPr lang="en-US"/>
               <a:t>Drag picture to placeholder or click icon to add</a:t>
             </a:r>
             <a:endParaRPr lang="en-US" dirty="0"/>
@@ -1324,7 +1320,7 @@
           <a:p>
             <a:pPr lvl="0"/>
             <a:r>
-              <a:rPr lang="en-US" smtClean="0"/>
+              <a:rPr lang="en-US"/>
               <a:t>Click to edit Master text styles</a:t>
             </a:r>
           </a:p>
@@ -1347,7 +1343,7 @@
           <a:p>
             <a:fld id="{51673806-0BCD-1F42-BAA8-2011034B3C6A}" type="datetimeFigureOut">
               <a:rPr lang="en-US" smtClean="0"/>
-              <a:t>4/30/21</a:t>
+              <a:t>5/14/21</a:t>
             </a:fld>
             <a:endParaRPr lang="en-US"/>
           </a:p>
@@ -1589,7 +1585,7 @@
           </a:lstStyle>
           <a:p>
             <a:r>
-              <a:rPr lang="en-US" smtClean="0"/>
+              <a:rPr lang="en-US"/>
               <a:t>Click to edit Master title style</a:t>
             </a:r>
             <a:endParaRPr lang="en-US" dirty="0"/>
@@ -1655,7 +1651,7 @@
           <a:p>
             <a:pPr lvl="0"/>
             <a:r>
-              <a:rPr lang="en-US" smtClean="0"/>
+              <a:rPr lang="en-US"/>
               <a:t>Click to edit Master text styles</a:t>
             </a:r>
           </a:p>
@@ -1678,7 +1674,7 @@
           <a:p>
             <a:fld id="{51673806-0BCD-1F42-BAA8-2011034B3C6A}" type="datetimeFigureOut">
               <a:rPr lang="en-US" smtClean="0"/>
-              <a:t>4/30/21</a:t>
+              <a:t>5/14/21</a:t>
             </a:fld>
             <a:endParaRPr lang="en-US"/>
           </a:p>
@@ -1920,7 +1916,7 @@
           </a:lstStyle>
           <a:p>
             <a:r>
-              <a:rPr lang="en-US" smtClean="0"/>
+              <a:rPr lang="en-US"/>
               <a:t>Click to edit Master title style</a:t>
             </a:r>
             <a:endParaRPr lang="en-US" dirty="0"/>
@@ -1988,7 +1984,7 @@
           <a:p>
             <a:pPr lvl="0"/>
             <a:r>
-              <a:rPr lang="en-US" smtClean="0"/>
+              <a:rPr lang="en-US"/>
               <a:t>Click to edit Master text styles</a:t>
             </a:r>
           </a:p>
@@ -2055,7 +2051,7 @@
           <a:p>
             <a:pPr lvl="0"/>
             <a:r>
-              <a:rPr lang="en-US" smtClean="0"/>
+              <a:rPr lang="en-US"/>
               <a:t>Click to edit Master text styles</a:t>
             </a:r>
           </a:p>
@@ -2078,7 +2074,7 @@
           <a:p>
             <a:fld id="{51673806-0BCD-1F42-BAA8-2011034B3C6A}" type="datetimeFigureOut">
               <a:rPr lang="en-US" smtClean="0"/>
-              <a:t>4/30/21</a:t>
+              <a:t>5/14/21</a:t>
             </a:fld>
             <a:endParaRPr lang="en-US"/>
           </a:p>
@@ -2552,7 +2548,7 @@
           </a:lstStyle>
           <a:p>
             <a:r>
-              <a:rPr lang="en-US" smtClean="0"/>
+              <a:rPr lang="en-US"/>
               <a:t>Click to edit Master title style</a:t>
             </a:r>
             <a:endParaRPr lang="en-US" dirty="0"/>
@@ -2618,7 +2614,7 @@
           <a:p>
             <a:pPr lvl="0"/>
             <a:r>
-              <a:rPr lang="en-US" smtClean="0"/>
+              <a:rPr lang="en-US"/>
               <a:t>Click to edit Master text styles</a:t>
             </a:r>
           </a:p>
@@ -2641,7 +2637,7 @@
           <a:p>
             <a:fld id="{51673806-0BCD-1F42-BAA8-2011034B3C6A}" type="datetimeFigureOut">
               <a:rPr lang="en-US" smtClean="0"/>
-              <a:t>4/30/21</a:t>
+              <a:t>5/14/21</a:t>
             </a:fld>
             <a:endParaRPr lang="en-US"/>
           </a:p>
@@ -2879,7 +2875,7 @@
           <a:lstStyle/>
           <a:p>
             <a:r>
-              <a:rPr lang="en-US" smtClean="0"/>
+              <a:rPr lang="en-US"/>
               <a:t>Click to edit Master title style</a:t>
             </a:r>
             <a:endParaRPr lang="en-US" dirty="0"/>
@@ -2951,7 +2947,7 @@
           <a:p>
             <a:pPr lvl="0"/>
             <a:r>
-              <a:rPr lang="en-US" smtClean="0"/>
+              <a:rPr lang="en-US"/>
               <a:t>Click to edit Master text styles</a:t>
             </a:r>
           </a:p>
@@ -3018,7 +3014,7 @@
           <a:p>
             <a:pPr lvl="0"/>
             <a:r>
-              <a:rPr lang="en-US" smtClean="0"/>
+              <a:rPr lang="en-US"/>
               <a:t>Click to edit Master text styles</a:t>
             </a:r>
           </a:p>
@@ -3089,7 +3085,7 @@
           <a:p>
             <a:pPr lvl="0"/>
             <a:r>
-              <a:rPr lang="en-US" smtClean="0"/>
+              <a:rPr lang="en-US"/>
               <a:t>Click to edit Master text styles</a:t>
             </a:r>
           </a:p>
@@ -3156,7 +3152,7 @@
           <a:p>
             <a:pPr lvl="0"/>
             <a:r>
-              <a:rPr lang="en-US" smtClean="0"/>
+              <a:rPr lang="en-US"/>
               <a:t>Click to edit Master text styles</a:t>
             </a:r>
           </a:p>
@@ -3227,7 +3223,7 @@
           <a:p>
             <a:pPr lvl="0"/>
             <a:r>
-              <a:rPr lang="en-US" smtClean="0"/>
+              <a:rPr lang="en-US"/>
               <a:t>Click to edit Master text styles</a:t>
             </a:r>
           </a:p>
@@ -3294,7 +3290,7 @@
           <a:p>
             <a:pPr lvl="0"/>
             <a:r>
-              <a:rPr lang="en-US" smtClean="0"/>
+              <a:rPr lang="en-US"/>
               <a:t>Click to edit Master text styles</a:t>
             </a:r>
           </a:p>
@@ -3317,7 +3313,7 @@
           <a:p>
             <a:fld id="{51673806-0BCD-1F42-BAA8-2011034B3C6A}" type="datetimeFigureOut">
               <a:rPr lang="en-US" smtClean="0"/>
-              <a:t>4/30/21</a:t>
+              <a:t>5/14/21</a:t>
             </a:fld>
             <a:endParaRPr lang="en-US"/>
           </a:p>
@@ -3550,7 +3546,7 @@
           <a:lstStyle/>
           <a:p>
             <a:r>
-              <a:rPr lang="en-US" smtClean="0"/>
+              <a:rPr lang="en-US"/>
               <a:t>Click to edit Master title style</a:t>
             </a:r>
             <a:endParaRPr lang="en-US" dirty="0"/>
@@ -3622,7 +3618,7 @@
           <a:p>
             <a:pPr lvl="0"/>
             <a:r>
-              <a:rPr lang="en-US" smtClean="0"/>
+              <a:rPr lang="en-US"/>
               <a:t>Click to edit Master text styles</a:t>
             </a:r>
           </a:p>
@@ -3700,7 +3696,7 @@
           </a:lstStyle>
           <a:p>
             <a:r>
-              <a:rPr lang="en-US" smtClean="0"/>
+              <a:rPr lang="en-US"/>
               <a:t>Drag picture to placeholder or click icon to add</a:t>
             </a:r>
             <a:endParaRPr lang="en-US" dirty="0"/>
@@ -3768,7 +3764,7 @@
           <a:p>
             <a:pPr lvl="0"/>
             <a:r>
-              <a:rPr lang="en-US" smtClean="0"/>
+              <a:rPr lang="en-US"/>
               <a:t>Click to edit Master text styles</a:t>
             </a:r>
           </a:p>
@@ -3839,7 +3835,7 @@
           <a:p>
             <a:pPr lvl="0"/>
             <a:r>
-              <a:rPr lang="en-US" smtClean="0"/>
+              <a:rPr lang="en-US"/>
               <a:t>Click to edit Master text styles</a:t>
             </a:r>
           </a:p>
@@ -3917,7 +3913,7 @@
           </a:lstStyle>
           <a:p>
             <a:r>
-              <a:rPr lang="en-US" smtClean="0"/>
+              <a:rPr lang="en-US"/>
               <a:t>Drag picture to placeholder or click icon to add</a:t>
             </a:r>
             <a:endParaRPr lang="en-US" dirty="0"/>
@@ -3985,7 +3981,7 @@
           <a:p>
             <a:pPr lvl="0"/>
             <a:r>
-              <a:rPr lang="en-US" smtClean="0"/>
+              <a:rPr lang="en-US"/>
               <a:t>Click to edit Master text styles</a:t>
             </a:r>
           </a:p>
@@ -4056,7 +4052,7 @@
           <a:p>
             <a:pPr lvl="0"/>
             <a:r>
-              <a:rPr lang="en-US" smtClean="0"/>
+              <a:rPr lang="en-US"/>
               <a:t>Click to edit Master text styles</a:t>
             </a:r>
           </a:p>
@@ -4134,7 +4130,7 @@
           </a:lstStyle>
           <a:p>
             <a:r>
-              <a:rPr lang="en-US" smtClean="0"/>
+              <a:rPr lang="en-US"/>
               <a:t>Drag picture to placeholder or click icon to add</a:t>
             </a:r>
             <a:endParaRPr lang="en-US" dirty="0"/>
@@ -4202,7 +4198,7 @@
           <a:p>
             <a:pPr lvl="0"/>
             <a:r>
-              <a:rPr lang="en-US" smtClean="0"/>
+              <a:rPr lang="en-US"/>
               <a:t>Click to edit Master text styles</a:t>
             </a:r>
           </a:p>
@@ -4225,7 +4221,7 @@
           <a:p>
             <a:fld id="{51673806-0BCD-1F42-BAA8-2011034B3C6A}" type="datetimeFigureOut">
               <a:rPr lang="en-US" smtClean="0"/>
-              <a:t>4/30/21</a:t>
+              <a:t>5/14/21</a:t>
             </a:fld>
             <a:endParaRPr lang="en-US"/>
           </a:p>
@@ -4457,7 +4453,7 @@
           </a:lstStyle>
           <a:p>
             <a:r>
-              <a:rPr lang="en-US" smtClean="0"/>
+              <a:rPr lang="en-US"/>
               <a:t>Click to edit Master title style</a:t>
             </a:r>
             <a:endParaRPr lang="en-US" dirty="0"/>
@@ -4481,35 +4477,35 @@
           <a:p>
             <a:pPr lvl="0"/>
             <a:r>
-              <a:rPr lang="en-US" smtClean="0"/>
+              <a:rPr lang="en-US"/>
               <a:t>Click to edit Master text styles</a:t>
             </a:r>
           </a:p>
           <a:p>
             <a:pPr lvl="1"/>
             <a:r>
-              <a:rPr lang="en-US" smtClean="0"/>
+              <a:rPr lang="en-US"/>
               <a:t>Second level</a:t>
             </a:r>
           </a:p>
           <a:p>
             <a:pPr lvl="2"/>
             <a:r>
-              <a:rPr lang="en-US" smtClean="0"/>
+              <a:rPr lang="en-US"/>
               <a:t>Third level</a:t>
             </a:r>
           </a:p>
           <a:p>
             <a:pPr lvl="3"/>
             <a:r>
-              <a:rPr lang="en-US" smtClean="0"/>
+              <a:rPr lang="en-US"/>
               <a:t>Fourth level</a:t>
             </a:r>
           </a:p>
           <a:p>
             <a:pPr lvl="4"/>
             <a:r>
-              <a:rPr lang="en-US" smtClean="0"/>
+              <a:rPr lang="en-US"/>
               <a:t>Fifth level</a:t>
             </a:r>
             <a:endParaRPr lang="en-US" dirty="0"/>
@@ -4533,7 +4529,7 @@
           <a:p>
             <a:fld id="{51673806-0BCD-1F42-BAA8-2011034B3C6A}" type="datetimeFigureOut">
               <a:rPr lang="en-US" smtClean="0"/>
-              <a:t>4/30/21</a:t>
+              <a:t>5/14/21</a:t>
             </a:fld>
             <a:endParaRPr lang="en-US"/>
           </a:p>
@@ -4706,7 +4702,7 @@
           <a:lstStyle/>
           <a:p>
             <a:r>
-              <a:rPr lang="en-US" smtClean="0"/>
+              <a:rPr lang="en-US"/>
               <a:t>Click to edit Master title style</a:t>
             </a:r>
             <a:endParaRPr lang="en-US" dirty="0"/>
@@ -4735,35 +4731,35 @@
           <a:p>
             <a:pPr lvl="0"/>
             <a:r>
-              <a:rPr lang="en-US" smtClean="0"/>
+              <a:rPr lang="en-US"/>
               <a:t>Click to edit Master text styles</a:t>
             </a:r>
           </a:p>
           <a:p>
             <a:pPr lvl="1"/>
             <a:r>
-              <a:rPr lang="en-US" smtClean="0"/>
+              <a:rPr lang="en-US"/>
               <a:t>Second level</a:t>
             </a:r>
           </a:p>
           <a:p>
             <a:pPr lvl="2"/>
             <a:r>
-              <a:rPr lang="en-US" smtClean="0"/>
+              <a:rPr lang="en-US"/>
               <a:t>Third level</a:t>
             </a:r>
           </a:p>
           <a:p>
             <a:pPr lvl="3"/>
             <a:r>
-              <a:rPr lang="en-US" smtClean="0"/>
+              <a:rPr lang="en-US"/>
               <a:t>Fourth level</a:t>
             </a:r>
           </a:p>
           <a:p>
             <a:pPr lvl="4"/>
             <a:r>
-              <a:rPr lang="en-US" smtClean="0"/>
+              <a:rPr lang="en-US"/>
               <a:t>Fifth level</a:t>
             </a:r>
             <a:endParaRPr lang="en-US" dirty="0"/>
@@ -4792,7 +4788,7 @@
           <a:p>
             <a:fld id="{51673806-0BCD-1F42-BAA8-2011034B3C6A}" type="datetimeFigureOut">
               <a:rPr lang="en-US" smtClean="0"/>
-              <a:t>4/30/21</a:t>
+              <a:t>5/14/21</a:t>
             </a:fld>
             <a:endParaRPr lang="en-US"/>
           </a:p>
@@ -5039,7 +5035,7 @@
           <a:lstStyle/>
           <a:p>
             <a:r>
-              <a:rPr lang="en-US" smtClean="0"/>
+              <a:rPr lang="en-US"/>
               <a:t>Click to edit Master title style</a:t>
             </a:r>
             <a:endParaRPr lang="en-US" dirty="0"/>
@@ -5063,35 +5059,35 @@
           <a:p>
             <a:pPr lvl="0"/>
             <a:r>
-              <a:rPr lang="en-US" smtClean="0"/>
+              <a:rPr lang="en-US"/>
               <a:t>Click to edit Master text styles</a:t>
             </a:r>
           </a:p>
           <a:p>
             <a:pPr lvl="1"/>
             <a:r>
-              <a:rPr lang="en-US" smtClean="0"/>
+              <a:rPr lang="en-US"/>
               <a:t>Second level</a:t>
             </a:r>
           </a:p>
           <a:p>
             <a:pPr lvl="2"/>
             <a:r>
-              <a:rPr lang="en-US" smtClean="0"/>
+              <a:rPr lang="en-US"/>
               <a:t>Third level</a:t>
             </a:r>
           </a:p>
           <a:p>
             <a:pPr lvl="3"/>
             <a:r>
-              <a:rPr lang="en-US" smtClean="0"/>
+              <a:rPr lang="en-US"/>
               <a:t>Fourth level</a:t>
             </a:r>
           </a:p>
           <a:p>
             <a:pPr lvl="4"/>
             <a:r>
-              <a:rPr lang="en-US" smtClean="0"/>
+              <a:rPr lang="en-US"/>
               <a:t>Fifth level</a:t>
             </a:r>
             <a:endParaRPr lang="en-US" dirty="0"/>
@@ -5115,7 +5111,7 @@
           <a:p>
             <a:fld id="{51673806-0BCD-1F42-BAA8-2011034B3C6A}" type="datetimeFigureOut">
               <a:rPr lang="en-US" smtClean="0"/>
-              <a:t>4/30/21</a:t>
+              <a:t>5/14/21</a:t>
             </a:fld>
             <a:endParaRPr lang="en-US"/>
           </a:p>
@@ -5354,7 +5350,7 @@
           </a:lstStyle>
           <a:p>
             <a:r>
-              <a:rPr lang="en-US" smtClean="0"/>
+              <a:rPr lang="en-US"/>
               <a:t>Click to edit Master title style</a:t>
             </a:r>
             <a:endParaRPr lang="en-US" dirty="0"/>
@@ -5476,7 +5472,7 @@
           <a:p>
             <a:pPr lvl="0"/>
             <a:r>
-              <a:rPr lang="en-US" smtClean="0"/>
+              <a:rPr lang="en-US"/>
               <a:t>Click to edit Master text styles</a:t>
             </a:r>
           </a:p>
@@ -5499,7 +5495,7 @@
           <a:p>
             <a:fld id="{51673806-0BCD-1F42-BAA8-2011034B3C6A}" type="datetimeFigureOut">
               <a:rPr lang="en-US" smtClean="0"/>
-              <a:t>4/30/21</a:t>
+              <a:t>5/14/21</a:t>
             </a:fld>
             <a:endParaRPr lang="en-US"/>
           </a:p>
@@ -5737,7 +5733,7 @@
           <a:lstStyle/>
           <a:p>
             <a:r>
-              <a:rPr lang="en-US" smtClean="0"/>
+              <a:rPr lang="en-US"/>
               <a:t>Click to edit Master title style</a:t>
             </a:r>
             <a:endParaRPr lang="en-US" dirty="0"/>
@@ -5766,35 +5762,35 @@
           <a:p>
             <a:pPr lvl="0"/>
             <a:r>
-              <a:rPr lang="en-US" smtClean="0"/>
+              <a:rPr lang="en-US"/>
               <a:t>Click to edit Master text styles</a:t>
             </a:r>
           </a:p>
           <a:p>
             <a:pPr lvl="1"/>
             <a:r>
-              <a:rPr lang="en-US" smtClean="0"/>
+              <a:rPr lang="en-US"/>
               <a:t>Second level</a:t>
             </a:r>
           </a:p>
           <a:p>
             <a:pPr lvl="2"/>
             <a:r>
-              <a:rPr lang="en-US" smtClean="0"/>
+              <a:rPr lang="en-US"/>
               <a:t>Third level</a:t>
             </a:r>
           </a:p>
           <a:p>
             <a:pPr lvl="3"/>
             <a:r>
-              <a:rPr lang="en-US" smtClean="0"/>
+              <a:rPr lang="en-US"/>
               <a:t>Fourth level</a:t>
             </a:r>
           </a:p>
           <a:p>
             <a:pPr lvl="4"/>
             <a:r>
-              <a:rPr lang="en-US" smtClean="0"/>
+              <a:rPr lang="en-US"/>
               <a:t>Fifth level</a:t>
             </a:r>
             <a:endParaRPr lang="en-US" dirty="0"/>
@@ -5823,35 +5819,35 @@
           <a:p>
             <a:pPr lvl="0"/>
             <a:r>
-              <a:rPr lang="en-US" smtClean="0"/>
+              <a:rPr lang="en-US"/>
               <a:t>Click to edit Master text styles</a:t>
             </a:r>
           </a:p>
           <a:p>
             <a:pPr lvl="1"/>
             <a:r>
-              <a:rPr lang="en-US" smtClean="0"/>
+              <a:rPr lang="en-US"/>
               <a:t>Second level</a:t>
             </a:r>
           </a:p>
           <a:p>
             <a:pPr lvl="2"/>
             <a:r>
-              <a:rPr lang="en-US" smtClean="0"/>
+              <a:rPr lang="en-US"/>
               <a:t>Third level</a:t>
             </a:r>
           </a:p>
           <a:p>
             <a:pPr lvl="3"/>
             <a:r>
-              <a:rPr lang="en-US" smtClean="0"/>
+              <a:rPr lang="en-US"/>
               <a:t>Fourth level</a:t>
             </a:r>
           </a:p>
           <a:p>
             <a:pPr lvl="4"/>
             <a:r>
-              <a:rPr lang="en-US" smtClean="0"/>
+              <a:rPr lang="en-US"/>
               <a:t>Fifth level</a:t>
             </a:r>
             <a:endParaRPr lang="en-US" dirty="0"/>
@@ -5875,7 +5871,7 @@
           <a:p>
             <a:fld id="{51673806-0BCD-1F42-BAA8-2011034B3C6A}" type="datetimeFigureOut">
               <a:rPr lang="en-US" smtClean="0"/>
-              <a:t>4/30/21</a:t>
+              <a:t>5/14/21</a:t>
             </a:fld>
             <a:endParaRPr lang="en-US"/>
           </a:p>
@@ -6113,7 +6109,7 @@
           <a:lstStyle/>
           <a:p>
             <a:r>
-              <a:rPr lang="en-US" smtClean="0"/>
+              <a:rPr lang="en-US"/>
               <a:t>Click to edit Master title style</a:t>
             </a:r>
             <a:endParaRPr lang="en-US" dirty="0"/>
@@ -6179,7 +6175,7 @@
           <a:p>
             <a:pPr lvl="0"/>
             <a:r>
-              <a:rPr lang="en-US" smtClean="0"/>
+              <a:rPr lang="en-US"/>
               <a:t>Click to edit Master text styles</a:t>
             </a:r>
           </a:p>
@@ -6207,35 +6203,35 @@
           <a:p>
             <a:pPr lvl="0"/>
             <a:r>
-              <a:rPr lang="en-US" smtClean="0"/>
+              <a:rPr lang="en-US"/>
               <a:t>Click to edit Master text styles</a:t>
             </a:r>
           </a:p>
           <a:p>
             <a:pPr lvl="1"/>
             <a:r>
-              <a:rPr lang="en-US" smtClean="0"/>
+              <a:rPr lang="en-US"/>
               <a:t>Second level</a:t>
             </a:r>
           </a:p>
           <a:p>
             <a:pPr lvl="2"/>
             <a:r>
-              <a:rPr lang="en-US" smtClean="0"/>
+              <a:rPr lang="en-US"/>
               <a:t>Third level</a:t>
             </a:r>
           </a:p>
           <a:p>
             <a:pPr lvl="3"/>
             <a:r>
-              <a:rPr lang="en-US" smtClean="0"/>
+              <a:rPr lang="en-US"/>
               <a:t>Fourth level</a:t>
             </a:r>
           </a:p>
           <a:p>
             <a:pPr lvl="4"/>
             <a:r>
-              <a:rPr lang="en-US" smtClean="0"/>
+              <a:rPr lang="en-US"/>
               <a:t>Fifth level</a:t>
             </a:r>
             <a:endParaRPr lang="en-US" dirty="0"/>
@@ -6301,7 +6297,7 @@
           <a:p>
             <a:pPr lvl="0"/>
             <a:r>
-              <a:rPr lang="en-US" smtClean="0"/>
+              <a:rPr lang="en-US"/>
               <a:t>Click to edit Master text styles</a:t>
             </a:r>
           </a:p>
@@ -6329,35 +6325,35 @@
           <a:p>
             <a:pPr lvl="0"/>
             <a:r>
-              <a:rPr lang="en-US" smtClean="0"/>
+              <a:rPr lang="en-US"/>
               <a:t>Click to edit Master text styles</a:t>
             </a:r>
           </a:p>
           <a:p>
             <a:pPr lvl="1"/>
             <a:r>
-              <a:rPr lang="en-US" smtClean="0"/>
+              <a:rPr lang="en-US"/>
               <a:t>Second level</a:t>
             </a:r>
           </a:p>
           <a:p>
             <a:pPr lvl="2"/>
             <a:r>
-              <a:rPr lang="en-US" smtClean="0"/>
+              <a:rPr lang="en-US"/>
               <a:t>Third level</a:t>
             </a:r>
           </a:p>
           <a:p>
             <a:pPr lvl="3"/>
             <a:r>
-              <a:rPr lang="en-US" smtClean="0"/>
+              <a:rPr lang="en-US"/>
               <a:t>Fourth level</a:t>
             </a:r>
           </a:p>
           <a:p>
             <a:pPr lvl="4"/>
             <a:r>
-              <a:rPr lang="en-US" smtClean="0"/>
+              <a:rPr lang="en-US"/>
               <a:t>Fifth level</a:t>
             </a:r>
             <a:endParaRPr lang="en-US" dirty="0"/>
@@ -6381,7 +6377,7 @@
           <a:p>
             <a:fld id="{51673806-0BCD-1F42-BAA8-2011034B3C6A}" type="datetimeFigureOut">
               <a:rPr lang="en-US" smtClean="0"/>
-              <a:t>4/30/21</a:t>
+              <a:t>5/14/21</a:t>
             </a:fld>
             <a:endParaRPr lang="en-US"/>
           </a:p>
@@ -6614,7 +6610,7 @@
           <a:lstStyle/>
           <a:p>
             <a:r>
-              <a:rPr lang="en-US" smtClean="0"/>
+              <a:rPr lang="en-US"/>
               <a:t>Click to edit Master title style</a:t>
             </a:r>
             <a:endParaRPr lang="en-US" dirty="0"/>
@@ -6638,7 +6634,7 @@
           <a:p>
             <a:fld id="{51673806-0BCD-1F42-BAA8-2011034B3C6A}" type="datetimeFigureOut">
               <a:rPr lang="en-US" smtClean="0"/>
-              <a:t>4/30/21</a:t>
+              <a:t>5/14/21</a:t>
             </a:fld>
             <a:endParaRPr lang="en-US"/>
           </a:p>
@@ -6796,7 +6792,7 @@
           <a:p>
             <a:fld id="{51673806-0BCD-1F42-BAA8-2011034B3C6A}" type="datetimeFigureOut">
               <a:rPr lang="en-US" smtClean="0"/>
-              <a:t>4/30/21</a:t>
+              <a:t>5/14/21</a:t>
             </a:fld>
             <a:endParaRPr lang="en-US"/>
           </a:p>
@@ -7040,7 +7036,7 @@
           </a:lstStyle>
           <a:p>
             <a:r>
-              <a:rPr lang="en-US" smtClean="0"/>
+              <a:rPr lang="en-US"/>
               <a:t>Click to edit Master title style</a:t>
             </a:r>
             <a:endParaRPr lang="en-US" dirty="0"/>
@@ -7069,35 +7065,35 @@
           <a:p>
             <a:pPr lvl="0"/>
             <a:r>
-              <a:rPr lang="en-US" smtClean="0"/>
+              <a:rPr lang="en-US"/>
               <a:t>Click to edit Master text styles</a:t>
             </a:r>
           </a:p>
           <a:p>
             <a:pPr lvl="1"/>
             <a:r>
-              <a:rPr lang="en-US" smtClean="0"/>
+              <a:rPr lang="en-US"/>
               <a:t>Second level</a:t>
             </a:r>
           </a:p>
           <a:p>
             <a:pPr lvl="2"/>
             <a:r>
-              <a:rPr lang="en-US" smtClean="0"/>
+              <a:rPr lang="en-US"/>
               <a:t>Third level</a:t>
             </a:r>
           </a:p>
           <a:p>
             <a:pPr lvl="3"/>
             <a:r>
-              <a:rPr lang="en-US" smtClean="0"/>
+              <a:rPr lang="en-US"/>
               <a:t>Fourth level</a:t>
             </a:r>
           </a:p>
           <a:p>
             <a:pPr lvl="4"/>
             <a:r>
-              <a:rPr lang="en-US" smtClean="0"/>
+              <a:rPr lang="en-US"/>
               <a:t>Fifth level</a:t>
             </a:r>
             <a:endParaRPr lang="en-US" dirty="0"/>
@@ -7163,7 +7159,7 @@
           <a:p>
             <a:pPr lvl="0"/>
             <a:r>
-              <a:rPr lang="en-US" smtClean="0"/>
+              <a:rPr lang="en-US"/>
               <a:t>Click to edit Master text styles</a:t>
             </a:r>
           </a:p>
@@ -7186,7 +7182,7 @@
           <a:p>
             <a:fld id="{51673806-0BCD-1F42-BAA8-2011034B3C6A}" type="datetimeFigureOut">
               <a:rPr lang="en-US" smtClean="0"/>
-              <a:t>4/30/21</a:t>
+              <a:t>5/14/21</a:t>
             </a:fld>
             <a:endParaRPr lang="en-US"/>
           </a:p>
@@ -7430,7 +7426,7 @@
           </a:lstStyle>
           <a:p>
             <a:r>
-              <a:rPr lang="en-US" smtClean="0"/>
+              <a:rPr lang="en-US"/>
               <a:t>Click to edit Master title style</a:t>
             </a:r>
             <a:endParaRPr lang="en-US" dirty="0"/>
@@ -7506,7 +7502,7 @@
           </a:lstStyle>
           <a:p>
             <a:r>
-              <a:rPr lang="en-US" smtClean="0"/>
+              <a:rPr lang="en-US"/>
               <a:t>Drag picture to placeholder or click icon to add</a:t>
             </a:r>
             <a:endParaRPr lang="en-US" dirty="0"/>
@@ -7572,7 +7568,7 @@
           <a:p>
             <a:pPr lvl="0"/>
             <a:r>
-              <a:rPr lang="en-US" smtClean="0"/>
+              <a:rPr lang="en-US"/>
               <a:t>Click to edit Master text styles</a:t>
             </a:r>
           </a:p>
@@ -7595,7 +7591,7 @@
           <a:p>
             <a:fld id="{51673806-0BCD-1F42-BAA8-2011034B3C6A}" type="datetimeFigureOut">
               <a:rPr lang="en-US" smtClean="0"/>
-              <a:t>4/30/21</a:t>
+              <a:t>5/14/21</a:t>
             </a:fld>
             <a:endParaRPr lang="en-US"/>
           </a:p>
@@ -7617,7 +7613,7 @@
           <a:lstStyle/>
           <a:p>
             <a:r>
-              <a:rPr lang="en-US" smtClean="0"/>
+              <a:rPr lang="en-US"/>
               <a:t>
               </a:t>
             </a:r>
@@ -7735,10 +7731,9 @@
           <a:lstStyle/>
           <a:p>
             <a:r>
-              <a:rPr lang="en-US" dirty="0" smtClean="0"/>
+              <a:rPr lang="en-US" dirty="0"/>
               <a:t>Click to edit Master title style</a:t>
             </a:r>
-            <a:endParaRPr lang="en-US" dirty="0"/>
           </a:p>
         </p:txBody>
       </p:sp>
@@ -7769,38 +7764,37 @@
           <a:p>
             <a:pPr lvl="0"/>
             <a:r>
-              <a:rPr lang="en-US" dirty="0" smtClean="0"/>
+              <a:rPr lang="en-US" dirty="0"/>
               <a:t>Click to edit Master text styles</a:t>
             </a:r>
           </a:p>
           <a:p>
             <a:pPr lvl="1"/>
             <a:r>
-              <a:rPr lang="en-US" dirty="0" smtClean="0"/>
+              <a:rPr lang="en-US" dirty="0"/>
               <a:t>Second level</a:t>
             </a:r>
           </a:p>
           <a:p>
             <a:pPr lvl="2"/>
             <a:r>
-              <a:rPr lang="en-US" dirty="0" smtClean="0"/>
+              <a:rPr lang="en-US" dirty="0"/>
               <a:t>Third level</a:t>
             </a:r>
           </a:p>
           <a:p>
             <a:pPr lvl="3"/>
             <a:r>
-              <a:rPr lang="en-US" dirty="0" smtClean="0"/>
+              <a:rPr lang="en-US" dirty="0"/>
               <a:t>Fourth level</a:t>
             </a:r>
           </a:p>
           <a:p>
             <a:pPr lvl="4"/>
             <a:r>
-              <a:rPr lang="en-US" dirty="0" smtClean="0"/>
+              <a:rPr lang="en-US" dirty="0"/>
               <a:t>Fifth level</a:t>
             </a:r>
-            <a:endParaRPr lang="en-US" dirty="0"/>
           </a:p>
         </p:txBody>
       </p:sp>
@@ -7843,7 +7837,7 @@
             <a:fld id="{51673806-0BCD-1F42-BAA8-2011034B3C6A}" type="datetimeFigureOut">
               <a:rPr lang="en-US" smtClean="0"/>
               <a:pPr/>
-              <a:t>4/30/21</a:t>
+              <a:t>5/14/21</a:t>
             </a:fld>
             <a:endParaRPr lang="en-US" dirty="0"/>
           </a:p>
@@ -8282,10 +8276,9 @@
           <a:lstStyle/>
           <a:p>
             <a:r>
-              <a:rPr lang="en-US" dirty="0" smtClean="0"/>
+              <a:rPr lang="en-US" dirty="0"/>
               <a:t>Documentation in Python</a:t>
             </a:r>
-            <a:endParaRPr lang="en-US" dirty="0"/>
           </a:p>
         </p:txBody>
       </p:sp>
@@ -8308,11 +8301,7 @@
           <a:p>
             <a:r>
               <a:rPr lang="en-US"/>
-              <a:t>SURP </a:t>
-            </a:r>
-            <a:r>
-              <a:rPr lang="en-US" smtClean="0"/>
-              <a:t>2021 </a:t>
+              <a:t>SURP 2021 </a:t>
             </a:r>
             <a:r>
               <a:rPr lang="en-US" dirty="0"/>
@@ -8328,13 +8317,8 @@
           <a:p>
             <a:r>
               <a:rPr lang="en-US" dirty="0"/>
-              <a:t>Slides by: James W. </a:t>
-            </a:r>
-            <a:r>
-              <a:rPr lang="en-US" dirty="0" smtClean="0"/>
-              <a:t>Johnson</a:t>
-            </a:r>
-            <a:endParaRPr lang="en-US" dirty="0"/>
+              <a:t>Slides by: James W. Johnson</a:t>
+            </a:r>
           </a:p>
         </p:txBody>
       </p:sp>
@@ -8348,13 +8332,6 @@
   <p:clrMapOvr>
     <a:masterClrMapping/>
   </p:clrMapOvr>
-  <p:timing>
-    <p:tnLst>
-      <p:par>
-        <p:cTn id="1" dur="indefinite" restart="never" nodeType="tmRoot"/>
-      </p:par>
-    </p:tnLst>
-  </p:timing>
 </p:sld>
 </file>
 
@@ -8391,18 +8368,17 @@
           <a:lstStyle/>
           <a:p>
             <a:r>
-              <a:rPr lang="en-US" dirty="0" smtClean="0"/>
+              <a:rPr lang="en-US" dirty="0"/>
               <a:t>**</a:t>
             </a:r>
             <a:r>
-              <a:rPr lang="en-US" dirty="0" err="1" smtClean="0"/>
+              <a:rPr lang="en-US" dirty="0" err="1"/>
               <a:t>kwargs</a:t>
             </a:r>
             <a:r>
-              <a:rPr lang="en-US" dirty="0" smtClean="0"/>
+              <a:rPr lang="en-US" dirty="0"/>
               <a:t> </a:t>
             </a:r>
-            <a:endParaRPr lang="en-US" dirty="0"/>
           </a:p>
         </p:txBody>
       </p:sp>
@@ -8432,7 +8408,7 @@
               <a:buNone/>
             </a:pPr>
             <a:r>
-              <a:rPr lang="en-US" dirty="0" smtClean="0"/>
+              <a:rPr lang="en-US" dirty="0"/>
               <a:t>Indicates that the function accepts an arbitrary number of keyword arguments. </a:t>
             </a:r>
           </a:p>
@@ -8441,31 +8417,31 @@
               <a:buNone/>
             </a:pPr>
             <a:r>
-              <a:rPr lang="en-US" dirty="0" smtClean="0"/>
+              <a:rPr lang="en-US" dirty="0"/>
               <a:t>Sometimes these are keyword arguments which will be passed to </a:t>
             </a:r>
             <a:r>
-              <a:rPr lang="en-US" i="1" dirty="0" smtClean="0"/>
+              <a:rPr lang="en-US" i="1" dirty="0"/>
               <a:t>another function</a:t>
             </a:r>
             <a:r>
-              <a:rPr lang="en-US" dirty="0" smtClean="0"/>
+              <a:rPr lang="en-US" dirty="0"/>
               <a:t>. This will be made clear in the </a:t>
             </a:r>
             <a:r>
-              <a:rPr lang="en-US" i="1" dirty="0" smtClean="0"/>
+              <a:rPr lang="en-US" i="1" dirty="0"/>
               <a:t>Parameters</a:t>
             </a:r>
             <a:r>
-              <a:rPr lang="en-US" dirty="0" smtClean="0"/>
+              <a:rPr lang="en-US" dirty="0"/>
               <a:t> section of a </a:t>
             </a:r>
             <a:r>
-              <a:rPr lang="en-US" dirty="0" err="1" smtClean="0"/>
+              <a:rPr lang="en-US" dirty="0" err="1"/>
               <a:t>docstring</a:t>
             </a:r>
             <a:r>
-              <a:rPr lang="en-US" dirty="0" smtClean="0"/>
+              <a:rPr lang="en-US" dirty="0"/>
               <a:t>. </a:t>
             </a:r>
           </a:p>
@@ -8473,22 +8449,18 @@
             <a:pPr lvl="1"/>
             <a:r>
               <a:rPr lang="en-US" i="1" dirty="0" err="1"/>
-              <a:t>k</a:t>
-            </a:r>
-            <a:r>
-              <a:rPr lang="en-US" i="1" dirty="0" err="1" smtClean="0"/>
-              <a:t>wargs</a:t>
-            </a:r>
-            <a:r>
-              <a:rPr lang="en-US" dirty="0" smtClean="0"/>
+              <a:t>kwargs</a:t>
+            </a:r>
+            <a:r>
+              <a:rPr lang="en-US" dirty="0"/>
               <a:t> in this case is a </a:t>
             </a:r>
             <a:r>
-              <a:rPr lang="en-US" i="1" dirty="0" err="1" smtClean="0"/>
+              <a:rPr lang="en-US" i="1" dirty="0" err="1"/>
               <a:t>dict</a:t>
             </a:r>
             <a:r>
-              <a:rPr lang="en-US" i="1" dirty="0" smtClean="0"/>
+              <a:rPr lang="en-US" i="1" dirty="0"/>
               <a:t> </a:t>
             </a:r>
             <a:endParaRPr lang="en-US" dirty="0"/>
@@ -8497,15 +8469,11 @@
             <a:pPr marL="0" indent="0">
               <a:buNone/>
             </a:pPr>
-            <a:r>
-              <a:rPr lang="en-US" i="1" dirty="0" smtClean="0"/>
-              <a:t/>
-            </a:r>
             <a:br>
-              <a:rPr lang="en-US" i="1" dirty="0" smtClean="0"/>
+              <a:rPr lang="en-US" i="1" dirty="0"/>
             </a:br>
             <a:r>
-              <a:rPr lang="en-US" dirty="0" smtClean="0"/>
+              <a:rPr lang="en-US" dirty="0"/>
               <a:t>Example: print names and ages for an unknown number of people. </a:t>
             </a:r>
           </a:p>
@@ -8551,13 +8519,6 @@
   <p:clrMapOvr>
     <a:masterClrMapping/>
   </p:clrMapOvr>
-  <p:timing>
-    <p:tnLst>
-      <p:par>
-        <p:cTn id="1" dur="indefinite" restart="never" nodeType="tmRoot"/>
-      </p:par>
-    </p:tnLst>
-  </p:timing>
 </p:sld>
 </file>
 
@@ -8594,10 +8555,9 @@
           <a:lstStyle/>
           <a:p>
             <a:r>
-              <a:rPr lang="en-US" dirty="0" smtClean="0"/>
+              <a:rPr lang="en-US" dirty="0"/>
               <a:t>Documentation: Other Aspects </a:t>
             </a:r>
-            <a:endParaRPr lang="en-US" dirty="0"/>
           </a:p>
         </p:txBody>
       </p:sp>
@@ -8620,15 +8580,15 @@
               <a:buNone/>
             </a:pPr>
             <a:r>
-              <a:rPr lang="en-US" dirty="0" smtClean="0"/>
+              <a:rPr lang="en-US" dirty="0"/>
               <a:t>Parameters, returns, raises, etc. for </a:t>
             </a:r>
             <a:r>
-              <a:rPr lang="en-US" i="1" dirty="0" smtClean="0"/>
+              <a:rPr lang="en-US" i="1" dirty="0"/>
               <a:t>all </a:t>
             </a:r>
             <a:r>
-              <a:rPr lang="en-US" dirty="0" smtClean="0"/>
+              <a:rPr lang="en-US" dirty="0"/>
               <a:t>components of a software is often referred to as the “Comprehensive API Reference” </a:t>
             </a:r>
           </a:p>
@@ -8643,46 +8603,45 @@
               <a:buNone/>
             </a:pPr>
             <a:r>
-              <a:rPr lang="en-US" dirty="0" smtClean="0"/>
+              <a:rPr lang="en-US" dirty="0"/>
               <a:t>Additional pieces of documentation include, though not limited to: </a:t>
             </a:r>
           </a:p>
           <a:p>
             <a:pPr lvl="1"/>
             <a:r>
-              <a:rPr lang="en-US" dirty="0" smtClean="0"/>
+              <a:rPr lang="en-US" dirty="0"/>
               <a:t>Installation instructions </a:t>
             </a:r>
           </a:p>
           <a:p>
             <a:pPr lvl="1"/>
             <a:r>
-              <a:rPr lang="en-US" dirty="0" smtClean="0"/>
+              <a:rPr lang="en-US" dirty="0"/>
               <a:t>Tutorials and example code </a:t>
             </a:r>
           </a:p>
           <a:p>
             <a:pPr lvl="1"/>
             <a:r>
-              <a:rPr lang="en-US" dirty="0" smtClean="0"/>
+              <a:rPr lang="en-US" dirty="0"/>
               <a:t>Where to submit bug reports </a:t>
             </a:r>
           </a:p>
           <a:p>
             <a:pPr lvl="1"/>
             <a:r>
-              <a:rPr lang="en-US" dirty="0" smtClean="0"/>
+              <a:rPr lang="en-US" dirty="0"/>
               <a:t>Developer’s documentation </a:t>
             </a:r>
             <a:r>
-              <a:rPr lang="mr-IN" dirty="0" smtClean="0"/>
+              <a:rPr lang="mr-IN" dirty="0"/>
               <a:t>–</a:t>
             </a:r>
             <a:r>
-              <a:rPr lang="en-US" dirty="0" smtClean="0"/>
+              <a:rPr lang="en-US" dirty="0"/>
               <a:t> how to contribute to an open-source project </a:t>
             </a:r>
-            <a:endParaRPr lang="en-US" dirty="0"/>
           </a:p>
         </p:txBody>
       </p:sp>
@@ -8732,10 +8691,9 @@
           <a:lstStyle/>
           <a:p>
             <a:r>
-              <a:rPr lang="en-US" dirty="0" smtClean="0"/>
+              <a:rPr lang="en-US" dirty="0"/>
               <a:t>Why You Should Care </a:t>
             </a:r>
-            <a:endParaRPr lang="en-US" dirty="0"/>
           </a:p>
         </p:txBody>
       </p:sp>
@@ -8765,15 +8723,15 @@
               <a:buNone/>
             </a:pPr>
             <a:r>
-              <a:rPr lang="en-US" dirty="0" smtClean="0"/>
+              <a:rPr lang="en-US" dirty="0"/>
               <a:t>Because you need to know how to read it! Answering your own questions about python is considerably easier if you simply know </a:t>
             </a:r>
             <a:r>
-              <a:rPr lang="en-US" i="1" dirty="0" smtClean="0"/>
+              <a:rPr lang="en-US" i="1" dirty="0"/>
               <a:t>where to look</a:t>
             </a:r>
             <a:r>
-              <a:rPr lang="en-US" dirty="0" smtClean="0"/>
+              <a:rPr lang="en-US" dirty="0"/>
               <a:t>. </a:t>
             </a:r>
           </a:p>
@@ -8788,60 +8746,59 @@
               <a:buNone/>
             </a:pPr>
             <a:r>
-              <a:rPr lang="en-US" dirty="0" smtClean="0"/>
+              <a:rPr lang="en-US" dirty="0"/>
               <a:t>Python Enhancement Proposal (PEP) 287 established </a:t>
             </a:r>
             <a:r>
-              <a:rPr lang="en-US" dirty="0" err="1" smtClean="0"/>
+              <a:rPr lang="en-US" dirty="0" err="1"/>
               <a:t>reStructuredText</a:t>
             </a:r>
             <a:r>
-              <a:rPr lang="en-US" dirty="0" smtClean="0"/>
+              <a:rPr lang="en-US" dirty="0"/>
               <a:t> (RST) as the standard markup language for python documentation </a:t>
             </a:r>
           </a:p>
           <a:p>
             <a:pPr lvl="1"/>
             <a:r>
-              <a:rPr lang="en-US" dirty="0" smtClean="0"/>
+              <a:rPr lang="en-US" dirty="0"/>
               <a:t>Whether or not you ever write documentation, you will encounter RST using python </a:t>
             </a:r>
+          </a:p>
+          <a:p>
+            <a:pPr marL="0" indent="0">
+              <a:buNone/>
+            </a:pPr>
             <a:endParaRPr lang="en-US" dirty="0"/>
           </a:p>
           <a:p>
             <a:pPr marL="0" indent="0">
               <a:buNone/>
             </a:pPr>
-            <a:endParaRPr lang="en-US" dirty="0" smtClean="0"/>
+            <a:endParaRPr lang="en-US" dirty="0"/>
           </a:p>
           <a:p>
             <a:pPr marL="0" indent="0">
               <a:buNone/>
             </a:pPr>
-            <a:endParaRPr lang="en-US" dirty="0" smtClean="0"/>
-          </a:p>
-          <a:p>
-            <a:pPr marL="0" indent="0">
-              <a:buNone/>
-            </a:pPr>
-            <a:r>
-              <a:rPr lang="en-US" dirty="0" smtClean="0"/>
+            <a:r>
+              <a:rPr lang="en-US" dirty="0"/>
               <a:t>Bonus: What does *</a:t>
             </a:r>
             <a:r>
-              <a:rPr lang="en-US" dirty="0" err="1" smtClean="0"/>
+              <a:rPr lang="en-US" dirty="0" err="1"/>
               <a:t>args</a:t>
             </a:r>
             <a:r>
-              <a:rPr lang="en-US" dirty="0" smtClean="0"/>
+              <a:rPr lang="en-US" dirty="0"/>
               <a:t> and **</a:t>
             </a:r>
             <a:r>
-              <a:rPr lang="en-US" dirty="0" err="1" smtClean="0"/>
+              <a:rPr lang="en-US" dirty="0" err="1"/>
               <a:t>kwargs</a:t>
             </a:r>
             <a:r>
-              <a:rPr lang="en-US" dirty="0" smtClean="0"/>
+              <a:rPr lang="en-US" dirty="0"/>
               <a:t> mean? </a:t>
             </a:r>
           </a:p>
@@ -8893,14 +8850,13 @@
           <a:lstStyle/>
           <a:p>
             <a:r>
-              <a:rPr lang="en-US" dirty="0" err="1" smtClean="0"/>
+              <a:rPr lang="en-US" dirty="0" err="1"/>
               <a:t>reStructuredText</a:t>
             </a:r>
             <a:r>
-              <a:rPr lang="en-US" dirty="0" smtClean="0"/>
+              <a:rPr lang="en-US" dirty="0"/>
               <a:t> (RST) </a:t>
             </a:r>
-            <a:endParaRPr lang="en-US" dirty="0"/>
           </a:p>
         </p:txBody>
       </p:sp>
@@ -8928,53 +8884,22 @@
               <a:buNone/>
             </a:pPr>
             <a:r>
-              <a:rPr lang="en-US" dirty="0" smtClean="0"/>
+              <a:rPr lang="en-US" dirty="0"/>
               <a:t>The standard format of python documentation </a:t>
             </a:r>
           </a:p>
           <a:p>
             <a:pPr lvl="1"/>
             <a:r>
-              <a:rPr lang="en-US" dirty="0" smtClean="0"/>
+              <a:rPr lang="en-US" dirty="0"/>
               <a:t>Easily ported into HTML and PDF formats, among others </a:t>
             </a:r>
           </a:p>
           <a:p>
             <a:pPr lvl="1"/>
             <a:r>
-              <a:rPr lang="en-US" dirty="0" smtClean="0"/>
+              <a:rPr lang="en-US" dirty="0"/>
               <a:t>Relatively easy to read </a:t>
-            </a:r>
-          </a:p>
-          <a:p>
-            <a:pPr marL="0" indent="0">
-              <a:buNone/>
-            </a:pPr>
-            <a:endParaRPr lang="en-US" dirty="0" smtClean="0"/>
-          </a:p>
-          <a:p>
-            <a:pPr marL="0" indent="0">
-              <a:buNone/>
-            </a:pPr>
-            <a:r>
-              <a:rPr lang="en-US" dirty="0" smtClean="0"/>
-              <a:t>Online documentation is generally this content ported to HTML, while </a:t>
-            </a:r>
-            <a:r>
-              <a:rPr lang="en-US" dirty="0" err="1" smtClean="0"/>
-              <a:t>docstrings</a:t>
-            </a:r>
-            <a:r>
-              <a:rPr lang="en-US" dirty="0" smtClean="0"/>
-              <a:t> </a:t>
-            </a:r>
-            <a:r>
-              <a:rPr lang="en-US" i="1" dirty="0" smtClean="0"/>
-              <a:t>viewed in python</a:t>
-            </a:r>
-            <a:r>
-              <a:rPr lang="en-US" dirty="0" smtClean="0"/>
-              <a:t> show the raw RST. </a:t>
             </a:r>
           </a:p>
           <a:p>
@@ -8988,26 +8913,56 @@
               <a:buNone/>
             </a:pPr>
             <a:r>
-              <a:rPr lang="en-US" dirty="0" smtClean="0"/>
+              <a:rPr lang="en-US" dirty="0"/>
+              <a:t>Online documentation is generally this content ported to HTML, while </a:t>
+            </a:r>
+            <a:r>
+              <a:rPr lang="en-US" dirty="0" err="1"/>
+              <a:t>docstrings</a:t>
+            </a:r>
+            <a:r>
+              <a:rPr lang="en-US" dirty="0"/>
+              <a:t> </a:t>
+            </a:r>
+            <a:r>
+              <a:rPr lang="en-US" i="1" dirty="0"/>
+              <a:t>viewed in python</a:t>
+            </a:r>
+            <a:r>
+              <a:rPr lang="en-US" dirty="0"/>
+              <a:t> show the raw RST. </a:t>
+            </a:r>
+          </a:p>
+          <a:p>
+            <a:pPr marL="0" indent="0">
+              <a:buNone/>
+            </a:pPr>
+            <a:endParaRPr lang="en-US" dirty="0"/>
+          </a:p>
+          <a:p>
+            <a:pPr marL="0" indent="0">
+              <a:buNone/>
+            </a:pPr>
+            <a:r>
+              <a:rPr lang="en-US" dirty="0"/>
               <a:t>Example: </a:t>
             </a:r>
             <a:r>
-              <a:rPr lang="en-US" dirty="0" err="1" smtClean="0"/>
+              <a:rPr lang="en-US" dirty="0" err="1"/>
               <a:t>numpy.all</a:t>
             </a:r>
             <a:r>
-              <a:rPr lang="en-US" dirty="0" smtClean="0"/>
+              <a:rPr lang="en-US" dirty="0"/>
               <a:t> </a:t>
             </a:r>
             <a:r>
-              <a:rPr lang="en-US" dirty="0" err="1" smtClean="0"/>
+              <a:rPr lang="en-US" dirty="0" err="1"/>
               <a:t>docstring</a:t>
             </a:r>
             <a:r>
-              <a:rPr lang="en-US" dirty="0" smtClean="0"/>
+              <a:rPr lang="en-US" dirty="0"/>
               <a:t> </a:t>
             </a:r>
-            <a:endParaRPr lang="en-US" dirty="0"/>
           </a:p>
         </p:txBody>
       </p:sp>
@@ -9051,13 +9006,6 @@
   <p:clrMapOvr>
     <a:masterClrMapping/>
   </p:clrMapOvr>
-  <p:timing>
-    <p:tnLst>
-      <p:par>
-        <p:cTn id="1" dur="indefinite" restart="never" nodeType="tmRoot"/>
-      </p:par>
-    </p:tnLst>
-  </p:timing>
 </p:sld>
 </file>
 
@@ -9094,14 +9042,13 @@
           <a:lstStyle/>
           <a:p>
             <a:r>
-              <a:rPr lang="en-US" dirty="0" err="1" smtClean="0"/>
+              <a:rPr lang="en-US" dirty="0" err="1"/>
               <a:t>reStructuredText</a:t>
             </a:r>
             <a:r>
-              <a:rPr lang="en-US" dirty="0" smtClean="0"/>
+              <a:rPr lang="en-US" dirty="0"/>
               <a:t> (RST) </a:t>
             </a:r>
-            <a:endParaRPr lang="en-US" dirty="0"/>
           </a:p>
         </p:txBody>
       </p:sp>
@@ -9159,21 +9106,21 @@
               <a:buNone/>
             </a:pPr>
             <a:r>
-              <a:rPr lang="en-US" dirty="0" smtClean="0"/>
+              <a:rPr lang="en-US" dirty="0"/>
               <a:t>The standard format of python documentation </a:t>
             </a:r>
           </a:p>
           <a:p>
             <a:pPr lvl="1"/>
             <a:r>
-              <a:rPr lang="en-US" dirty="0" smtClean="0"/>
+              <a:rPr lang="en-US" dirty="0"/>
               <a:t>Easily ported into HTML and PDF formats, among others </a:t>
             </a:r>
           </a:p>
           <a:p>
             <a:pPr lvl="1"/>
             <a:r>
-              <a:rPr lang="en-US" dirty="0" smtClean="0"/>
+              <a:rPr lang="en-US" dirty="0"/>
               <a:t>Relatively easy to read </a:t>
             </a:r>
           </a:p>
@@ -9181,7 +9128,7 @@
             <a:pPr marL="0" indent="0">
               <a:buNone/>
             </a:pPr>
-            <a:endParaRPr lang="en-US" dirty="0" smtClean="0"/>
+            <a:endParaRPr lang="en-US" dirty="0"/>
           </a:p>
           <a:p>
             <a:pPr marL="0" indent="0">
@@ -9207,7 +9154,6 @@
               <a:rPr lang="en-US" dirty="0"/>
               <a:t> show the raw RST. </a:t>
             </a:r>
-            <a:endParaRPr lang="en-US" dirty="0" smtClean="0"/>
           </a:p>
           <a:p>
             <a:pPr marL="0" indent="0">
@@ -9220,26 +9166,25 @@
               <a:buNone/>
             </a:pPr>
             <a:r>
-              <a:rPr lang="en-US" dirty="0" smtClean="0"/>
+              <a:rPr lang="en-US" dirty="0"/>
               <a:t>Example: </a:t>
             </a:r>
             <a:r>
-              <a:rPr lang="en-US" dirty="0" err="1" smtClean="0"/>
+              <a:rPr lang="en-US" dirty="0" err="1"/>
               <a:t>numpy.all</a:t>
             </a:r>
             <a:r>
-              <a:rPr lang="en-US" dirty="0" smtClean="0"/>
+              <a:rPr lang="en-US" dirty="0"/>
               <a:t> </a:t>
             </a:r>
             <a:r>
-              <a:rPr lang="en-US" dirty="0" err="1" smtClean="0"/>
+              <a:rPr lang="en-US" dirty="0" err="1"/>
               <a:t>docstring</a:t>
             </a:r>
             <a:r>
-              <a:rPr lang="en-US" dirty="0" smtClean="0"/>
+              <a:rPr lang="en-US" dirty="0"/>
               <a:t> </a:t>
             </a:r>
-            <a:endParaRPr lang="en-US" dirty="0"/>
           </a:p>
         </p:txBody>
       </p:sp>
@@ -9253,13 +9198,6 @@
   <p:clrMapOvr>
     <a:masterClrMapping/>
   </p:clrMapOvr>
-  <p:timing>
-    <p:tnLst>
-      <p:par>
-        <p:cTn id="1" dur="indefinite" restart="never" nodeType="tmRoot"/>
-      </p:par>
-    </p:tnLst>
-  </p:timing>
 </p:sld>
 </file>
 
@@ -9296,10 +9234,9 @@
           <a:lstStyle/>
           <a:p>
             <a:r>
-              <a:rPr lang="en-US" dirty="0" smtClean="0"/>
+              <a:rPr lang="en-US" dirty="0"/>
               <a:t>Example RST</a:t>
             </a:r>
-            <a:endParaRPr lang="en-US" dirty="0"/>
           </a:p>
         </p:txBody>
       </p:sp>
@@ -9360,7 +9297,7 @@
               <a:tabLst/>
               <a:defRPr/>
             </a:pPr>
-            <a:endParaRPr lang="en-US" dirty="0" smtClean="0"/>
+            <a:endParaRPr lang="en-US" dirty="0"/>
           </a:p>
           <a:p>
             <a:pPr marL="0" marR="0" lvl="0" indent="0" defTabSz="914400" eaLnBrk="1" fontAlgn="auto" latinLnBrk="0" hangingPunct="1">
@@ -9381,23 +9318,23 @@
               <a:defRPr/>
             </a:pPr>
             <a:r>
-              <a:rPr lang="en-US" dirty="0" smtClean="0"/>
+              <a:rPr lang="en-US" dirty="0"/>
               <a:t>This is the </a:t>
             </a:r>
             <a:r>
-              <a:rPr lang="en-US" i="1" dirty="0" smtClean="0"/>
+              <a:rPr lang="en-US" i="1" dirty="0"/>
               <a:t>all</a:t>
             </a:r>
             <a:r>
-              <a:rPr lang="en-US" dirty="0" smtClean="0"/>
+              <a:rPr lang="en-US" dirty="0"/>
               <a:t> function from </a:t>
             </a:r>
             <a:r>
-              <a:rPr lang="en-US" dirty="0" err="1" smtClean="0"/>
+              <a:rPr lang="en-US" dirty="0" err="1"/>
               <a:t>NumPy</a:t>
             </a:r>
             <a:r>
-              <a:rPr lang="en-US" dirty="0" smtClean="0"/>
+              <a:rPr lang="en-US" dirty="0"/>
               <a:t>. </a:t>
             </a:r>
           </a:p>
@@ -9439,7 +9376,7 @@
               <a:tabLst/>
               <a:defRPr/>
             </a:pPr>
-            <a:endParaRPr lang="en-US" dirty="0" smtClean="0"/>
+            <a:endParaRPr lang="en-US" dirty="0"/>
           </a:p>
           <a:p>
             <a:pPr marL="0" marR="0" lvl="0" indent="0" defTabSz="914400" eaLnBrk="1" fontAlgn="auto" latinLnBrk="0" hangingPunct="1">
@@ -9459,7 +9396,7 @@
               <a:tabLst/>
               <a:defRPr/>
             </a:pPr>
-            <a:endParaRPr lang="en-US" dirty="0" smtClean="0"/>
+            <a:endParaRPr lang="en-US" dirty="0"/>
           </a:p>
           <a:p>
             <a:pPr marL="0" marR="0" lvl="0" indent="0" defTabSz="914400" eaLnBrk="1" fontAlgn="auto" latinLnBrk="0" hangingPunct="1">
@@ -9480,10 +9417,9 @@
               <a:defRPr/>
             </a:pPr>
             <a:r>
-              <a:rPr lang="en-US" dirty="0" smtClean="0"/>
+              <a:rPr lang="en-US" dirty="0"/>
               <a:t>Most of the documentation astronomers will see looks very similar to this. </a:t>
             </a:r>
-            <a:endParaRPr lang="en-US" dirty="0"/>
           </a:p>
         </p:txBody>
       </p:sp>
@@ -9563,10 +9499,9 @@
           <a:lstStyle/>
           <a:p>
             <a:r>
-              <a:rPr lang="en-US" dirty="0" smtClean="0"/>
+              <a:rPr lang="en-US" dirty="0"/>
               <a:t>Example RST</a:t>
             </a:r>
-            <a:endParaRPr lang="en-US" dirty="0"/>
           </a:p>
         </p:txBody>
       </p:sp>
@@ -9601,7 +9536,7 @@
               <a:buAutoNum type="arabicPeriod"/>
             </a:pPr>
             <a:r>
-              <a:rPr lang="en-US" dirty="0" smtClean="0"/>
+              <a:rPr lang="en-US" dirty="0"/>
               <a:t>Short description</a:t>
             </a:r>
           </a:p>
@@ -9616,7 +9551,7 @@
               <a:buFont typeface="+mj-lt"/>
               <a:buAutoNum type="arabicPeriod"/>
             </a:pPr>
-            <a:endParaRPr lang="en-US" dirty="0" smtClean="0"/>
+            <a:endParaRPr lang="en-US" dirty="0"/>
           </a:p>
           <a:p>
             <a:pPr marL="457200" indent="-457200">
@@ -9630,7 +9565,7 @@
               <a:buAutoNum type="arabicPeriod"/>
             </a:pPr>
             <a:r>
-              <a:rPr lang="en-US" dirty="0" smtClean="0"/>
+              <a:rPr lang="en-US" dirty="0"/>
               <a:t>Parameters (in the order they should be passed) and subsequent keyword arguments. Their data type is noted along with a description of what it represents. </a:t>
             </a:r>
           </a:p>
@@ -9645,7 +9580,7 @@
               <a:buFont typeface="+mj-lt"/>
               <a:buAutoNum type="arabicPeriod"/>
             </a:pPr>
-            <a:endParaRPr lang="en-US" dirty="0" smtClean="0"/>
+            <a:endParaRPr lang="en-US" dirty="0"/>
           </a:p>
           <a:p>
             <a:pPr marL="457200" indent="-457200">
@@ -9659,7 +9594,7 @@
               <a:buAutoNum type="arabicPeriod"/>
             </a:pPr>
             <a:r>
-              <a:rPr lang="en-US" dirty="0" smtClean="0"/>
+              <a:rPr lang="en-US" dirty="0"/>
               <a:t>What it returns, if anything, and a data type and description for that too </a:t>
             </a:r>
           </a:p>
@@ -9741,10 +9676,9 @@
           <a:lstStyle/>
           <a:p>
             <a:r>
-              <a:rPr lang="en-US" dirty="0" smtClean="0"/>
+              <a:rPr lang="en-US" dirty="0"/>
               <a:t>Example RST </a:t>
             </a:r>
-            <a:endParaRPr lang="en-US" dirty="0"/>
           </a:p>
         </p:txBody>
       </p:sp>
@@ -9773,7 +9707,7 @@
               <a:buAutoNum type="arabicPeriod" startAt="4"/>
             </a:pPr>
             <a:r>
-              <a:rPr lang="en-US" dirty="0" smtClean="0"/>
+              <a:rPr lang="en-US" dirty="0"/>
               <a:t>See Also for other relevant parts of the documentation </a:t>
             </a:r>
           </a:p>
@@ -9782,7 +9716,7 @@
               <a:buFont typeface="+mj-lt"/>
               <a:buAutoNum type="arabicPeriod" startAt="4"/>
             </a:pPr>
-            <a:endParaRPr lang="en-US" dirty="0" smtClean="0"/>
+            <a:endParaRPr lang="en-US" dirty="0"/>
           </a:p>
           <a:p>
             <a:pPr marL="457200" indent="-457200">
@@ -9790,15 +9724,15 @@
               <a:buAutoNum type="arabicPeriod" startAt="4"/>
             </a:pPr>
             <a:r>
-              <a:rPr lang="en-US" dirty="0" smtClean="0"/>
+              <a:rPr lang="en-US" dirty="0"/>
               <a:t>Notes </a:t>
             </a:r>
             <a:r>
-              <a:rPr lang="mr-IN" dirty="0" smtClean="0"/>
+              <a:rPr lang="mr-IN" dirty="0"/>
               <a:t>–</a:t>
             </a:r>
             <a:r>
-              <a:rPr lang="en-US" dirty="0" smtClean="0"/>
+              <a:rPr lang="en-US" dirty="0"/>
               <a:t> any caveats or relevant pieces of information on the function’s implementation. </a:t>
             </a:r>
           </a:p>
@@ -9807,7 +9741,7 @@
               <a:buFont typeface="+mj-lt"/>
               <a:buAutoNum type="arabicPeriod" startAt="4"/>
             </a:pPr>
-            <a:endParaRPr lang="en-US" dirty="0" smtClean="0"/>
+            <a:endParaRPr lang="en-US" dirty="0"/>
           </a:p>
           <a:p>
             <a:pPr marL="457200" indent="-457200">
@@ -9815,10 +9749,9 @@
               <a:buAutoNum type="arabicPeriod" startAt="4"/>
             </a:pPr>
             <a:r>
-              <a:rPr lang="en-US" dirty="0" smtClean="0"/>
+              <a:rPr lang="en-US" dirty="0"/>
               <a:t>Example code </a:t>
             </a:r>
-            <a:endParaRPr lang="en-US" dirty="0"/>
           </a:p>
         </p:txBody>
       </p:sp>
@@ -9862,13 +9795,6 @@
   <p:clrMapOvr>
     <a:masterClrMapping/>
   </p:clrMapOvr>
-  <p:timing>
-    <p:tnLst>
-      <p:par>
-        <p:cTn id="1" dur="indefinite" restart="never" nodeType="tmRoot"/>
-      </p:par>
-    </p:tnLst>
-  </p:timing>
 </p:sld>
 </file>
 
@@ -9905,7 +9831,7 @@
           <a:lstStyle/>
           <a:p>
             <a:r>
-              <a:rPr lang="en-US" dirty="0" smtClean="0">
+              <a:rPr lang="en-US" dirty="0">
                 <a:hlinkClick r:id="rId2"/>
               </a:rPr>
               <a:t>What This Example Looks Like in HTML</a:t>
@@ -9937,56 +9863,55 @@
             <a:pPr marL="0" indent="0">
               <a:buNone/>
             </a:pPr>
-            <a:endParaRPr lang="en-US" dirty="0" smtClean="0"/>
+            <a:endParaRPr lang="en-US" dirty="0"/>
           </a:p>
           <a:p>
             <a:pPr marL="0" indent="0">
               <a:buNone/>
             </a:pPr>
-            <a:endParaRPr lang="en-US" dirty="0" smtClean="0"/>
+            <a:endParaRPr lang="en-US" dirty="0"/>
           </a:p>
           <a:p>
             <a:pPr marL="0" indent="0">
               <a:buNone/>
             </a:pPr>
-            <a:endParaRPr lang="en-US" dirty="0" smtClean="0"/>
+            <a:endParaRPr lang="en-US" dirty="0"/>
           </a:p>
           <a:p>
             <a:pPr marL="0" indent="0">
               <a:buNone/>
             </a:pPr>
             <a:r>
-              <a:rPr lang="en-US" dirty="0" smtClean="0"/>
+              <a:rPr lang="en-US" dirty="0"/>
               <a:t>Same information as the RST, but formatted nicely. </a:t>
             </a:r>
-            <a:endParaRPr lang="en-US" dirty="0"/>
           </a:p>
         </p:txBody>
       </p:sp>
       <p:pic>
         <p:nvPicPr>
-          <p:cNvPr id="5" name="Picture 4"/>
+          <p:cNvPr id="6" name="Picture 5">
+            <a:extLst>
+              <a:ext uri="{FF2B5EF4-FFF2-40B4-BE49-F238E27FC236}">
+                <a16:creationId xmlns:a16="http://schemas.microsoft.com/office/drawing/2014/main" id="{E74C3366-ACFD-AB46-A23D-7F6A4B6C1F0D}"/>
+              </a:ext>
+            </a:extLst>
+          </p:cNvPr>
           <p:cNvPicPr>
             <a:picLocks noChangeAspect="1"/>
           </p:cNvPicPr>
           <p:nvPr/>
         </p:nvPicPr>
         <p:blipFill>
-          <a:blip r:embed="rId3">
-            <a:extLst>
-              <a:ext uri="{28A0092B-C50C-407E-A947-70E740481C1C}">
-                <a14:useLocalDpi xmlns:a14="http://schemas.microsoft.com/office/drawing/2010/main" val="0"/>
-              </a:ext>
-            </a:extLst>
-          </a:blip>
+          <a:blip r:embed="rId3"/>
           <a:stretch>
             <a:fillRect/>
           </a:stretch>
         </p:blipFill>
         <p:spPr>
           <a:xfrm>
-            <a:off x="4981110" y="2082872"/>
-            <a:ext cx="6004057" cy="4521127"/>
+            <a:off x="5719263" y="2001701"/>
+            <a:ext cx="4705483" cy="4856299"/>
           </a:xfrm>
           <a:prstGeom prst="rect">
             <a:avLst/>
@@ -10003,13 +9928,6 @@
   <p:clrMapOvr>
     <a:masterClrMapping/>
   </p:clrMapOvr>
-  <p:timing>
-    <p:tnLst>
-      <p:par>
-        <p:cTn id="1" dur="indefinite" restart="never" nodeType="tmRoot"/>
-      </p:par>
-    </p:tnLst>
-  </p:timing>
 </p:sld>
 </file>
 
@@ -10046,11 +9964,11 @@
           <a:lstStyle/>
           <a:p>
             <a:r>
-              <a:rPr lang="en-US" dirty="0" smtClean="0"/>
+              <a:rPr lang="en-US" dirty="0"/>
               <a:t>*</a:t>
             </a:r>
             <a:r>
-              <a:rPr lang="en-US" dirty="0" err="1" smtClean="0"/>
+              <a:rPr lang="en-US" dirty="0" err="1"/>
               <a:t>args</a:t>
             </a:r>
             <a:endParaRPr lang="en-US" dirty="0"/>
@@ -10083,33 +10001,33 @@
               <a:buNone/>
             </a:pPr>
             <a:r>
-              <a:rPr lang="en-US" dirty="0" smtClean="0"/>
+              <a:rPr lang="en-US" dirty="0"/>
               <a:t>Indicates that the function accepts an arbitrary number of positional arguments (i.e. non-keyword arguments) </a:t>
             </a:r>
           </a:p>
           <a:p>
             <a:pPr lvl="1"/>
             <a:r>
-              <a:rPr lang="en-US" dirty="0" smtClean="0"/>
+              <a:rPr lang="en-US" dirty="0"/>
               <a:t>The data type and description that follows applies to all of them </a:t>
             </a:r>
           </a:p>
           <a:p>
             <a:pPr lvl="1"/>
             <a:r>
-              <a:rPr lang="en-US" i="1" dirty="0" err="1" smtClean="0"/>
+              <a:rPr lang="en-US" i="1" dirty="0" err="1"/>
               <a:t>args</a:t>
             </a:r>
             <a:r>
-              <a:rPr lang="en-US" i="1" dirty="0" smtClean="0"/>
+              <a:rPr lang="en-US" i="1" dirty="0"/>
               <a:t> </a:t>
             </a:r>
             <a:r>
-              <a:rPr lang="en-US" dirty="0" smtClean="0"/>
+              <a:rPr lang="en-US" dirty="0"/>
               <a:t>in this case is a </a:t>
             </a:r>
             <a:r>
-              <a:rPr lang="en-US" i="1" dirty="0" smtClean="0"/>
+              <a:rPr lang="en-US" i="1" dirty="0"/>
               <a:t>tuple</a:t>
             </a:r>
             <a:endParaRPr lang="en-US" dirty="0"/>
@@ -10118,20 +10036,20 @@
             <a:pPr marL="0" indent="0">
               <a:buNone/>
             </a:pPr>
-            <a:endParaRPr lang="en-US" i="1" dirty="0" smtClean="0"/>
+            <a:endParaRPr lang="en-US" i="1" dirty="0"/>
           </a:p>
           <a:p>
             <a:pPr marL="0" indent="0">
               <a:buNone/>
             </a:pPr>
-            <a:endParaRPr lang="en-US" dirty="0" smtClean="0"/>
+            <a:endParaRPr lang="en-US" dirty="0"/>
           </a:p>
           <a:p>
             <a:pPr marL="0" indent="0">
               <a:buNone/>
             </a:pPr>
             <a:r>
-              <a:rPr lang="en-US" dirty="0" smtClean="0"/>
+              <a:rPr lang="en-US" dirty="0"/>
               <a:t>Example: calculate sum of an unknown number of numbers. </a:t>
             </a:r>
           </a:p>
@@ -10177,13 +10095,6 @@
   <p:clrMapOvr>
     <a:masterClrMapping/>
   </p:clrMapOvr>
-  <p:timing>
-    <p:tnLst>
-      <p:par>
-        <p:cTn id="1" dur="indefinite" restart="never" nodeType="tmRoot"/>
-      </p:par>
-    </p:tnLst>
-  </p:timing>
 </p:sld>
 </file>
 

--- a/slides/rst.pptx
+++ b/slides/rst.pptx
@@ -207,7 +207,7 @@
           <a:p>
             <a:fld id="{90D4793D-962B-AE4B-9653-ECCE89FFBBCD}" type="datetimeFigureOut">
               <a:rPr lang="en-US" smtClean="0"/>
-              <a:t>5/14/21</a:t>
+              <a:t>5/8/22</a:t>
             </a:fld>
             <a:endParaRPr lang="en-US"/>
           </a:p>
@@ -929,7 +929,7 @@
           <a:p>
             <a:fld id="{51673806-0BCD-1F42-BAA8-2011034B3C6A}" type="datetimeFigureOut">
               <a:rPr lang="en-US" smtClean="0"/>
-              <a:t>5/14/21</a:t>
+              <a:t>5/8/22</a:t>
             </a:fld>
             <a:endParaRPr lang="en-US"/>
           </a:p>
@@ -1343,7 +1343,7 @@
           <a:p>
             <a:fld id="{51673806-0BCD-1F42-BAA8-2011034B3C6A}" type="datetimeFigureOut">
               <a:rPr lang="en-US" smtClean="0"/>
-              <a:t>5/14/21</a:t>
+              <a:t>5/8/22</a:t>
             </a:fld>
             <a:endParaRPr lang="en-US"/>
           </a:p>
@@ -1674,7 +1674,7 @@
           <a:p>
             <a:fld id="{51673806-0BCD-1F42-BAA8-2011034B3C6A}" type="datetimeFigureOut">
               <a:rPr lang="en-US" smtClean="0"/>
-              <a:t>5/14/21</a:t>
+              <a:t>5/8/22</a:t>
             </a:fld>
             <a:endParaRPr lang="en-US"/>
           </a:p>
@@ -2074,7 +2074,7 @@
           <a:p>
             <a:fld id="{51673806-0BCD-1F42-BAA8-2011034B3C6A}" type="datetimeFigureOut">
               <a:rPr lang="en-US" smtClean="0"/>
-              <a:t>5/14/21</a:t>
+              <a:t>5/8/22</a:t>
             </a:fld>
             <a:endParaRPr lang="en-US"/>
           </a:p>
@@ -2637,7 +2637,7 @@
           <a:p>
             <a:fld id="{51673806-0BCD-1F42-BAA8-2011034B3C6A}" type="datetimeFigureOut">
               <a:rPr lang="en-US" smtClean="0"/>
-              <a:t>5/14/21</a:t>
+              <a:t>5/8/22</a:t>
             </a:fld>
             <a:endParaRPr lang="en-US"/>
           </a:p>
@@ -3313,7 +3313,7 @@
           <a:p>
             <a:fld id="{51673806-0BCD-1F42-BAA8-2011034B3C6A}" type="datetimeFigureOut">
               <a:rPr lang="en-US" smtClean="0"/>
-              <a:t>5/14/21</a:t>
+              <a:t>5/8/22</a:t>
             </a:fld>
             <a:endParaRPr lang="en-US"/>
           </a:p>
@@ -4221,7 +4221,7 @@
           <a:p>
             <a:fld id="{51673806-0BCD-1F42-BAA8-2011034B3C6A}" type="datetimeFigureOut">
               <a:rPr lang="en-US" smtClean="0"/>
-              <a:t>5/14/21</a:t>
+              <a:t>5/8/22</a:t>
             </a:fld>
             <a:endParaRPr lang="en-US"/>
           </a:p>
@@ -4529,7 +4529,7 @@
           <a:p>
             <a:fld id="{51673806-0BCD-1F42-BAA8-2011034B3C6A}" type="datetimeFigureOut">
               <a:rPr lang="en-US" smtClean="0"/>
-              <a:t>5/14/21</a:t>
+              <a:t>5/8/22</a:t>
             </a:fld>
             <a:endParaRPr lang="en-US"/>
           </a:p>
@@ -4788,7 +4788,7 @@
           <a:p>
             <a:fld id="{51673806-0BCD-1F42-BAA8-2011034B3C6A}" type="datetimeFigureOut">
               <a:rPr lang="en-US" smtClean="0"/>
-              <a:t>5/14/21</a:t>
+              <a:t>5/8/22</a:t>
             </a:fld>
             <a:endParaRPr lang="en-US"/>
           </a:p>
@@ -5111,7 +5111,7 @@
           <a:p>
             <a:fld id="{51673806-0BCD-1F42-BAA8-2011034B3C6A}" type="datetimeFigureOut">
               <a:rPr lang="en-US" smtClean="0"/>
-              <a:t>5/14/21</a:t>
+              <a:t>5/8/22</a:t>
             </a:fld>
             <a:endParaRPr lang="en-US"/>
           </a:p>
@@ -5495,7 +5495,7 @@
           <a:p>
             <a:fld id="{51673806-0BCD-1F42-BAA8-2011034B3C6A}" type="datetimeFigureOut">
               <a:rPr lang="en-US" smtClean="0"/>
-              <a:t>5/14/21</a:t>
+              <a:t>5/8/22</a:t>
             </a:fld>
             <a:endParaRPr lang="en-US"/>
           </a:p>
@@ -5871,7 +5871,7 @@
           <a:p>
             <a:fld id="{51673806-0BCD-1F42-BAA8-2011034B3C6A}" type="datetimeFigureOut">
               <a:rPr lang="en-US" smtClean="0"/>
-              <a:t>5/14/21</a:t>
+              <a:t>5/8/22</a:t>
             </a:fld>
             <a:endParaRPr lang="en-US"/>
           </a:p>
@@ -6377,7 +6377,7 @@
           <a:p>
             <a:fld id="{51673806-0BCD-1F42-BAA8-2011034B3C6A}" type="datetimeFigureOut">
               <a:rPr lang="en-US" smtClean="0"/>
-              <a:t>5/14/21</a:t>
+              <a:t>5/8/22</a:t>
             </a:fld>
             <a:endParaRPr lang="en-US"/>
           </a:p>
@@ -6634,7 +6634,7 @@
           <a:p>
             <a:fld id="{51673806-0BCD-1F42-BAA8-2011034B3C6A}" type="datetimeFigureOut">
               <a:rPr lang="en-US" smtClean="0"/>
-              <a:t>5/14/21</a:t>
+              <a:t>5/8/22</a:t>
             </a:fld>
             <a:endParaRPr lang="en-US"/>
           </a:p>
@@ -6792,7 +6792,7 @@
           <a:p>
             <a:fld id="{51673806-0BCD-1F42-BAA8-2011034B3C6A}" type="datetimeFigureOut">
               <a:rPr lang="en-US" smtClean="0"/>
-              <a:t>5/14/21</a:t>
+              <a:t>5/8/22</a:t>
             </a:fld>
             <a:endParaRPr lang="en-US"/>
           </a:p>
@@ -7182,7 +7182,7 @@
           <a:p>
             <a:fld id="{51673806-0BCD-1F42-BAA8-2011034B3C6A}" type="datetimeFigureOut">
               <a:rPr lang="en-US" smtClean="0"/>
-              <a:t>5/14/21</a:t>
+              <a:t>5/8/22</a:t>
             </a:fld>
             <a:endParaRPr lang="en-US"/>
           </a:p>
@@ -7591,7 +7591,7 @@
           <a:p>
             <a:fld id="{51673806-0BCD-1F42-BAA8-2011034B3C6A}" type="datetimeFigureOut">
               <a:rPr lang="en-US" smtClean="0"/>
-              <a:t>5/14/21</a:t>
+              <a:t>5/8/22</a:t>
             </a:fld>
             <a:endParaRPr lang="en-US"/>
           </a:p>
@@ -7837,7 +7837,7 @@
             <a:fld id="{51673806-0BCD-1F42-BAA8-2011034B3C6A}" type="datetimeFigureOut">
               <a:rPr lang="en-US" smtClean="0"/>
               <a:pPr/>
-              <a:t>5/14/21</a:t>
+              <a:t>5/8/22</a:t>
             </a:fld>
             <a:endParaRPr lang="en-US" dirty="0"/>
           </a:p>
@@ -8301,7 +8301,7 @@
           <a:p>
             <a:r>
               <a:rPr lang="en-US"/>
-              <a:t>SURP 2021 </a:t>
+              <a:t>SURP 2022 </a:t>
             </a:r>
             <a:r>
               <a:rPr lang="en-US" dirty="0"/>

--- a/slides/rst.pptx
+++ b/slides/rst.pptx
@@ -5,7 +5,7 @@
     <p:sldMasterId id="2147484294" r:id="rId1"/>
   </p:sldMasterIdLst>
   <p:notesMasterIdLst>
-    <p:notesMasterId r:id="rId13"/>
+    <p:notesMasterId r:id="rId17"/>
   </p:notesMasterIdLst>
   <p:sldIdLst>
     <p:sldId id="256" r:id="rId2"/>
@@ -19,6 +19,10 @@
     <p:sldId id="263" r:id="rId10"/>
     <p:sldId id="264" r:id="rId11"/>
     <p:sldId id="266" r:id="rId12"/>
+    <p:sldId id="267" r:id="rId13"/>
+    <p:sldId id="268" r:id="rId14"/>
+    <p:sldId id="269" r:id="rId15"/>
+    <p:sldId id="270" r:id="rId16"/>
   </p:sldIdLst>
   <p:sldSz cx="12192000" cy="6858000"/>
   <p:notesSz cx="6858000" cy="9144000"/>
@@ -207,7 +211,7 @@
           <a:p>
             <a:fld id="{90D4793D-962B-AE4B-9653-ECCE89FFBBCD}" type="datetimeFigureOut">
               <a:rPr lang="en-US" smtClean="0"/>
-              <a:t>5/8/22</a:t>
+              <a:t>5/10/22</a:t>
             </a:fld>
             <a:endParaRPr lang="en-US"/>
           </a:p>
@@ -520,13 +524,8 @@
           <a:p>
             <a:r>
               <a:rPr lang="en-US" dirty="0"/>
-              <a:t>Note that you can also do ages(**x) with</a:t>
-            </a:r>
-            <a:r>
-              <a:rPr lang="en-US" baseline="0" dirty="0"/>
-              <a:t> a pre-defined dictionary x and the same functionality runs. </a:t>
-            </a:r>
-            <a:endParaRPr lang="en-US" dirty="0"/>
+              <a:t>Note that you can also do sum(*x) with a pre-defined tuple x and the same functionality runs.</a:t>
+            </a:r>
           </a:p>
         </p:txBody>
       </p:sp>
@@ -537,7 +536,7 @@
             <a:spLocks noGrp="1"/>
           </p:cNvSpPr>
           <p:nvPr>
-            <p:ph type="sldNum" sz="quarter" idx="10"/>
+            <p:ph type="sldNum" sz="quarter" idx="5"/>
           </p:nvPr>
         </p:nvSpPr>
         <p:spPr/>
@@ -547,7 +546,7 @@
           <a:p>
             <a:fld id="{6015BA3D-4842-9A4E-8EED-42DBC3FF31AE}" type="slidenum">
               <a:rPr lang="en-US" smtClean="0"/>
-              <a:t>10</a:t>
+              <a:t>9</a:t>
             </a:fld>
             <a:endParaRPr lang="en-US"/>
           </a:p>
@@ -556,7 +555,7 @@
     </p:spTree>
     <p:extLst>
       <p:ext uri="{BB962C8B-B14F-4D97-AF65-F5344CB8AC3E}">
-        <p14:creationId xmlns:p14="http://schemas.microsoft.com/office/powerpoint/2010/main" val="2068215364"/>
+        <p14:creationId xmlns:p14="http://schemas.microsoft.com/office/powerpoint/2010/main" val="158540734"/>
       </p:ext>
     </p:extLst>
   </p:cSld>
@@ -612,6 +611,106 @@
           <a:p>
             <a:r>
               <a:rPr lang="en-US" dirty="0"/>
+              <a:t>Note that you can also do ages(**x) with</a:t>
+            </a:r>
+            <a:r>
+              <a:rPr lang="en-US" baseline="0" dirty="0"/>
+              <a:t> a pre-defined dictionary x and the same functionality runs. Matplotlib’s API is particularly full of these **</a:t>
+            </a:r>
+            <a:r>
+              <a:rPr lang="en-US" baseline="0" dirty="0" err="1"/>
+              <a:t>kwargs</a:t>
+            </a:r>
+            <a:r>
+              <a:rPr lang="en-US" baseline="0" dirty="0"/>
+              <a:t> constructions, which can get confusing, but to get the keyword arguments your after, simply follow the trail of additional functions that it references.</a:t>
+            </a:r>
+            <a:endParaRPr lang="en-US" dirty="0"/>
+          </a:p>
+        </p:txBody>
+      </p:sp>
+      <p:sp>
+        <p:nvSpPr>
+          <p:cNvPr id="4" name="Slide Number Placeholder 3"/>
+          <p:cNvSpPr>
+            <a:spLocks noGrp="1"/>
+          </p:cNvSpPr>
+          <p:nvPr>
+            <p:ph type="sldNum" sz="quarter" idx="10"/>
+          </p:nvPr>
+        </p:nvSpPr>
+        <p:spPr/>
+        <p:txBody>
+          <a:bodyPr/>
+          <a:lstStyle/>
+          <a:p>
+            <a:fld id="{6015BA3D-4842-9A4E-8EED-42DBC3FF31AE}" type="slidenum">
+              <a:rPr lang="en-US" smtClean="0"/>
+              <a:t>10</a:t>
+            </a:fld>
+            <a:endParaRPr lang="en-US"/>
+          </a:p>
+        </p:txBody>
+      </p:sp>
+    </p:spTree>
+    <p:extLst>
+      <p:ext uri="{BB962C8B-B14F-4D97-AF65-F5344CB8AC3E}">
+        <p14:creationId xmlns:p14="http://schemas.microsoft.com/office/powerpoint/2010/main" val="2068215364"/>
+      </p:ext>
+    </p:extLst>
+  </p:cSld>
+  <p:clrMapOvr>
+    <a:masterClrMapping/>
+  </p:clrMapOvr>
+</p:notes>
+</file>
+
+<file path=ppt/notesSlides/notesSlide3.xml><?xml version="1.0" encoding="utf-8"?>
+<p:notes xmlns:a="http://schemas.openxmlformats.org/drawingml/2006/main" xmlns:r="http://schemas.openxmlformats.org/officeDocument/2006/relationships" xmlns:p="http://schemas.openxmlformats.org/presentationml/2006/main">
+  <p:cSld>
+    <p:spTree>
+      <p:nvGrpSpPr>
+        <p:cNvPr id="1" name=""/>
+        <p:cNvGrpSpPr/>
+        <p:nvPr/>
+      </p:nvGrpSpPr>
+      <p:grpSpPr>
+        <a:xfrm>
+          <a:off x="0" y="0"/>
+          <a:ext cx="0" cy="0"/>
+          <a:chOff x="0" y="0"/>
+          <a:chExt cx="0" cy="0"/>
+        </a:xfrm>
+      </p:grpSpPr>
+      <p:sp>
+        <p:nvSpPr>
+          <p:cNvPr id="2" name="Slide Image Placeholder 1"/>
+          <p:cNvSpPr>
+            <a:spLocks noGrp="1" noRot="1" noChangeAspect="1"/>
+          </p:cNvSpPr>
+          <p:nvPr>
+            <p:ph type="sldImg"/>
+          </p:nvPr>
+        </p:nvSpPr>
+        <p:spPr/>
+      </p:sp>
+      <p:sp>
+        <p:nvSpPr>
+          <p:cNvPr id="3" name="Notes Placeholder 2"/>
+          <p:cNvSpPr>
+            <a:spLocks noGrp="1"/>
+          </p:cNvSpPr>
+          <p:nvPr>
+            <p:ph type="body" idx="1"/>
+          </p:nvPr>
+        </p:nvSpPr>
+        <p:spPr/>
+        <p:txBody>
+          <a:bodyPr/>
+          <a:lstStyle/>
+          <a:p>
+            <a:r>
+              <a:rPr lang="en-US" dirty="0"/>
               <a:t>API: Application Programming Interface </a:t>
             </a:r>
           </a:p>
@@ -644,6 +743,93 @@
     <p:extLst>
       <p:ext uri="{BB962C8B-B14F-4D97-AF65-F5344CB8AC3E}">
         <p14:creationId xmlns:p14="http://schemas.microsoft.com/office/powerpoint/2010/main" val="1158578935"/>
+      </p:ext>
+    </p:extLst>
+  </p:cSld>
+  <p:clrMapOvr>
+    <a:masterClrMapping/>
+  </p:clrMapOvr>
+</p:notes>
+</file>
+
+<file path=ppt/notesSlides/notesSlide4.xml><?xml version="1.0" encoding="utf-8"?>
+<p:notes xmlns:a="http://schemas.openxmlformats.org/drawingml/2006/main" xmlns:r="http://schemas.openxmlformats.org/officeDocument/2006/relationships" xmlns:p="http://schemas.openxmlformats.org/presentationml/2006/main">
+  <p:cSld>
+    <p:spTree>
+      <p:nvGrpSpPr>
+        <p:cNvPr id="1" name=""/>
+        <p:cNvGrpSpPr/>
+        <p:nvPr/>
+      </p:nvGrpSpPr>
+      <p:grpSpPr>
+        <a:xfrm>
+          <a:off x="0" y="0"/>
+          <a:ext cx="0" cy="0"/>
+          <a:chOff x="0" y="0"/>
+          <a:chExt cx="0" cy="0"/>
+        </a:xfrm>
+      </p:grpSpPr>
+      <p:sp>
+        <p:nvSpPr>
+          <p:cNvPr id="2" name="Slide Image Placeholder 1"/>
+          <p:cNvSpPr>
+            <a:spLocks noGrp="1" noRot="1" noChangeAspect="1"/>
+          </p:cNvSpPr>
+          <p:nvPr>
+            <p:ph type="sldImg"/>
+          </p:nvPr>
+        </p:nvSpPr>
+        <p:spPr/>
+      </p:sp>
+      <p:sp>
+        <p:nvSpPr>
+          <p:cNvPr id="3" name="Notes Placeholder 2"/>
+          <p:cNvSpPr>
+            <a:spLocks noGrp="1"/>
+          </p:cNvSpPr>
+          <p:nvPr>
+            <p:ph type="body" idx="1"/>
+          </p:nvPr>
+        </p:nvSpPr>
+        <p:spPr/>
+        <p:txBody>
+          <a:bodyPr/>
+          <a:lstStyle/>
+          <a:p>
+            <a:r>
+              <a:rPr lang="en-US" dirty="0"/>
+              <a:t>Remind them that you can pipe this to a PDF and send it to your collaborators.</a:t>
+            </a:r>
+          </a:p>
+        </p:txBody>
+      </p:sp>
+      <p:sp>
+        <p:nvSpPr>
+          <p:cNvPr id="4" name="Slide Number Placeholder 3"/>
+          <p:cNvSpPr>
+            <a:spLocks noGrp="1"/>
+          </p:cNvSpPr>
+          <p:nvPr>
+            <p:ph type="sldNum" sz="quarter" idx="5"/>
+          </p:nvPr>
+        </p:nvSpPr>
+        <p:spPr/>
+        <p:txBody>
+          <a:bodyPr/>
+          <a:lstStyle/>
+          <a:p>
+            <a:fld id="{6015BA3D-4842-9A4E-8EED-42DBC3FF31AE}" type="slidenum">
+              <a:rPr lang="en-US" smtClean="0"/>
+              <a:t>14</a:t>
+            </a:fld>
+            <a:endParaRPr lang="en-US"/>
+          </a:p>
+        </p:txBody>
+      </p:sp>
+    </p:spTree>
+    <p:extLst>
+      <p:ext uri="{BB962C8B-B14F-4D97-AF65-F5344CB8AC3E}">
+        <p14:creationId xmlns:p14="http://schemas.microsoft.com/office/powerpoint/2010/main" val="2151466782"/>
       </p:ext>
     </p:extLst>
   </p:cSld>
@@ -929,7 +1115,7 @@
           <a:p>
             <a:fld id="{51673806-0BCD-1F42-BAA8-2011034B3C6A}" type="datetimeFigureOut">
               <a:rPr lang="en-US" smtClean="0"/>
-              <a:t>5/8/22</a:t>
+              <a:t>5/10/22</a:t>
             </a:fld>
             <a:endParaRPr lang="en-US"/>
           </a:p>
@@ -1343,7 +1529,7 @@
           <a:p>
             <a:fld id="{51673806-0BCD-1F42-BAA8-2011034B3C6A}" type="datetimeFigureOut">
               <a:rPr lang="en-US" smtClean="0"/>
-              <a:t>5/8/22</a:t>
+              <a:t>5/10/22</a:t>
             </a:fld>
             <a:endParaRPr lang="en-US"/>
           </a:p>
@@ -1674,7 +1860,7 @@
           <a:p>
             <a:fld id="{51673806-0BCD-1F42-BAA8-2011034B3C6A}" type="datetimeFigureOut">
               <a:rPr lang="en-US" smtClean="0"/>
-              <a:t>5/8/22</a:t>
+              <a:t>5/10/22</a:t>
             </a:fld>
             <a:endParaRPr lang="en-US"/>
           </a:p>
@@ -2074,7 +2260,7 @@
           <a:p>
             <a:fld id="{51673806-0BCD-1F42-BAA8-2011034B3C6A}" type="datetimeFigureOut">
               <a:rPr lang="en-US" smtClean="0"/>
-              <a:t>5/8/22</a:t>
+              <a:t>5/10/22</a:t>
             </a:fld>
             <a:endParaRPr lang="en-US"/>
           </a:p>
@@ -2637,7 +2823,7 @@
           <a:p>
             <a:fld id="{51673806-0BCD-1F42-BAA8-2011034B3C6A}" type="datetimeFigureOut">
               <a:rPr lang="en-US" smtClean="0"/>
-              <a:t>5/8/22</a:t>
+              <a:t>5/10/22</a:t>
             </a:fld>
             <a:endParaRPr lang="en-US"/>
           </a:p>
@@ -3313,7 +3499,7 @@
           <a:p>
             <a:fld id="{51673806-0BCD-1F42-BAA8-2011034B3C6A}" type="datetimeFigureOut">
               <a:rPr lang="en-US" smtClean="0"/>
-              <a:t>5/8/22</a:t>
+              <a:t>5/10/22</a:t>
             </a:fld>
             <a:endParaRPr lang="en-US"/>
           </a:p>
@@ -4221,7 +4407,7 @@
           <a:p>
             <a:fld id="{51673806-0BCD-1F42-BAA8-2011034B3C6A}" type="datetimeFigureOut">
               <a:rPr lang="en-US" smtClean="0"/>
-              <a:t>5/8/22</a:t>
+              <a:t>5/10/22</a:t>
             </a:fld>
             <a:endParaRPr lang="en-US"/>
           </a:p>
@@ -4529,7 +4715,7 @@
           <a:p>
             <a:fld id="{51673806-0BCD-1F42-BAA8-2011034B3C6A}" type="datetimeFigureOut">
               <a:rPr lang="en-US" smtClean="0"/>
-              <a:t>5/8/22</a:t>
+              <a:t>5/10/22</a:t>
             </a:fld>
             <a:endParaRPr lang="en-US"/>
           </a:p>
@@ -4788,7 +4974,7 @@
           <a:p>
             <a:fld id="{51673806-0BCD-1F42-BAA8-2011034B3C6A}" type="datetimeFigureOut">
               <a:rPr lang="en-US" smtClean="0"/>
-              <a:t>5/8/22</a:t>
+              <a:t>5/10/22</a:t>
             </a:fld>
             <a:endParaRPr lang="en-US"/>
           </a:p>
@@ -5111,7 +5297,7 @@
           <a:p>
             <a:fld id="{51673806-0BCD-1F42-BAA8-2011034B3C6A}" type="datetimeFigureOut">
               <a:rPr lang="en-US" smtClean="0"/>
-              <a:t>5/8/22</a:t>
+              <a:t>5/10/22</a:t>
             </a:fld>
             <a:endParaRPr lang="en-US"/>
           </a:p>
@@ -5495,7 +5681,7 @@
           <a:p>
             <a:fld id="{51673806-0BCD-1F42-BAA8-2011034B3C6A}" type="datetimeFigureOut">
               <a:rPr lang="en-US" smtClean="0"/>
-              <a:t>5/8/22</a:t>
+              <a:t>5/10/22</a:t>
             </a:fld>
             <a:endParaRPr lang="en-US"/>
           </a:p>
@@ -5871,7 +6057,7 @@
           <a:p>
             <a:fld id="{51673806-0BCD-1F42-BAA8-2011034B3C6A}" type="datetimeFigureOut">
               <a:rPr lang="en-US" smtClean="0"/>
-              <a:t>5/8/22</a:t>
+              <a:t>5/10/22</a:t>
             </a:fld>
             <a:endParaRPr lang="en-US"/>
           </a:p>
@@ -6377,7 +6563,7 @@
           <a:p>
             <a:fld id="{51673806-0BCD-1F42-BAA8-2011034B3C6A}" type="datetimeFigureOut">
               <a:rPr lang="en-US" smtClean="0"/>
-              <a:t>5/8/22</a:t>
+              <a:t>5/10/22</a:t>
             </a:fld>
             <a:endParaRPr lang="en-US"/>
           </a:p>
@@ -6634,7 +6820,7 @@
           <a:p>
             <a:fld id="{51673806-0BCD-1F42-BAA8-2011034B3C6A}" type="datetimeFigureOut">
               <a:rPr lang="en-US" smtClean="0"/>
-              <a:t>5/8/22</a:t>
+              <a:t>5/10/22</a:t>
             </a:fld>
             <a:endParaRPr lang="en-US"/>
           </a:p>
@@ -6792,7 +6978,7 @@
           <a:p>
             <a:fld id="{51673806-0BCD-1F42-BAA8-2011034B3C6A}" type="datetimeFigureOut">
               <a:rPr lang="en-US" smtClean="0"/>
-              <a:t>5/8/22</a:t>
+              <a:t>5/10/22</a:t>
             </a:fld>
             <a:endParaRPr lang="en-US"/>
           </a:p>
@@ -7182,7 +7368,7 @@
           <a:p>
             <a:fld id="{51673806-0BCD-1F42-BAA8-2011034B3C6A}" type="datetimeFigureOut">
               <a:rPr lang="en-US" smtClean="0"/>
-              <a:t>5/8/22</a:t>
+              <a:t>5/10/22</a:t>
             </a:fld>
             <a:endParaRPr lang="en-US"/>
           </a:p>
@@ -7591,7 +7777,7 @@
           <a:p>
             <a:fld id="{51673806-0BCD-1F42-BAA8-2011034B3C6A}" type="datetimeFigureOut">
               <a:rPr lang="en-US" smtClean="0"/>
-              <a:t>5/8/22</a:t>
+              <a:t>5/10/22</a:t>
             </a:fld>
             <a:endParaRPr lang="en-US"/>
           </a:p>
@@ -7837,7 +8023,7 @@
             <a:fld id="{51673806-0BCD-1F42-BAA8-2011034B3C6A}" type="datetimeFigureOut">
               <a:rPr lang="en-US" smtClean="0"/>
               <a:pPr/>
-              <a:t>5/8/22</a:t>
+              <a:t>5/10/22</a:t>
             </a:fld>
             <a:endParaRPr lang="en-US" dirty="0"/>
           </a:p>
@@ -8658,6 +8844,542 @@
 </p:sld>
 </file>
 
+<file path=ppt/slides/slide12.xml><?xml version="1.0" encoding="utf-8"?>
+<p:sld xmlns:a="http://schemas.openxmlformats.org/drawingml/2006/main" xmlns:r="http://schemas.openxmlformats.org/officeDocument/2006/relationships" xmlns:p="http://schemas.openxmlformats.org/presentationml/2006/main">
+  <p:cSld>
+    <p:spTree>
+      <p:nvGrpSpPr>
+        <p:cNvPr id="1" name=""/>
+        <p:cNvGrpSpPr/>
+        <p:nvPr/>
+      </p:nvGrpSpPr>
+      <p:grpSpPr>
+        <a:xfrm>
+          <a:off x="0" y="0"/>
+          <a:ext cx="0" cy="0"/>
+          <a:chOff x="0" y="0"/>
+          <a:chExt cx="0" cy="0"/>
+        </a:xfrm>
+      </p:grpSpPr>
+      <p:sp>
+        <p:nvSpPr>
+          <p:cNvPr id="2" name="Title 1">
+            <a:extLst>
+              <a:ext uri="{FF2B5EF4-FFF2-40B4-BE49-F238E27FC236}">
+                <a16:creationId xmlns:a16="http://schemas.microsoft.com/office/drawing/2014/main" id="{0FBD9646-978A-7D4C-A4A5-DAB3BB709047}"/>
+              </a:ext>
+            </a:extLst>
+          </p:cNvPr>
+          <p:cNvSpPr>
+            <a:spLocks noGrp="1"/>
+          </p:cNvSpPr>
+          <p:nvPr>
+            <p:ph type="title"/>
+          </p:nvPr>
+        </p:nvSpPr>
+        <p:spPr/>
+        <p:txBody>
+          <a:bodyPr/>
+          <a:lstStyle/>
+          <a:p>
+            <a:r>
+              <a:rPr lang="en-US" dirty="0"/>
+              <a:t>Markdown</a:t>
+            </a:r>
+          </a:p>
+        </p:txBody>
+      </p:sp>
+      <p:sp>
+        <p:nvSpPr>
+          <p:cNvPr id="3" name="Content Placeholder 2">
+            <a:extLst>
+              <a:ext uri="{FF2B5EF4-FFF2-40B4-BE49-F238E27FC236}">
+                <a16:creationId xmlns:a16="http://schemas.microsoft.com/office/drawing/2014/main" id="{17914DC0-ABEF-5E46-BAC6-BE33494C78F0}"/>
+              </a:ext>
+            </a:extLst>
+          </p:cNvPr>
+          <p:cNvSpPr>
+            <a:spLocks noGrp="1"/>
+          </p:cNvSpPr>
+          <p:nvPr>
+            <p:ph idx="1"/>
+          </p:nvPr>
+        </p:nvSpPr>
+        <p:spPr>
+          <a:xfrm>
+            <a:off x="255319" y="2092175"/>
+            <a:ext cx="11773549" cy="4617718"/>
+          </a:xfrm>
+        </p:spPr>
+        <p:txBody>
+          <a:bodyPr>
+            <a:normAutofit/>
+          </a:bodyPr>
+          <a:lstStyle/>
+          <a:p>
+            <a:pPr marL="0" indent="0">
+              <a:buNone/>
+            </a:pPr>
+            <a:r>
+              <a:rPr lang="en-US" sz="2300" dirty="0"/>
+              <a:t>Another markup/type-setting language (RST and HTML are also markup languages)</a:t>
+            </a:r>
+          </a:p>
+          <a:p>
+            <a:pPr marL="0" indent="0">
+              <a:buNone/>
+            </a:pPr>
+            <a:endParaRPr lang="en-US" sz="2300" dirty="0"/>
+          </a:p>
+          <a:p>
+            <a:pPr marL="0" indent="0">
+              <a:buNone/>
+            </a:pPr>
+            <a:r>
+              <a:rPr lang="en-US" sz="2300" dirty="0"/>
+              <a:t>Can be written directly within </a:t>
+            </a:r>
+            <a:r>
+              <a:rPr lang="en-US" sz="2300" dirty="0" err="1"/>
+              <a:t>jupyter</a:t>
+            </a:r>
+            <a:r>
+              <a:rPr lang="en-US" sz="2300" dirty="0"/>
+              <a:t> notebooks via </a:t>
+            </a:r>
+            <a:r>
+              <a:rPr lang="en-US" sz="2300" i="1" dirty="0"/>
+              <a:t>Cell &gt; Cell Type &gt; Markdown</a:t>
+            </a:r>
+            <a:endParaRPr lang="en-US" sz="2300" dirty="0"/>
+          </a:p>
+          <a:p>
+            <a:pPr marL="0" indent="0">
+              <a:buNone/>
+            </a:pPr>
+            <a:endParaRPr lang="en-US" sz="2300" dirty="0"/>
+          </a:p>
+          <a:p>
+            <a:pPr marL="0" indent="0">
+              <a:buNone/>
+            </a:pPr>
+            <a:r>
+              <a:rPr lang="en-US" sz="2300" dirty="0"/>
+              <a:t>Can embed hyperlinks to specific locations within your notebook or to external webpages</a:t>
+            </a:r>
+          </a:p>
+          <a:p>
+            <a:pPr marL="0" indent="0">
+              <a:buNone/>
+            </a:pPr>
+            <a:endParaRPr lang="en-US" sz="2300" dirty="0"/>
+          </a:p>
+          <a:p>
+            <a:pPr marL="0" indent="0">
+              <a:buNone/>
+            </a:pPr>
+            <a:r>
+              <a:rPr lang="en-US" sz="2300" dirty="0"/>
+              <a:t>Can include LaTeX math-type and raw HTML</a:t>
+            </a:r>
+          </a:p>
+          <a:p>
+            <a:pPr marL="0" indent="0">
+              <a:buNone/>
+            </a:pPr>
+            <a:endParaRPr lang="en-US" sz="2300" dirty="0"/>
+          </a:p>
+          <a:p>
+            <a:pPr marL="0" indent="0">
+              <a:buNone/>
+            </a:pPr>
+            <a:r>
+              <a:rPr lang="en-US" sz="2300" dirty="0"/>
+              <a:t>By including markdown cells within your </a:t>
+            </a:r>
+            <a:r>
+              <a:rPr lang="en-US" sz="2300" dirty="0" err="1"/>
+              <a:t>jupyter</a:t>
+            </a:r>
+            <a:r>
+              <a:rPr lang="en-US" sz="2300" dirty="0"/>
+              <a:t> notebooks and then exporting to a PDF via </a:t>
+            </a:r>
+            <a:r>
+              <a:rPr lang="en-US" sz="2300" i="1" dirty="0"/>
+              <a:t>File &gt; Download as &gt; PDF via LaTeX (.pdf)</a:t>
+            </a:r>
+            <a:r>
+              <a:rPr lang="en-US" sz="2300" dirty="0"/>
+              <a:t>, you can easily make type-set notes for collaborators</a:t>
+            </a:r>
+          </a:p>
+        </p:txBody>
+      </p:sp>
+    </p:spTree>
+    <p:extLst>
+      <p:ext uri="{BB962C8B-B14F-4D97-AF65-F5344CB8AC3E}">
+        <p14:creationId xmlns:p14="http://schemas.microsoft.com/office/powerpoint/2010/main" val="4190781962"/>
+      </p:ext>
+    </p:extLst>
+  </p:cSld>
+  <p:clrMapOvr>
+    <a:masterClrMapping/>
+  </p:clrMapOvr>
+</p:sld>
+</file>
+
+<file path=ppt/slides/slide13.xml><?xml version="1.0" encoding="utf-8"?>
+<p:sld xmlns:a="http://schemas.openxmlformats.org/drawingml/2006/main" xmlns:r="http://schemas.openxmlformats.org/officeDocument/2006/relationships" xmlns:p="http://schemas.openxmlformats.org/presentationml/2006/main">
+  <p:cSld>
+    <p:spTree>
+      <p:nvGrpSpPr>
+        <p:cNvPr id="1" name=""/>
+        <p:cNvGrpSpPr/>
+        <p:nvPr/>
+      </p:nvGrpSpPr>
+      <p:grpSpPr>
+        <a:xfrm>
+          <a:off x="0" y="0"/>
+          <a:ext cx="0" cy="0"/>
+          <a:chOff x="0" y="0"/>
+          <a:chExt cx="0" cy="0"/>
+        </a:xfrm>
+      </p:grpSpPr>
+      <p:sp>
+        <p:nvSpPr>
+          <p:cNvPr id="2" name="Title 1">
+            <a:extLst>
+              <a:ext uri="{FF2B5EF4-FFF2-40B4-BE49-F238E27FC236}">
+                <a16:creationId xmlns:a16="http://schemas.microsoft.com/office/drawing/2014/main" id="{0FBD9646-978A-7D4C-A4A5-DAB3BB709047}"/>
+              </a:ext>
+            </a:extLst>
+          </p:cNvPr>
+          <p:cNvSpPr>
+            <a:spLocks noGrp="1"/>
+          </p:cNvSpPr>
+          <p:nvPr>
+            <p:ph type="title"/>
+          </p:nvPr>
+        </p:nvSpPr>
+        <p:spPr/>
+        <p:txBody>
+          <a:bodyPr/>
+          <a:lstStyle/>
+          <a:p>
+            <a:r>
+              <a:rPr lang="en-US" dirty="0"/>
+              <a:t>Markdown</a:t>
+            </a:r>
+          </a:p>
+        </p:txBody>
+      </p:sp>
+      <p:pic>
+        <p:nvPicPr>
+          <p:cNvPr id="7" name="Picture 6" descr="Graphical user interface, text, application, email&#10;&#10;Description automatically generated">
+            <a:extLst>
+              <a:ext uri="{FF2B5EF4-FFF2-40B4-BE49-F238E27FC236}">
+                <a16:creationId xmlns:a16="http://schemas.microsoft.com/office/drawing/2014/main" id="{F84ACC30-534B-8540-887A-6D727A73975E}"/>
+              </a:ext>
+            </a:extLst>
+          </p:cNvPr>
+          <p:cNvPicPr>
+            <a:picLocks noChangeAspect="1"/>
+          </p:cNvPicPr>
+          <p:nvPr/>
+        </p:nvPicPr>
+        <p:blipFill>
+          <a:blip r:embed="rId2"/>
+          <a:stretch>
+            <a:fillRect/>
+          </a:stretch>
+        </p:blipFill>
+        <p:spPr>
+          <a:xfrm>
+            <a:off x="0" y="2139725"/>
+            <a:ext cx="12192000" cy="4587653"/>
+          </a:xfrm>
+          <a:prstGeom prst="rect">
+            <a:avLst/>
+          </a:prstGeom>
+        </p:spPr>
+      </p:pic>
+    </p:spTree>
+    <p:extLst>
+      <p:ext uri="{BB962C8B-B14F-4D97-AF65-F5344CB8AC3E}">
+        <p14:creationId xmlns:p14="http://schemas.microsoft.com/office/powerpoint/2010/main" val="2408824824"/>
+      </p:ext>
+    </p:extLst>
+  </p:cSld>
+  <p:clrMapOvr>
+    <a:masterClrMapping/>
+  </p:clrMapOvr>
+</p:sld>
+</file>
+
+<file path=ppt/slides/slide14.xml><?xml version="1.0" encoding="utf-8"?>
+<p:sld xmlns:a="http://schemas.openxmlformats.org/drawingml/2006/main" xmlns:r="http://schemas.openxmlformats.org/officeDocument/2006/relationships" xmlns:p="http://schemas.openxmlformats.org/presentationml/2006/main">
+  <p:cSld>
+    <p:spTree>
+      <p:nvGrpSpPr>
+        <p:cNvPr id="1" name=""/>
+        <p:cNvGrpSpPr/>
+        <p:nvPr/>
+      </p:nvGrpSpPr>
+      <p:grpSpPr>
+        <a:xfrm>
+          <a:off x="0" y="0"/>
+          <a:ext cx="0" cy="0"/>
+          <a:chOff x="0" y="0"/>
+          <a:chExt cx="0" cy="0"/>
+        </a:xfrm>
+      </p:grpSpPr>
+      <p:sp>
+        <p:nvSpPr>
+          <p:cNvPr id="2" name="Title 1">
+            <a:extLst>
+              <a:ext uri="{FF2B5EF4-FFF2-40B4-BE49-F238E27FC236}">
+                <a16:creationId xmlns:a16="http://schemas.microsoft.com/office/drawing/2014/main" id="{0FBD9646-978A-7D4C-A4A5-DAB3BB709047}"/>
+              </a:ext>
+            </a:extLst>
+          </p:cNvPr>
+          <p:cNvSpPr>
+            <a:spLocks noGrp="1"/>
+          </p:cNvSpPr>
+          <p:nvPr>
+            <p:ph type="title"/>
+          </p:nvPr>
+        </p:nvSpPr>
+        <p:spPr/>
+        <p:txBody>
+          <a:bodyPr/>
+          <a:lstStyle/>
+          <a:p>
+            <a:r>
+              <a:rPr lang="en-US" dirty="0"/>
+              <a:t>Markdown</a:t>
+            </a:r>
+          </a:p>
+        </p:txBody>
+      </p:sp>
+      <p:pic>
+        <p:nvPicPr>
+          <p:cNvPr id="4" name="Picture 3" descr="Text&#10;&#10;Description automatically generated">
+            <a:extLst>
+              <a:ext uri="{FF2B5EF4-FFF2-40B4-BE49-F238E27FC236}">
+                <a16:creationId xmlns:a16="http://schemas.microsoft.com/office/drawing/2014/main" id="{8A3FAB2A-4A43-FD44-B956-89D087D46A3D}"/>
+              </a:ext>
+            </a:extLst>
+          </p:cNvPr>
+          <p:cNvPicPr>
+            <a:picLocks noChangeAspect="1"/>
+          </p:cNvPicPr>
+          <p:nvPr/>
+        </p:nvPicPr>
+        <p:blipFill>
+          <a:blip r:embed="rId3"/>
+          <a:stretch>
+            <a:fillRect/>
+          </a:stretch>
+        </p:blipFill>
+        <p:spPr>
+          <a:xfrm>
+            <a:off x="0" y="2220291"/>
+            <a:ext cx="12192000" cy="3884481"/>
+          </a:xfrm>
+          <a:prstGeom prst="rect">
+            <a:avLst/>
+          </a:prstGeom>
+        </p:spPr>
+      </p:pic>
+      <p:sp>
+        <p:nvSpPr>
+          <p:cNvPr id="6" name="Content Placeholder 2">
+            <a:extLst>
+              <a:ext uri="{FF2B5EF4-FFF2-40B4-BE49-F238E27FC236}">
+                <a16:creationId xmlns:a16="http://schemas.microsoft.com/office/drawing/2014/main" id="{9886CDB7-8488-6A45-8437-5ED66E7ABA1B}"/>
+              </a:ext>
+            </a:extLst>
+          </p:cNvPr>
+          <p:cNvSpPr>
+            <a:spLocks noGrp="1"/>
+          </p:cNvSpPr>
+          <p:nvPr>
+            <p:ph idx="1"/>
+          </p:nvPr>
+        </p:nvSpPr>
+        <p:spPr>
+          <a:xfrm>
+            <a:off x="0" y="6394362"/>
+            <a:ext cx="11822805" cy="463638"/>
+          </a:xfrm>
+        </p:spPr>
+        <p:txBody>
+          <a:bodyPr>
+            <a:normAutofit/>
+          </a:bodyPr>
+          <a:lstStyle/>
+          <a:p>
+            <a:pPr marL="0" indent="0">
+              <a:buNone/>
+            </a:pPr>
+            <a:r>
+              <a:rPr lang="en-US" sz="2000" dirty="0"/>
+              <a:t>Markdown can also include images and tables. Reference: </a:t>
+            </a:r>
+            <a:r>
+              <a:rPr lang="en-US" sz="2000" dirty="0">
+                <a:hlinkClick r:id="rId4"/>
+              </a:rPr>
+              <a:t>https://www.markdownguide.org/basic-syntax/</a:t>
+            </a:r>
+            <a:r>
+              <a:rPr lang="en-US" sz="2000" dirty="0"/>
+              <a:t> </a:t>
+            </a:r>
+          </a:p>
+        </p:txBody>
+      </p:sp>
+    </p:spTree>
+    <p:extLst>
+      <p:ext uri="{BB962C8B-B14F-4D97-AF65-F5344CB8AC3E}">
+        <p14:creationId xmlns:p14="http://schemas.microsoft.com/office/powerpoint/2010/main" val="727450340"/>
+      </p:ext>
+    </p:extLst>
+  </p:cSld>
+  <p:clrMapOvr>
+    <a:masterClrMapping/>
+  </p:clrMapOvr>
+</p:sld>
+</file>
+
+<file path=ppt/slides/slide15.xml><?xml version="1.0" encoding="utf-8"?>
+<p:sld xmlns:a="http://schemas.openxmlformats.org/drawingml/2006/main" xmlns:r="http://schemas.openxmlformats.org/officeDocument/2006/relationships" xmlns:p="http://schemas.openxmlformats.org/presentationml/2006/main">
+  <p:cSld>
+    <p:spTree>
+      <p:nvGrpSpPr>
+        <p:cNvPr id="1" name=""/>
+        <p:cNvGrpSpPr/>
+        <p:nvPr/>
+      </p:nvGrpSpPr>
+      <p:grpSpPr>
+        <a:xfrm>
+          <a:off x="0" y="0"/>
+          <a:ext cx="0" cy="0"/>
+          <a:chOff x="0" y="0"/>
+          <a:chExt cx="0" cy="0"/>
+        </a:xfrm>
+      </p:grpSpPr>
+      <p:sp>
+        <p:nvSpPr>
+          <p:cNvPr id="2" name="Title 1">
+            <a:extLst>
+              <a:ext uri="{FF2B5EF4-FFF2-40B4-BE49-F238E27FC236}">
+                <a16:creationId xmlns:a16="http://schemas.microsoft.com/office/drawing/2014/main" id="{E75EC5F5-D7C1-A644-AC75-EDE01AE87C55}"/>
+              </a:ext>
+            </a:extLst>
+          </p:cNvPr>
+          <p:cNvSpPr>
+            <a:spLocks noGrp="1"/>
+          </p:cNvSpPr>
+          <p:nvPr>
+            <p:ph type="title"/>
+          </p:nvPr>
+        </p:nvSpPr>
+        <p:spPr/>
+        <p:txBody>
+          <a:bodyPr/>
+          <a:lstStyle/>
+          <a:p>
+            <a:r>
+              <a:rPr lang="en-US" dirty="0"/>
+              <a:t>Markdown: Stepping-Stone to Web Development</a:t>
+            </a:r>
+          </a:p>
+        </p:txBody>
+      </p:sp>
+      <p:sp>
+        <p:nvSpPr>
+          <p:cNvPr id="3" name="Content Placeholder 2">
+            <a:extLst>
+              <a:ext uri="{FF2B5EF4-FFF2-40B4-BE49-F238E27FC236}">
+                <a16:creationId xmlns:a16="http://schemas.microsoft.com/office/drawing/2014/main" id="{560F8811-A94E-064F-BC0A-4814464D57A2}"/>
+              </a:ext>
+            </a:extLst>
+          </p:cNvPr>
+          <p:cNvSpPr>
+            <a:spLocks noGrp="1"/>
+          </p:cNvSpPr>
+          <p:nvPr>
+            <p:ph idx="1"/>
+          </p:nvPr>
+        </p:nvSpPr>
+        <p:spPr>
+          <a:xfrm>
+            <a:off x="680321" y="2336873"/>
+            <a:ext cx="9613861" cy="3960896"/>
+          </a:xfrm>
+        </p:spPr>
+        <p:txBody>
+          <a:bodyPr/>
+          <a:lstStyle/>
+          <a:p>
+            <a:pPr marL="0" indent="0">
+              <a:buNone/>
+            </a:pPr>
+            <a:r>
+              <a:rPr lang="en-US" dirty="0"/>
+              <a:t>You can build websites in markdown using GitHub Pages</a:t>
+            </a:r>
+          </a:p>
+          <a:p>
+            <a:pPr lvl="1"/>
+            <a:r>
+              <a:rPr lang="en-US" dirty="0"/>
+              <a:t>Having a nice professional website is proving to be increasingly important for getting a foothold in many industries, academia included</a:t>
+            </a:r>
+          </a:p>
+          <a:p>
+            <a:pPr lvl="1"/>
+            <a:r>
+              <a:rPr lang="en-US" dirty="0"/>
+              <a:t>Because you can include raw HTML directly within markdown, it’s a stone’s throw from CSS and JavaScript, the more “bare bones” tools of web development</a:t>
+            </a:r>
+          </a:p>
+          <a:p>
+            <a:pPr lvl="1"/>
+            <a:endParaRPr lang="en-US" dirty="0"/>
+          </a:p>
+          <a:p>
+            <a:pPr marL="0" indent="0">
+              <a:buNone/>
+            </a:pPr>
+            <a:endParaRPr lang="en-US" dirty="0"/>
+          </a:p>
+          <a:p>
+            <a:pPr marL="0" indent="0">
+              <a:buNone/>
+            </a:pPr>
+            <a:r>
+              <a:rPr lang="en-US" dirty="0"/>
+              <a:t>We’ll talk a little bit about GitHub in the last session!</a:t>
+            </a:r>
+          </a:p>
+        </p:txBody>
+      </p:sp>
+    </p:spTree>
+    <p:extLst>
+      <p:ext uri="{BB962C8B-B14F-4D97-AF65-F5344CB8AC3E}">
+        <p14:creationId xmlns:p14="http://schemas.microsoft.com/office/powerpoint/2010/main" val="3842166629"/>
+      </p:ext>
+    </p:extLst>
+  </p:cSld>
+  <p:clrMapOvr>
+    <a:masterClrMapping/>
+  </p:clrMapOvr>
+</p:sld>
+</file>
+
 <file path=ppt/slides/slide2.xml><?xml version="1.0" encoding="utf-8"?>
 <p:sld xmlns:a="http://schemas.openxmlformats.org/drawingml/2006/main" xmlns:r="http://schemas.openxmlformats.org/officeDocument/2006/relationships" xmlns:p="http://schemas.openxmlformats.org/presentationml/2006/main">
   <p:cSld>
@@ -9694,12 +10416,14 @@
         </p:nvSpPr>
         <p:spPr>
           <a:xfrm>
-            <a:off x="680322" y="2336873"/>
-            <a:ext cx="5788718" cy="3599316"/>
-          </a:xfrm>
-        </p:spPr>
-        <p:txBody>
-          <a:bodyPr/>
+            <a:off x="293306" y="1985963"/>
+            <a:ext cx="6175733" cy="4872038"/>
+          </a:xfrm>
+        </p:spPr>
+        <p:txBody>
+          <a:bodyPr>
+            <a:normAutofit/>
+          </a:bodyPr>
           <a:lstStyle/>
           <a:p>
             <a:pPr marL="457200" indent="-457200">
@@ -9751,6 +10475,37 @@
             <a:r>
               <a:rPr lang="en-US" dirty="0"/>
               <a:t>Example code </a:t>
+            </a:r>
+          </a:p>
+          <a:p>
+            <a:pPr marL="0" indent="0">
+              <a:buNone/>
+            </a:pPr>
+            <a:endParaRPr lang="en-US" dirty="0"/>
+          </a:p>
+          <a:p>
+            <a:pPr marL="0" indent="0">
+              <a:buNone/>
+            </a:pPr>
+            <a:r>
+              <a:rPr lang="en-US" dirty="0"/>
+              <a:t>Math is written with </a:t>
+            </a:r>
+            <a:r>
+              <a:rPr lang="en-US" i="1" dirty="0"/>
+              <a:t>:math:</a:t>
+            </a:r>
+            <a:r>
+              <a:rPr lang="en-US" dirty="0"/>
+              <a:t> followed by LaTeX style escape sequences within `` (e.g. </a:t>
+            </a:r>
+            <a:r>
+              <a:rPr lang="en-US" i="1" dirty="0"/>
+              <a:t>:math:`\eta`</a:t>
+            </a:r>
+            <a:r>
+              <a:rPr lang="en-US" dirty="0"/>
+              <a:t>)</a:t>
             </a:r>
           </a:p>
         </p:txBody>
@@ -10064,7 +10819,7 @@
           <p:nvPr/>
         </p:nvPicPr>
         <p:blipFill>
-          <a:blip r:embed="rId2">
+          <a:blip r:embed="rId3">
             <a:extLst>
               <a:ext uri="{28A0092B-C50C-407E-A947-70E740481C1C}">
                 <a14:useLocalDpi xmlns:a14="http://schemas.microsoft.com/office/drawing/2010/main" val="0"/>

--- a/slides/rst.pptx
+++ b/slides/rst.pptx
@@ -211,7 +211,7 @@
           <a:p>
             <a:fld id="{90D4793D-962B-AE4B-9653-ECCE89FFBBCD}" type="datetimeFigureOut">
               <a:rPr lang="en-US" smtClean="0"/>
-              <a:t>5/10/22</a:t>
+              <a:t>5/13/22</a:t>
             </a:fld>
             <a:endParaRPr lang="en-US"/>
           </a:p>
@@ -522,10 +522,7 @@
           <a:bodyPr/>
           <a:lstStyle/>
           <a:p>
-            <a:r>
-              <a:rPr lang="en-US" dirty="0"/>
-              <a:t>Note that you can also do sum(*x) with a pre-defined tuple x and the same functionality runs.</a:t>
-            </a:r>
+            <a:endParaRPr lang="en-US" dirty="0"/>
           </a:p>
         </p:txBody>
       </p:sp>
@@ -546,7 +543,7 @@
           <a:p>
             <a:fld id="{6015BA3D-4842-9A4E-8EED-42DBC3FF31AE}" type="slidenum">
               <a:rPr lang="en-US" smtClean="0"/>
-              <a:t>9</a:t>
+              <a:t>8</a:t>
             </a:fld>
             <a:endParaRPr lang="en-US"/>
           </a:p>
@@ -555,7 +552,7 @@
     </p:spTree>
     <p:extLst>
       <p:ext uri="{BB962C8B-B14F-4D97-AF65-F5344CB8AC3E}">
-        <p14:creationId xmlns:p14="http://schemas.microsoft.com/office/powerpoint/2010/main" val="158540734"/>
+        <p14:creationId xmlns:p14="http://schemas.microsoft.com/office/powerpoint/2010/main" val="1174523625"/>
       </p:ext>
     </p:extLst>
   </p:cSld>
@@ -611,21 +608,8 @@
           <a:p>
             <a:r>
               <a:rPr lang="en-US" dirty="0"/>
-              <a:t>Note that you can also do ages(**x) with</a:t>
-            </a:r>
-            <a:r>
-              <a:rPr lang="en-US" baseline="0" dirty="0"/>
-              <a:t> a pre-defined dictionary x and the same functionality runs. Matplotlib’s API is particularly full of these **</a:t>
-            </a:r>
-            <a:r>
-              <a:rPr lang="en-US" baseline="0" dirty="0" err="1"/>
-              <a:t>kwargs</a:t>
-            </a:r>
-            <a:r>
-              <a:rPr lang="en-US" baseline="0" dirty="0"/>
-              <a:t> constructions, which can get confusing, but to get the keyword arguments your after, simply follow the trail of additional functions that it references.</a:t>
-            </a:r>
-            <a:endParaRPr lang="en-US" dirty="0"/>
+              <a:t>Note that you can also do sum(*x) with a pre-defined tuple x and the same functionality runs.</a:t>
+            </a:r>
           </a:p>
         </p:txBody>
       </p:sp>
@@ -636,7 +620,7 @@
             <a:spLocks noGrp="1"/>
           </p:cNvSpPr>
           <p:nvPr>
-            <p:ph type="sldNum" sz="quarter" idx="10"/>
+            <p:ph type="sldNum" sz="quarter" idx="5"/>
           </p:nvPr>
         </p:nvSpPr>
         <p:spPr/>
@@ -646,7 +630,7 @@
           <a:p>
             <a:fld id="{6015BA3D-4842-9A4E-8EED-42DBC3FF31AE}" type="slidenum">
               <a:rPr lang="en-US" smtClean="0"/>
-              <a:t>10</a:t>
+              <a:t>9</a:t>
             </a:fld>
             <a:endParaRPr lang="en-US"/>
           </a:p>
@@ -655,7 +639,7 @@
     </p:spTree>
     <p:extLst>
       <p:ext uri="{BB962C8B-B14F-4D97-AF65-F5344CB8AC3E}">
-        <p14:creationId xmlns:p14="http://schemas.microsoft.com/office/powerpoint/2010/main" val="2068215364"/>
+        <p14:creationId xmlns:p14="http://schemas.microsoft.com/office/powerpoint/2010/main" val="158540734"/>
       </p:ext>
     </p:extLst>
   </p:cSld>
@@ -711,6 +695,106 @@
           <a:p>
             <a:r>
               <a:rPr lang="en-US" dirty="0"/>
+              <a:t>Note that you can also do ages(**x) with</a:t>
+            </a:r>
+            <a:r>
+              <a:rPr lang="en-US" baseline="0" dirty="0"/>
+              <a:t> a pre-defined dictionary x and the same functionality runs. Matplotlib’s API is particularly full of these **</a:t>
+            </a:r>
+            <a:r>
+              <a:rPr lang="en-US" baseline="0" dirty="0" err="1"/>
+              <a:t>kwargs</a:t>
+            </a:r>
+            <a:r>
+              <a:rPr lang="en-US" baseline="0" dirty="0"/>
+              <a:t> constructions, which can get confusing, but to get the keyword arguments your after, simply follow the trail of additional functions that it references.</a:t>
+            </a:r>
+            <a:endParaRPr lang="en-US" dirty="0"/>
+          </a:p>
+        </p:txBody>
+      </p:sp>
+      <p:sp>
+        <p:nvSpPr>
+          <p:cNvPr id="4" name="Slide Number Placeholder 3"/>
+          <p:cNvSpPr>
+            <a:spLocks noGrp="1"/>
+          </p:cNvSpPr>
+          <p:nvPr>
+            <p:ph type="sldNum" sz="quarter" idx="10"/>
+          </p:nvPr>
+        </p:nvSpPr>
+        <p:spPr/>
+        <p:txBody>
+          <a:bodyPr/>
+          <a:lstStyle/>
+          <a:p>
+            <a:fld id="{6015BA3D-4842-9A4E-8EED-42DBC3FF31AE}" type="slidenum">
+              <a:rPr lang="en-US" smtClean="0"/>
+              <a:t>10</a:t>
+            </a:fld>
+            <a:endParaRPr lang="en-US"/>
+          </a:p>
+        </p:txBody>
+      </p:sp>
+    </p:spTree>
+    <p:extLst>
+      <p:ext uri="{BB962C8B-B14F-4D97-AF65-F5344CB8AC3E}">
+        <p14:creationId xmlns:p14="http://schemas.microsoft.com/office/powerpoint/2010/main" val="2068215364"/>
+      </p:ext>
+    </p:extLst>
+  </p:cSld>
+  <p:clrMapOvr>
+    <a:masterClrMapping/>
+  </p:clrMapOvr>
+</p:notes>
+</file>
+
+<file path=ppt/notesSlides/notesSlide4.xml><?xml version="1.0" encoding="utf-8"?>
+<p:notes xmlns:a="http://schemas.openxmlformats.org/drawingml/2006/main" xmlns:r="http://schemas.openxmlformats.org/officeDocument/2006/relationships" xmlns:p="http://schemas.openxmlformats.org/presentationml/2006/main">
+  <p:cSld>
+    <p:spTree>
+      <p:nvGrpSpPr>
+        <p:cNvPr id="1" name=""/>
+        <p:cNvGrpSpPr/>
+        <p:nvPr/>
+      </p:nvGrpSpPr>
+      <p:grpSpPr>
+        <a:xfrm>
+          <a:off x="0" y="0"/>
+          <a:ext cx="0" cy="0"/>
+          <a:chOff x="0" y="0"/>
+          <a:chExt cx="0" cy="0"/>
+        </a:xfrm>
+      </p:grpSpPr>
+      <p:sp>
+        <p:nvSpPr>
+          <p:cNvPr id="2" name="Slide Image Placeholder 1"/>
+          <p:cNvSpPr>
+            <a:spLocks noGrp="1" noRot="1" noChangeAspect="1"/>
+          </p:cNvSpPr>
+          <p:nvPr>
+            <p:ph type="sldImg"/>
+          </p:nvPr>
+        </p:nvSpPr>
+        <p:spPr/>
+      </p:sp>
+      <p:sp>
+        <p:nvSpPr>
+          <p:cNvPr id="3" name="Notes Placeholder 2"/>
+          <p:cNvSpPr>
+            <a:spLocks noGrp="1"/>
+          </p:cNvSpPr>
+          <p:nvPr>
+            <p:ph type="body" idx="1"/>
+          </p:nvPr>
+        </p:nvSpPr>
+        <p:spPr/>
+        <p:txBody>
+          <a:bodyPr/>
+          <a:lstStyle/>
+          <a:p>
+            <a:r>
+              <a:rPr lang="en-US" dirty="0"/>
               <a:t>API: Application Programming Interface </a:t>
             </a:r>
           </a:p>
@@ -752,7 +836,7 @@
 </p:notes>
 </file>
 
-<file path=ppt/notesSlides/notesSlide4.xml><?xml version="1.0" encoding="utf-8"?>
+<file path=ppt/notesSlides/notesSlide5.xml><?xml version="1.0" encoding="utf-8"?>
 <p:notes xmlns:a="http://schemas.openxmlformats.org/drawingml/2006/main" xmlns:r="http://schemas.openxmlformats.org/officeDocument/2006/relationships" xmlns:p="http://schemas.openxmlformats.org/presentationml/2006/main">
   <p:cSld>
     <p:spTree>
@@ -1115,7 +1199,7 @@
           <a:p>
             <a:fld id="{51673806-0BCD-1F42-BAA8-2011034B3C6A}" type="datetimeFigureOut">
               <a:rPr lang="en-US" smtClean="0"/>
-              <a:t>5/10/22</a:t>
+              <a:t>5/13/22</a:t>
             </a:fld>
             <a:endParaRPr lang="en-US"/>
           </a:p>
@@ -1529,7 +1613,7 @@
           <a:p>
             <a:fld id="{51673806-0BCD-1F42-BAA8-2011034B3C6A}" type="datetimeFigureOut">
               <a:rPr lang="en-US" smtClean="0"/>
-              <a:t>5/10/22</a:t>
+              <a:t>5/13/22</a:t>
             </a:fld>
             <a:endParaRPr lang="en-US"/>
           </a:p>
@@ -1860,7 +1944,7 @@
           <a:p>
             <a:fld id="{51673806-0BCD-1F42-BAA8-2011034B3C6A}" type="datetimeFigureOut">
               <a:rPr lang="en-US" smtClean="0"/>
-              <a:t>5/10/22</a:t>
+              <a:t>5/13/22</a:t>
             </a:fld>
             <a:endParaRPr lang="en-US"/>
           </a:p>
@@ -2260,7 +2344,7 @@
           <a:p>
             <a:fld id="{51673806-0BCD-1F42-BAA8-2011034B3C6A}" type="datetimeFigureOut">
               <a:rPr lang="en-US" smtClean="0"/>
-              <a:t>5/10/22</a:t>
+              <a:t>5/13/22</a:t>
             </a:fld>
             <a:endParaRPr lang="en-US"/>
           </a:p>
@@ -2823,7 +2907,7 @@
           <a:p>
             <a:fld id="{51673806-0BCD-1F42-BAA8-2011034B3C6A}" type="datetimeFigureOut">
               <a:rPr lang="en-US" smtClean="0"/>
-              <a:t>5/10/22</a:t>
+              <a:t>5/13/22</a:t>
             </a:fld>
             <a:endParaRPr lang="en-US"/>
           </a:p>
@@ -3499,7 +3583,7 @@
           <a:p>
             <a:fld id="{51673806-0BCD-1F42-BAA8-2011034B3C6A}" type="datetimeFigureOut">
               <a:rPr lang="en-US" smtClean="0"/>
-              <a:t>5/10/22</a:t>
+              <a:t>5/13/22</a:t>
             </a:fld>
             <a:endParaRPr lang="en-US"/>
           </a:p>
@@ -4407,7 +4491,7 @@
           <a:p>
             <a:fld id="{51673806-0BCD-1F42-BAA8-2011034B3C6A}" type="datetimeFigureOut">
               <a:rPr lang="en-US" smtClean="0"/>
-              <a:t>5/10/22</a:t>
+              <a:t>5/13/22</a:t>
             </a:fld>
             <a:endParaRPr lang="en-US"/>
           </a:p>
@@ -4715,7 +4799,7 @@
           <a:p>
             <a:fld id="{51673806-0BCD-1F42-BAA8-2011034B3C6A}" type="datetimeFigureOut">
               <a:rPr lang="en-US" smtClean="0"/>
-              <a:t>5/10/22</a:t>
+              <a:t>5/13/22</a:t>
             </a:fld>
             <a:endParaRPr lang="en-US"/>
           </a:p>
@@ -4974,7 +5058,7 @@
           <a:p>
             <a:fld id="{51673806-0BCD-1F42-BAA8-2011034B3C6A}" type="datetimeFigureOut">
               <a:rPr lang="en-US" smtClean="0"/>
-              <a:t>5/10/22</a:t>
+              <a:t>5/13/22</a:t>
             </a:fld>
             <a:endParaRPr lang="en-US"/>
           </a:p>
@@ -5297,7 +5381,7 @@
           <a:p>
             <a:fld id="{51673806-0BCD-1F42-BAA8-2011034B3C6A}" type="datetimeFigureOut">
               <a:rPr lang="en-US" smtClean="0"/>
-              <a:t>5/10/22</a:t>
+              <a:t>5/13/22</a:t>
             </a:fld>
             <a:endParaRPr lang="en-US"/>
           </a:p>
@@ -5681,7 +5765,7 @@
           <a:p>
             <a:fld id="{51673806-0BCD-1F42-BAA8-2011034B3C6A}" type="datetimeFigureOut">
               <a:rPr lang="en-US" smtClean="0"/>
-              <a:t>5/10/22</a:t>
+              <a:t>5/13/22</a:t>
             </a:fld>
             <a:endParaRPr lang="en-US"/>
           </a:p>
@@ -6057,7 +6141,7 @@
           <a:p>
             <a:fld id="{51673806-0BCD-1F42-BAA8-2011034B3C6A}" type="datetimeFigureOut">
               <a:rPr lang="en-US" smtClean="0"/>
-              <a:t>5/10/22</a:t>
+              <a:t>5/13/22</a:t>
             </a:fld>
             <a:endParaRPr lang="en-US"/>
           </a:p>
@@ -6563,7 +6647,7 @@
           <a:p>
             <a:fld id="{51673806-0BCD-1F42-BAA8-2011034B3C6A}" type="datetimeFigureOut">
               <a:rPr lang="en-US" smtClean="0"/>
-              <a:t>5/10/22</a:t>
+              <a:t>5/13/22</a:t>
             </a:fld>
             <a:endParaRPr lang="en-US"/>
           </a:p>
@@ -6820,7 +6904,7 @@
           <a:p>
             <a:fld id="{51673806-0BCD-1F42-BAA8-2011034B3C6A}" type="datetimeFigureOut">
               <a:rPr lang="en-US" smtClean="0"/>
-              <a:t>5/10/22</a:t>
+              <a:t>5/13/22</a:t>
             </a:fld>
             <a:endParaRPr lang="en-US"/>
           </a:p>
@@ -6978,7 +7062,7 @@
           <a:p>
             <a:fld id="{51673806-0BCD-1F42-BAA8-2011034B3C6A}" type="datetimeFigureOut">
               <a:rPr lang="en-US" smtClean="0"/>
-              <a:t>5/10/22</a:t>
+              <a:t>5/13/22</a:t>
             </a:fld>
             <a:endParaRPr lang="en-US"/>
           </a:p>
@@ -7368,7 +7452,7 @@
           <a:p>
             <a:fld id="{51673806-0BCD-1F42-BAA8-2011034B3C6A}" type="datetimeFigureOut">
               <a:rPr lang="en-US" smtClean="0"/>
-              <a:t>5/10/22</a:t>
+              <a:t>5/13/22</a:t>
             </a:fld>
             <a:endParaRPr lang="en-US"/>
           </a:p>
@@ -7777,7 +7861,7 @@
           <a:p>
             <a:fld id="{51673806-0BCD-1F42-BAA8-2011034B3C6A}" type="datetimeFigureOut">
               <a:rPr lang="en-US" smtClean="0"/>
-              <a:t>5/10/22</a:t>
+              <a:t>5/13/22</a:t>
             </a:fld>
             <a:endParaRPr lang="en-US"/>
           </a:p>
@@ -8023,7 +8107,7 @@
             <a:fld id="{51673806-0BCD-1F42-BAA8-2011034B3C6A}" type="datetimeFigureOut">
               <a:rPr lang="en-US" smtClean="0"/>
               <a:pPr/>
-              <a:t>5/10/22</a:t>
+              <a:t>5/13/22</a:t>
             </a:fld>
             <a:endParaRPr lang="en-US" dirty="0"/>
           </a:p>
@@ -8951,7 +9035,29 @@
               <a:rPr lang="en-US" sz="2300" i="1" dirty="0"/>
               <a:t>Cell &gt; Cell Type &gt; Markdown</a:t>
             </a:r>
-            <a:endParaRPr lang="en-US" sz="2300" dirty="0"/>
+          </a:p>
+          <a:p>
+            <a:pPr lvl="1"/>
+            <a:r>
+              <a:rPr lang="en-US" sz="1900" dirty="0"/>
+              <a:t>Files with extension </a:t>
+            </a:r>
+            <a:r>
+              <a:rPr lang="en-US" sz="1900" i="1" dirty="0"/>
+              <a:t>.md </a:t>
+            </a:r>
+            <a:r>
+              <a:rPr lang="en-US" sz="1900" dirty="0"/>
+              <a:t>(e.g. </a:t>
+            </a:r>
+            <a:r>
+              <a:rPr lang="en-US" sz="1900" dirty="0" err="1"/>
+              <a:t>README.md</a:t>
+            </a:r>
+            <a:r>
+              <a:rPr lang="en-US" sz="1900" dirty="0"/>
+              <a:t>)</a:t>
+            </a:r>
           </a:p>
           <a:p>
             <a:pPr marL="0" indent="0">
@@ -8965,7 +9071,21 @@
             </a:pPr>
             <a:r>
               <a:rPr lang="en-US" sz="2300" dirty="0"/>
-              <a:t>Can embed hyperlinks to specific locations within your notebook or to external webpages</a:t>
+              <a:t>Some useful capabilities:</a:t>
+            </a:r>
+          </a:p>
+          <a:p>
+            <a:pPr lvl="1"/>
+            <a:r>
+              <a:rPr lang="en-US" sz="1900" dirty="0"/>
+              <a:t>Embed hyperlinks to specific locations within your notebook or to external webpages</a:t>
+            </a:r>
+          </a:p>
+          <a:p>
+            <a:pPr lvl="1"/>
+            <a:r>
+              <a:rPr lang="en-US" sz="1900" dirty="0"/>
+              <a:t>Include LaTeX math-type and raw HTML</a:t>
             </a:r>
           </a:p>
           <a:p>
@@ -8980,22 +9100,7 @@
             </a:pPr>
             <a:r>
               <a:rPr lang="en-US" sz="2300" dirty="0"/>
-              <a:t>Can include LaTeX math-type and raw HTML</a:t>
-            </a:r>
-          </a:p>
-          <a:p>
-            <a:pPr marL="0" indent="0">
-              <a:buNone/>
-            </a:pPr>
-            <a:endParaRPr lang="en-US" sz="2300" dirty="0"/>
-          </a:p>
-          <a:p>
-            <a:pPr marL="0" indent="0">
-              <a:buNone/>
-            </a:pPr>
-            <a:r>
-              <a:rPr lang="en-US" sz="2300" dirty="0"/>
-              <a:t>By including markdown cells within your </a:t>
+              <a:t>By using markdown cells in </a:t>
             </a:r>
             <a:r>
               <a:rPr lang="en-US" sz="2300" dirty="0" err="1"/>
@@ -9011,7 +9116,7 @@
             </a:r>
             <a:r>
               <a:rPr lang="en-US" sz="2300" dirty="0"/>
-              <a:t>, you can easily make type-set notes for collaborators</a:t>
+              <a:t>, you can easily make nicely formatted notes for collaborators</a:t>
             </a:r>
           </a:p>
         </p:txBody>
@@ -10587,7 +10692,7 @@
           <a:p>
             <a:r>
               <a:rPr lang="en-US" dirty="0">
-                <a:hlinkClick r:id="rId2"/>
+                <a:hlinkClick r:id="rId3"/>
               </a:rPr>
               <a:t>What This Example Looks Like in HTML</a:t>
             </a:r>
@@ -10658,7 +10763,7 @@
           <p:nvPr/>
         </p:nvPicPr>
         <p:blipFill>
-          <a:blip r:embed="rId3"/>
+          <a:blip r:embed="rId4"/>
           <a:stretch>
             <a:fillRect/>
           </a:stretch>
